--- a/블루체크 기술스펙.pptx
+++ b/블루체크 기술스펙.pptx
@@ -5,19 +5,20 @@
     <p:sldMasterId id="2147483648" r:id="rId1"/>
   </p:sldMasterIdLst>
   <p:notesMasterIdLst>
-    <p:notesMasterId r:id="rId12"/>
+    <p:notesMasterId r:id="rId13"/>
   </p:notesMasterIdLst>
   <p:sldIdLst>
     <p:sldId id="256" r:id="rId2"/>
-    <p:sldId id="260" r:id="rId3"/>
-    <p:sldId id="261" r:id="rId4"/>
-    <p:sldId id="258" r:id="rId5"/>
-    <p:sldId id="259" r:id="rId6"/>
-    <p:sldId id="264" r:id="rId7"/>
-    <p:sldId id="265" r:id="rId8"/>
-    <p:sldId id="257" r:id="rId9"/>
-    <p:sldId id="262" r:id="rId10"/>
-    <p:sldId id="266" r:id="rId11"/>
+    <p:sldId id="267" r:id="rId3"/>
+    <p:sldId id="260" r:id="rId4"/>
+    <p:sldId id="261" r:id="rId5"/>
+    <p:sldId id="258" r:id="rId6"/>
+    <p:sldId id="259" r:id="rId7"/>
+    <p:sldId id="264" r:id="rId8"/>
+    <p:sldId id="265" r:id="rId9"/>
+    <p:sldId id="257" r:id="rId10"/>
+    <p:sldId id="262" r:id="rId11"/>
+    <p:sldId id="266" r:id="rId12"/>
   </p:sldIdLst>
   <p:sldSz cx="12192000" cy="6858000"/>
   <p:notesSz cx="6858000" cy="9144000"/>
@@ -116,6 +117,11 @@
       </a:defRPr>
     </a:lvl9pPr>
   </p:defaultTextStyle>
+  <p:extLst>
+    <p:ext uri="{EFAFB233-063F-42B5-8137-9DF3F51BA10A}">
+      <p15:sldGuideLst xmlns:p15="http://schemas.microsoft.com/office/powerpoint/2012/main"/>
+    </p:ext>
+  </p:extLst>
 </p:presentation>
 </file>
 
@@ -213,7 +219,7 @@
           <a:p>
             <a:fld id="{538D44DE-24FD-4554-87BD-E87D3FA8D5D9}" type="datetimeFigureOut">
               <a:rPr lang="ko-KR" altLang="en-US" smtClean="0"/>
-              <a:t>2020-06-15</a:t>
+              <a:t>2020-08-29</a:t>
             </a:fld>
             <a:endParaRPr lang="ko-KR" altLang="en-US"/>
           </a:p>
@@ -550,7 +556,7 @@
           <a:p>
             <a:fld id="{BC849446-0FC1-4AF9-8122-865C20BF3F95}" type="slidenum">
               <a:rPr lang="ko-KR" altLang="en-US" smtClean="0"/>
-              <a:t>8</a:t>
+              <a:t>9</a:t>
             </a:fld>
             <a:endParaRPr lang="ko-KR" altLang="en-US"/>
           </a:p>
@@ -639,7 +645,7 @@
           <a:p>
             <a:fld id="{BC849446-0FC1-4AF9-8122-865C20BF3F95}" type="slidenum">
               <a:rPr lang="ko-KR" altLang="en-US" smtClean="0"/>
-              <a:t>9</a:t>
+              <a:t>10</a:t>
             </a:fld>
             <a:endParaRPr lang="ko-KR" altLang="en-US"/>
           </a:p>
@@ -805,7 +811,7 @@
           <a:p>
             <a:fld id="{B6BCB059-7109-4EFA-861A-D79B82CAF91D}" type="datetimeFigureOut">
               <a:rPr lang="ko-KR" altLang="en-US" smtClean="0"/>
-              <a:t>2020-06-15</a:t>
+              <a:t>2020-08-29</a:t>
             </a:fld>
             <a:endParaRPr lang="ko-KR" altLang="en-US"/>
           </a:p>
@@ -1003,7 +1009,7 @@
           <a:p>
             <a:fld id="{B6BCB059-7109-4EFA-861A-D79B82CAF91D}" type="datetimeFigureOut">
               <a:rPr lang="ko-KR" altLang="en-US" smtClean="0"/>
-              <a:t>2020-06-15</a:t>
+              <a:t>2020-08-29</a:t>
             </a:fld>
             <a:endParaRPr lang="ko-KR" altLang="en-US"/>
           </a:p>
@@ -1211,7 +1217,7 @@
           <a:p>
             <a:fld id="{B6BCB059-7109-4EFA-861A-D79B82CAF91D}" type="datetimeFigureOut">
               <a:rPr lang="ko-KR" altLang="en-US" smtClean="0"/>
-              <a:t>2020-06-15</a:t>
+              <a:t>2020-08-29</a:t>
             </a:fld>
             <a:endParaRPr lang="ko-KR" altLang="en-US"/>
           </a:p>
@@ -1409,7 +1415,7 @@
           <a:p>
             <a:fld id="{B6BCB059-7109-4EFA-861A-D79B82CAF91D}" type="datetimeFigureOut">
               <a:rPr lang="ko-KR" altLang="en-US" smtClean="0"/>
-              <a:t>2020-06-15</a:t>
+              <a:t>2020-08-29</a:t>
             </a:fld>
             <a:endParaRPr lang="ko-KR" altLang="en-US"/>
           </a:p>
@@ -1684,7 +1690,7 @@
           <a:p>
             <a:fld id="{B6BCB059-7109-4EFA-861A-D79B82CAF91D}" type="datetimeFigureOut">
               <a:rPr lang="ko-KR" altLang="en-US" smtClean="0"/>
-              <a:t>2020-06-15</a:t>
+              <a:t>2020-08-29</a:t>
             </a:fld>
             <a:endParaRPr lang="ko-KR" altLang="en-US"/>
           </a:p>
@@ -1949,7 +1955,7 @@
           <a:p>
             <a:fld id="{B6BCB059-7109-4EFA-861A-D79B82CAF91D}" type="datetimeFigureOut">
               <a:rPr lang="ko-KR" altLang="en-US" smtClean="0"/>
-              <a:t>2020-06-15</a:t>
+              <a:t>2020-08-29</a:t>
             </a:fld>
             <a:endParaRPr lang="ko-KR" altLang="en-US"/>
           </a:p>
@@ -2361,7 +2367,7 @@
           <a:p>
             <a:fld id="{B6BCB059-7109-4EFA-861A-D79B82CAF91D}" type="datetimeFigureOut">
               <a:rPr lang="ko-KR" altLang="en-US" smtClean="0"/>
-              <a:t>2020-06-15</a:t>
+              <a:t>2020-08-29</a:t>
             </a:fld>
             <a:endParaRPr lang="ko-KR" altLang="en-US"/>
           </a:p>
@@ -2502,7 +2508,7 @@
           <a:p>
             <a:fld id="{B6BCB059-7109-4EFA-861A-D79B82CAF91D}" type="datetimeFigureOut">
               <a:rPr lang="ko-KR" altLang="en-US" smtClean="0"/>
-              <a:t>2020-06-15</a:t>
+              <a:t>2020-08-29</a:t>
             </a:fld>
             <a:endParaRPr lang="ko-KR" altLang="en-US"/>
           </a:p>
@@ -2615,7 +2621,7 @@
           <a:p>
             <a:fld id="{B6BCB059-7109-4EFA-861A-D79B82CAF91D}" type="datetimeFigureOut">
               <a:rPr lang="ko-KR" altLang="en-US" smtClean="0"/>
-              <a:t>2020-06-15</a:t>
+              <a:t>2020-08-29</a:t>
             </a:fld>
             <a:endParaRPr lang="ko-KR" altLang="en-US"/>
           </a:p>
@@ -2926,7 +2932,7 @@
           <a:p>
             <a:fld id="{B6BCB059-7109-4EFA-861A-D79B82CAF91D}" type="datetimeFigureOut">
               <a:rPr lang="ko-KR" altLang="en-US" smtClean="0"/>
-              <a:t>2020-06-15</a:t>
+              <a:t>2020-08-29</a:t>
             </a:fld>
             <a:endParaRPr lang="ko-KR" altLang="en-US"/>
           </a:p>
@@ -3214,7 +3220,7 @@
           <a:p>
             <a:fld id="{B6BCB059-7109-4EFA-861A-D79B82CAF91D}" type="datetimeFigureOut">
               <a:rPr lang="ko-KR" altLang="en-US" smtClean="0"/>
-              <a:t>2020-06-15</a:t>
+              <a:t>2020-08-29</a:t>
             </a:fld>
             <a:endParaRPr lang="ko-KR" altLang="en-US"/>
           </a:p>
@@ -3455,7 +3461,7 @@
           <a:p>
             <a:fld id="{B6BCB059-7109-4EFA-861A-D79B82CAF91D}" type="datetimeFigureOut">
               <a:rPr lang="ko-KR" altLang="en-US" smtClean="0"/>
-              <a:t>2020-06-15</a:t>
+              <a:t>2020-08-29</a:t>
             </a:fld>
             <a:endParaRPr lang="ko-KR" altLang="en-US"/>
           </a:p>
@@ -3919,41 +3925,6 @@
           </a:extLst>
         </p:spPr>
       </p:pic>
-      <p:sp>
-        <p:nvSpPr>
-          <p:cNvPr id="4" name="TextBox 3">
-            <a:extLst>
-              <a:ext uri="{FF2B5EF4-FFF2-40B4-BE49-F238E27FC236}">
-                <a16:creationId xmlns:a16="http://schemas.microsoft.com/office/drawing/2014/main" id="{504C9295-0309-4B97-83BC-E846022E0F81}"/>
-              </a:ext>
-            </a:extLst>
-          </p:cNvPr>
-          <p:cNvSpPr txBox="1"/>
-          <p:nvPr/>
-        </p:nvSpPr>
-        <p:spPr>
-          <a:xfrm>
-            <a:off x="518160" y="416560"/>
-            <a:ext cx="1733167" cy="369332"/>
-          </a:xfrm>
-          <a:prstGeom prst="rect">
-            <a:avLst/>
-          </a:prstGeom>
-          <a:noFill/>
-        </p:spPr>
-        <p:txBody>
-          <a:bodyPr wrap="none" rtlCol="0">
-            <a:spAutoFit/>
-          </a:bodyPr>
-          <a:lstStyle/>
-          <a:p>
-            <a:r>
-              <a:rPr lang="ko-KR" altLang="en-US"/>
-              <a:t>사용 기술 스펙</a:t>
-            </a:r>
-          </a:p>
-        </p:txBody>
-      </p:sp>
       <p:pic>
         <p:nvPicPr>
           <p:cNvPr id="1028" name="Picture 4" descr="Html , CSS, Javascript - Home | Facebook">
@@ -4362,10 +4333,10 @@
       </p:grpSpPr>
       <p:pic>
         <p:nvPicPr>
-          <p:cNvPr id="4" name="Picture 2" descr="Node.js - Wikipedia">
-            <a:extLst>
-              <a:ext uri="{FF2B5EF4-FFF2-40B4-BE49-F238E27FC236}">
-                <a16:creationId xmlns:a16="http://schemas.microsoft.com/office/drawing/2014/main" id="{55F57365-1360-434D-9B38-FB4A4D8BD267}"/>
+          <p:cNvPr id="4" name="Picture 4" descr="Download Free png person Outline Icon - DLPNG.com">
+            <a:extLst>
+              <a:ext uri="{FF2B5EF4-FFF2-40B4-BE49-F238E27FC236}">
+                <a16:creationId xmlns:a16="http://schemas.microsoft.com/office/drawing/2014/main" id="{4F589BFF-1DB4-4AD9-8577-C9B03D5F7683}"/>
               </a:ext>
             </a:extLst>
           </p:cNvPr>
@@ -4375,7 +4346,7 @@
           <p:nvPr/>
         </p:nvPicPr>
         <p:blipFill>
-          <a:blip r:embed="rId2">
+          <a:blip r:embed="rId3">
             <a:extLst>
               <a:ext uri="{28A0092B-C50C-407E-A947-70E740481C1C}">
                 <a14:useLocalDpi xmlns:a14="http://schemas.microsoft.com/office/drawing/2010/main" val="0"/>
@@ -4389,8 +4360,8 @@
         </p:blipFill>
         <p:spPr bwMode="auto">
           <a:xfrm>
-            <a:off x="4891547" y="5162931"/>
-            <a:ext cx="2375392" cy="1452880"/>
+            <a:off x="143782" y="1834065"/>
+            <a:ext cx="2164080" cy="2164080"/>
           </a:xfrm>
           <a:prstGeom prst="rect">
             <a:avLst/>
@@ -4407,212 +4378,62 @@
           </a:extLst>
         </p:spPr>
       </p:pic>
-      <p:pic>
-        <p:nvPicPr>
-          <p:cNvPr id="5" name="Picture 6" descr="Creating Smaller Docker Images - Ian Lewis">
-            <a:extLst>
-              <a:ext uri="{FF2B5EF4-FFF2-40B4-BE49-F238E27FC236}">
-                <a16:creationId xmlns:a16="http://schemas.microsoft.com/office/drawing/2014/main" id="{902C9D75-B546-43BA-90F3-028E2522C100}"/>
-              </a:ext>
-            </a:extLst>
-          </p:cNvPr>
-          <p:cNvPicPr>
-            <a:picLocks noChangeAspect="1" noChangeArrowheads="1"/>
-          </p:cNvPicPr>
+      <p:sp>
+        <p:nvSpPr>
+          <p:cNvPr id="5" name="TextBox 4">
+            <a:extLst>
+              <a:ext uri="{FF2B5EF4-FFF2-40B4-BE49-F238E27FC236}">
+                <a16:creationId xmlns:a16="http://schemas.microsoft.com/office/drawing/2014/main" id="{094B9D8D-9414-48EA-B850-EF56B9ED6152}"/>
+              </a:ext>
+            </a:extLst>
+          </p:cNvPr>
+          <p:cNvSpPr txBox="1"/>
           <p:nvPr/>
-        </p:nvPicPr>
-        <p:blipFill>
-          <a:blip r:embed="rId3">
-            <a:extLst>
-              <a:ext uri="{28A0092B-C50C-407E-A947-70E740481C1C}">
-                <a14:useLocalDpi xmlns:a14="http://schemas.microsoft.com/office/drawing/2010/main" val="0"/>
-              </a:ext>
-            </a:extLst>
-          </a:blip>
-          <a:srcRect/>
-          <a:stretch>
-            <a:fillRect/>
-          </a:stretch>
-        </p:blipFill>
-        <p:spPr bwMode="auto">
-          <a:xfrm>
-            <a:off x="4622374" y="2247401"/>
-            <a:ext cx="3048001" cy="2719407"/>
+        </p:nvSpPr>
+        <p:spPr>
+          <a:xfrm>
+            <a:off x="856951" y="3863319"/>
+            <a:ext cx="646331" cy="369332"/>
           </a:xfrm>
           <a:prstGeom prst="rect">
             <a:avLst/>
           </a:prstGeom>
           <a:noFill/>
-          <a:extLst>
-            <a:ext uri="{909E8E84-426E-40DD-AFC4-6F175D3DCCD1}">
-              <a14:hiddenFill xmlns:a14="http://schemas.microsoft.com/office/drawing/2010/main">
-                <a:solidFill>
-                  <a:srgbClr val="FFFFFF"/>
-                </a:solidFill>
-              </a14:hiddenFill>
-            </a:ext>
-          </a:extLst>
-        </p:spPr>
-      </p:pic>
-      <p:pic>
-        <p:nvPicPr>
-          <p:cNvPr id="6" name="Picture 8" descr="NHN엔터, 클라우드 솔루션 'TOAST' 서비스 개편">
-            <a:extLst>
-              <a:ext uri="{FF2B5EF4-FFF2-40B4-BE49-F238E27FC236}">
-                <a16:creationId xmlns:a16="http://schemas.microsoft.com/office/drawing/2014/main" id="{9BF6438D-1DDE-4469-8128-FCAF0DD3DEEC}"/>
-              </a:ext>
-            </a:extLst>
-          </p:cNvPr>
-          <p:cNvPicPr>
-            <a:picLocks noChangeAspect="1" noChangeArrowheads="1"/>
-          </p:cNvPicPr>
+        </p:spPr>
+        <p:txBody>
+          <a:bodyPr wrap="none" rtlCol="0">
+            <a:spAutoFit/>
+          </a:bodyPr>
+          <a:lstStyle/>
+          <a:p>
+            <a:r>
+              <a:rPr lang="ko-KR" altLang="en-US"/>
+              <a:t>기사</a:t>
+            </a:r>
+          </a:p>
+        </p:txBody>
+      </p:sp>
+      <p:sp>
+        <p:nvSpPr>
+          <p:cNvPr id="6" name="TextBox 5">
+            <a:extLst>
+              <a:ext uri="{FF2B5EF4-FFF2-40B4-BE49-F238E27FC236}">
+                <a16:creationId xmlns:a16="http://schemas.microsoft.com/office/drawing/2014/main" id="{5CEFC33B-6C4F-40AD-B940-8EB4A4168429}"/>
+              </a:ext>
+            </a:extLst>
+          </p:cNvPr>
+          <p:cNvSpPr txBox="1"/>
           <p:nvPr/>
-        </p:nvPicPr>
-        <p:blipFill rotWithShape="1">
-          <a:blip r:embed="rId4">
-            <a:extLst>
-              <a:ext uri="{28A0092B-C50C-407E-A947-70E740481C1C}">
-                <a14:useLocalDpi xmlns:a14="http://schemas.microsoft.com/office/drawing/2010/main" val="0"/>
-              </a:ext>
-            </a:extLst>
-          </a:blip>
-          <a:srcRect t="30684" b="24700"/>
-          <a:stretch/>
-        </p:blipFill>
-        <p:spPr bwMode="auto">
-          <a:xfrm>
-            <a:off x="4502999" y="1618678"/>
-            <a:ext cx="3048000" cy="1019907"/>
+        </p:nvSpPr>
+        <p:spPr>
+          <a:xfrm>
+            <a:off x="593069" y="1547289"/>
+            <a:ext cx="1530334" cy="369332"/>
           </a:xfrm>
           <a:prstGeom prst="rect">
             <a:avLst/>
           </a:prstGeom>
           <a:noFill/>
-          <a:extLst>
-            <a:ext uri="{909E8E84-426E-40DD-AFC4-6F175D3DCCD1}">
-              <a14:hiddenFill xmlns:a14="http://schemas.microsoft.com/office/drawing/2010/main">
-                <a:solidFill>
-                  <a:srgbClr val="FFFFFF"/>
-                </a:solidFill>
-              </a14:hiddenFill>
-            </a:ext>
-          </a:extLst>
-        </p:spPr>
-      </p:pic>
-      <p:pic>
-        <p:nvPicPr>
-          <p:cNvPr id="6148" name="Picture 4" descr="Git (3)] 깃허브(GitHub) 회원 가입하기(계정 만들기)">
-            <a:extLst>
-              <a:ext uri="{FF2B5EF4-FFF2-40B4-BE49-F238E27FC236}">
-                <a16:creationId xmlns:a16="http://schemas.microsoft.com/office/drawing/2014/main" id="{377FC743-CF34-4522-88D9-0C9AA3E1A808}"/>
-              </a:ext>
-            </a:extLst>
-          </p:cNvPr>
-          <p:cNvPicPr>
-            <a:picLocks noChangeAspect="1" noChangeArrowheads="1"/>
-          </p:cNvPicPr>
-          <p:nvPr/>
-        </p:nvPicPr>
-        <p:blipFill>
-          <a:blip r:embed="rId5">
-            <a:extLst>
-              <a:ext uri="{28A0092B-C50C-407E-A947-70E740481C1C}">
-                <a14:useLocalDpi xmlns:a14="http://schemas.microsoft.com/office/drawing/2010/main" val="0"/>
-              </a:ext>
-            </a:extLst>
-          </a:blip>
-          <a:srcRect/>
-          <a:stretch>
-            <a:fillRect/>
-          </a:stretch>
-        </p:blipFill>
-        <p:spPr bwMode="auto">
-          <a:xfrm>
-            <a:off x="508006" y="4188935"/>
-            <a:ext cx="3255757" cy="1481369"/>
-          </a:xfrm>
-          <a:prstGeom prst="rect">
-            <a:avLst/>
-          </a:prstGeom>
-          <a:noFill/>
-          <a:extLst>
-            <a:ext uri="{909E8E84-426E-40DD-AFC4-6F175D3DCCD1}">
-              <a14:hiddenFill xmlns:a14="http://schemas.microsoft.com/office/drawing/2010/main">
-                <a:solidFill>
-                  <a:srgbClr val="FFFFFF"/>
-                </a:solidFill>
-              </a14:hiddenFill>
-            </a:ext>
-          </a:extLst>
-        </p:spPr>
-      </p:pic>
-      <p:sp>
-        <p:nvSpPr>
-          <p:cNvPr id="7" name="화살표: 오른쪽 6">
-            <a:extLst>
-              <a:ext uri="{FF2B5EF4-FFF2-40B4-BE49-F238E27FC236}">
-                <a16:creationId xmlns:a16="http://schemas.microsoft.com/office/drawing/2014/main" id="{0E987195-5D64-4561-88F5-F54570613CDA}"/>
-              </a:ext>
-            </a:extLst>
-          </p:cNvPr>
-          <p:cNvSpPr/>
-          <p:nvPr/>
-        </p:nvSpPr>
-        <p:spPr>
-          <a:xfrm>
-            <a:off x="3763763" y="4642579"/>
-            <a:ext cx="870111" cy="520352"/>
-          </a:xfrm>
-          <a:prstGeom prst="rightArrow">
-            <a:avLst/>
-          </a:prstGeom>
-        </p:spPr>
-        <p:style>
-          <a:lnRef idx="2">
-            <a:schemeClr val="accent1">
-              <a:shade val="50000"/>
-            </a:schemeClr>
-          </a:lnRef>
-          <a:fillRef idx="1">
-            <a:schemeClr val="accent1"/>
-          </a:fillRef>
-          <a:effectRef idx="0">
-            <a:schemeClr val="accent1"/>
-          </a:effectRef>
-          <a:fontRef idx="minor">
-            <a:schemeClr val="lt1"/>
-          </a:fontRef>
-        </p:style>
-        <p:txBody>
-          <a:bodyPr rtlCol="0" anchor="ctr"/>
-          <a:lstStyle/>
-          <a:p>
-            <a:pPr algn="ctr"/>
-            <a:endParaRPr lang="ko-KR" altLang="en-US"/>
-          </a:p>
-        </p:txBody>
-      </p:sp>
-      <p:sp>
-        <p:nvSpPr>
-          <p:cNvPr id="8" name="TextBox 7">
-            <a:extLst>
-              <a:ext uri="{FF2B5EF4-FFF2-40B4-BE49-F238E27FC236}">
-                <a16:creationId xmlns:a16="http://schemas.microsoft.com/office/drawing/2014/main" id="{391ADB0F-7BBD-40BF-B1C0-814468405DA1}"/>
-              </a:ext>
-            </a:extLst>
-          </p:cNvPr>
-          <p:cNvSpPr txBox="1"/>
-          <p:nvPr/>
-        </p:nvSpPr>
-        <p:spPr>
-          <a:xfrm>
-            <a:off x="605049" y="3265605"/>
-            <a:ext cx="3592061" cy="923330"/>
-          </a:xfrm>
-          <a:prstGeom prst="rect">
-            <a:avLst/>
-          </a:prstGeom>
-          <a:noFill/>
         </p:spPr>
         <p:txBody>
           <a:bodyPr wrap="square" rtlCol="0">
@@ -4622,485 +4443,18 @@
           <a:p>
             <a:r>
               <a:rPr lang="en-US" altLang="ko-KR"/>
-              <a:t>Gitbut: </a:t>
-            </a:r>
-            <a:r>
-              <a:rPr lang="ko-KR" altLang="en-US"/>
-              <a:t>분산 버전 관리 시스템</a:t>
-            </a:r>
-            <a:r>
-              <a:rPr lang="en-US" altLang="ko-KR"/>
-              <a:t>.</a:t>
-            </a:r>
-          </a:p>
-          <a:p>
-            <a:r>
-              <a:rPr lang="en-US" altLang="ko-KR"/>
-              <a:t>Docker</a:t>
-            </a:r>
-            <a:r>
-              <a:rPr lang="ko-KR" altLang="en-US"/>
-              <a:t>와 연동해 소스 코드 파일 업데이트를 자동화 </a:t>
-            </a:r>
-          </a:p>
-        </p:txBody>
-      </p:sp>
-      <p:sp>
-        <p:nvSpPr>
-          <p:cNvPr id="9" name="TextBox 8">
-            <a:extLst>
-              <a:ext uri="{FF2B5EF4-FFF2-40B4-BE49-F238E27FC236}">
-                <a16:creationId xmlns:a16="http://schemas.microsoft.com/office/drawing/2014/main" id="{8136910E-FCB5-4530-B62F-BB18013B673F}"/>
-              </a:ext>
-            </a:extLst>
-          </p:cNvPr>
-          <p:cNvSpPr txBox="1"/>
-          <p:nvPr/>
-        </p:nvSpPr>
-        <p:spPr>
-          <a:xfrm>
-            <a:off x="8128892" y="3199491"/>
-            <a:ext cx="3555102" cy="3416320"/>
-          </a:xfrm>
-          <a:prstGeom prst="rect">
-            <a:avLst/>
-          </a:prstGeom>
-          <a:noFill/>
-        </p:spPr>
-        <p:txBody>
-          <a:bodyPr wrap="square" rtlCol="0">
-            <a:spAutoFit/>
-          </a:bodyPr>
-          <a:lstStyle/>
-          <a:p>
-            <a:r>
-              <a:rPr lang="en-US" altLang="ko-KR"/>
-              <a:t>Docker : </a:t>
-            </a:r>
-            <a:r>
-              <a:rPr lang="ko-KR" altLang="en-US"/>
-              <a:t>컨테이너 기반의 오픈소스 가상화 플랫폼</a:t>
-            </a:r>
-            <a:r>
-              <a:rPr lang="en-US" altLang="ko-KR"/>
-              <a:t>. </a:t>
-            </a:r>
-            <a:r>
-              <a:rPr lang="ko-KR" altLang="en-US"/>
-              <a:t>도커는 도커 이미지에 서버 운영을 위한 프로그램과 라이브러리를 포함한다</a:t>
-            </a:r>
-            <a:r>
-              <a:rPr lang="en-US" altLang="ko-KR"/>
-              <a:t>. </a:t>
-            </a:r>
-            <a:r>
-              <a:rPr lang="ko-KR" altLang="en-US"/>
-              <a:t>즉</a:t>
-            </a:r>
-            <a:r>
-              <a:rPr lang="en-US" altLang="ko-KR"/>
-              <a:t>, </a:t>
-            </a:r>
-            <a:r>
-              <a:rPr lang="ko-KR" altLang="en-US"/>
-              <a:t>도커위에서 </a:t>
-            </a:r>
-            <a:r>
-              <a:rPr lang="en-US" altLang="ko-KR"/>
-              <a:t>node.js</a:t>
-            </a:r>
-            <a:r>
-              <a:rPr lang="ko-KR" altLang="en-US"/>
-              <a:t>가 올라간 도커 이미지를 컨테이너화 하여 실행한다</a:t>
-            </a:r>
-            <a:r>
-              <a:rPr lang="en-US" altLang="ko-KR"/>
-              <a:t>. </a:t>
-            </a:r>
-          </a:p>
-          <a:p>
-            <a:r>
-              <a:rPr lang="ko-KR" altLang="en-US"/>
-              <a:t>도커를 사용함으로써 소스코드 </a:t>
-            </a:r>
-            <a:r>
-              <a:rPr lang="en-US" altLang="ko-KR"/>
-              <a:t>build</a:t>
-            </a:r>
-            <a:r>
-              <a:rPr lang="ko-KR" altLang="en-US"/>
-              <a:t>를 자동화 할수있고</a:t>
-            </a:r>
-            <a:r>
-              <a:rPr lang="en-US" altLang="ko-KR"/>
-              <a:t>, </a:t>
-            </a:r>
-            <a:r>
-              <a:rPr lang="ko-KR" altLang="en-US"/>
-              <a:t>클라우드 서버에서도 실제 </a:t>
-            </a:r>
-            <a:r>
-              <a:rPr lang="en-US" altLang="ko-KR"/>
-              <a:t>PC</a:t>
-            </a:r>
-            <a:r>
-              <a:rPr lang="ko-KR" altLang="en-US"/>
-              <a:t>에서 서비스 하는 경우의 </a:t>
-            </a:r>
-            <a:r>
-              <a:rPr lang="en-US" altLang="ko-KR"/>
-              <a:t>99%</a:t>
-            </a:r>
-            <a:r>
-              <a:rPr lang="ko-KR" altLang="en-US"/>
-              <a:t>정도의 성능을 낼 수 있다</a:t>
-            </a:r>
-            <a:r>
-              <a:rPr lang="en-US" altLang="ko-KR"/>
-              <a:t>.</a:t>
-            </a:r>
-          </a:p>
-        </p:txBody>
-      </p:sp>
-      <p:sp>
-        <p:nvSpPr>
-          <p:cNvPr id="10" name="TextBox 9">
-            <a:extLst>
-              <a:ext uri="{FF2B5EF4-FFF2-40B4-BE49-F238E27FC236}">
-                <a16:creationId xmlns:a16="http://schemas.microsoft.com/office/drawing/2014/main" id="{7356B230-5A82-4C7F-835E-35D646E2C189}"/>
-              </a:ext>
-            </a:extLst>
-          </p:cNvPr>
-          <p:cNvSpPr txBox="1"/>
-          <p:nvPr/>
-        </p:nvSpPr>
-        <p:spPr>
-          <a:xfrm>
-            <a:off x="8128892" y="182433"/>
-            <a:ext cx="3424200" cy="2585323"/>
-          </a:xfrm>
-          <a:prstGeom prst="rect">
-            <a:avLst/>
-          </a:prstGeom>
-          <a:noFill/>
-        </p:spPr>
-        <p:txBody>
-          <a:bodyPr wrap="square" rtlCol="0">
-            <a:spAutoFit/>
-          </a:bodyPr>
-          <a:lstStyle/>
-          <a:p>
-            <a:r>
-              <a:rPr lang="en-US" altLang="ko-KR"/>
-              <a:t>TOAST : </a:t>
-            </a:r>
-            <a:r>
-              <a:rPr lang="ko-KR" altLang="en-US"/>
-              <a:t>실제 네이버에서 사용되는 클라우드 서버다</a:t>
-            </a:r>
-            <a:r>
-              <a:rPr lang="en-US" altLang="ko-KR"/>
-              <a:t>. </a:t>
-            </a:r>
-            <a:r>
-              <a:rPr lang="ko-KR" altLang="en-US"/>
-              <a:t>토스트의 강력한 장점은 최악의 경우 서버가 공격당해도 새로운 인스턴스로 교체가 수월하고</a:t>
-            </a:r>
-            <a:r>
-              <a:rPr lang="en-US" altLang="ko-KR"/>
-              <a:t>, </a:t>
-            </a:r>
-            <a:r>
-              <a:rPr lang="ko-KR" altLang="en-US"/>
-              <a:t>사용자 트래픽에 따른 </a:t>
-            </a:r>
-            <a:r>
-              <a:rPr lang="en-US" altLang="ko-KR"/>
-              <a:t>Auto-Scaling</a:t>
-            </a:r>
-            <a:r>
-              <a:rPr lang="ko-KR" altLang="en-US"/>
-              <a:t>도 지원한다는 것이다</a:t>
-            </a:r>
-            <a:r>
-              <a:rPr lang="en-US" altLang="ko-KR"/>
-              <a:t>.</a:t>
-            </a:r>
-            <a:r>
-              <a:rPr lang="ko-KR" altLang="en-US"/>
-              <a:t> </a:t>
-            </a:r>
-            <a:r>
-              <a:rPr lang="en-US" altLang="ko-KR"/>
-              <a:t>(</a:t>
-            </a:r>
-            <a:r>
-              <a:rPr lang="ko-KR" altLang="en-US"/>
-              <a:t>트래픽양에 맞게 인스턴스의 용량을 늘리고 줄이는 것</a:t>
-            </a:r>
-            <a:r>
-              <a:rPr lang="en-US" altLang="ko-KR"/>
-              <a:t>)</a:t>
-            </a:r>
+              <a:t>Front-End</a:t>
+            </a:r>
+            <a:endParaRPr lang="ko-KR" altLang="en-US"/>
           </a:p>
         </p:txBody>
       </p:sp>
       <p:pic>
         <p:nvPicPr>
-          <p:cNvPr id="13" name="그림 12">
-            <a:extLst>
-              <a:ext uri="{FF2B5EF4-FFF2-40B4-BE49-F238E27FC236}">
-                <a16:creationId xmlns:a16="http://schemas.microsoft.com/office/drawing/2014/main" id="{A3E6B809-FCAD-4DD7-9095-50985A30D7F4}"/>
-              </a:ext>
-            </a:extLst>
-          </p:cNvPr>
-          <p:cNvPicPr>
-            <a:picLocks noChangeAspect="1"/>
-          </p:cNvPicPr>
-          <p:nvPr/>
-        </p:nvPicPr>
-        <p:blipFill rotWithShape="1">
-          <a:blip r:embed="rId6"/>
-          <a:srcRect t="9292" r="21199" b="16335"/>
-          <a:stretch/>
-        </p:blipFill>
-        <p:spPr>
-          <a:xfrm>
-            <a:off x="4388282" y="182433"/>
-            <a:ext cx="2865898" cy="1019907"/>
-          </a:xfrm>
-          <a:prstGeom prst="rect">
-            <a:avLst/>
-          </a:prstGeom>
-        </p:spPr>
-      </p:pic>
-      <p:sp>
-        <p:nvSpPr>
-          <p:cNvPr id="11" name="직사각형 10">
-            <a:extLst>
-              <a:ext uri="{FF2B5EF4-FFF2-40B4-BE49-F238E27FC236}">
-                <a16:creationId xmlns:a16="http://schemas.microsoft.com/office/drawing/2014/main" id="{506AD54D-4FB4-4AAD-A69A-5EAA5771847D}"/>
-              </a:ext>
-            </a:extLst>
-          </p:cNvPr>
-          <p:cNvSpPr/>
-          <p:nvPr/>
-        </p:nvSpPr>
-        <p:spPr>
-          <a:xfrm>
-            <a:off x="4044882" y="1399330"/>
-            <a:ext cx="3744868" cy="5172291"/>
-          </a:xfrm>
-          <a:prstGeom prst="rect">
-            <a:avLst/>
-          </a:prstGeom>
-          <a:noFill/>
-          <a:ln>
-            <a:solidFill>
-              <a:schemeClr val="accent1"/>
-            </a:solidFill>
-          </a:ln>
-        </p:spPr>
-        <p:style>
-          <a:lnRef idx="2">
-            <a:schemeClr val="accent6"/>
-          </a:lnRef>
-          <a:fillRef idx="1">
-            <a:schemeClr val="lt1"/>
-          </a:fillRef>
-          <a:effectRef idx="0">
-            <a:schemeClr val="accent6"/>
-          </a:effectRef>
-          <a:fontRef idx="minor">
-            <a:schemeClr val="dk1"/>
-          </a:fontRef>
-        </p:style>
-        <p:txBody>
-          <a:bodyPr rtlCol="0" anchor="ctr"/>
-          <a:lstStyle/>
-          <a:p>
-            <a:pPr algn="ctr"/>
-            <a:endParaRPr lang="ko-KR" altLang="en-US"/>
-          </a:p>
-        </p:txBody>
-      </p:sp>
-      <p:sp>
-        <p:nvSpPr>
-          <p:cNvPr id="12" name="TextBox 11">
-            <a:extLst>
-              <a:ext uri="{FF2B5EF4-FFF2-40B4-BE49-F238E27FC236}">
-                <a16:creationId xmlns:a16="http://schemas.microsoft.com/office/drawing/2014/main" id="{CE7A7B95-26C8-4050-948E-3B8245BEDF56}"/>
-              </a:ext>
-            </a:extLst>
-          </p:cNvPr>
-          <p:cNvSpPr txBox="1"/>
-          <p:nvPr/>
-        </p:nvSpPr>
-        <p:spPr>
-          <a:xfrm>
-            <a:off x="885380" y="692386"/>
-            <a:ext cx="2222221" cy="553998"/>
-          </a:xfrm>
-          <a:prstGeom prst="rect">
-            <a:avLst/>
-          </a:prstGeom>
-          <a:noFill/>
-        </p:spPr>
-        <p:txBody>
-          <a:bodyPr wrap="square" rtlCol="0">
-            <a:spAutoFit/>
-          </a:bodyPr>
-          <a:lstStyle/>
-          <a:p>
-            <a:r>
-              <a:rPr lang="ko-KR" altLang="en-US" sz="3000"/>
-              <a:t>서버 구조</a:t>
-            </a:r>
-          </a:p>
-        </p:txBody>
-      </p:sp>
-      <p:sp>
-        <p:nvSpPr>
-          <p:cNvPr id="16" name="화살표: 오른쪽 15">
-            <a:extLst>
-              <a:ext uri="{FF2B5EF4-FFF2-40B4-BE49-F238E27FC236}">
-                <a16:creationId xmlns:a16="http://schemas.microsoft.com/office/drawing/2014/main" id="{C582E1E9-C77E-4471-9969-2376E2F7193F}"/>
-              </a:ext>
-            </a:extLst>
-          </p:cNvPr>
-          <p:cNvSpPr/>
-          <p:nvPr/>
-        </p:nvSpPr>
-        <p:spPr>
-          <a:xfrm rot="16200000">
-            <a:off x="5599615" y="1178602"/>
-            <a:ext cx="443648" cy="549123"/>
-          </a:xfrm>
-          <a:prstGeom prst="rightArrow">
-            <a:avLst/>
-          </a:prstGeom>
-        </p:spPr>
-        <p:style>
-          <a:lnRef idx="2">
-            <a:schemeClr val="accent1">
-              <a:shade val="50000"/>
-            </a:schemeClr>
-          </a:lnRef>
-          <a:fillRef idx="1">
-            <a:schemeClr val="accent1"/>
-          </a:fillRef>
-          <a:effectRef idx="0">
-            <a:schemeClr val="accent1"/>
-          </a:effectRef>
-          <a:fontRef idx="minor">
-            <a:schemeClr val="lt1"/>
-          </a:fontRef>
-        </p:style>
-        <p:txBody>
-          <a:bodyPr rtlCol="0" anchor="ctr"/>
-          <a:lstStyle/>
-          <a:p>
-            <a:pPr algn="ctr"/>
-            <a:endParaRPr lang="ko-KR" altLang="en-US"/>
-          </a:p>
-        </p:txBody>
-      </p:sp>
-    </p:spTree>
-    <p:extLst>
-      <p:ext uri="{BB962C8B-B14F-4D97-AF65-F5344CB8AC3E}">
-        <p14:creationId xmlns:p14="http://schemas.microsoft.com/office/powerpoint/2010/main" val="471343818"/>
-      </p:ext>
-    </p:extLst>
-  </p:cSld>
-  <p:clrMapOvr>
-    <a:masterClrMapping/>
-  </p:clrMapOvr>
-</p:sld>
-</file>
-
-<file path=ppt/slides/slide2.xml><?xml version="1.0" encoding="utf-8"?>
-<p:sld xmlns:a="http://schemas.openxmlformats.org/drawingml/2006/main" xmlns:r="http://schemas.openxmlformats.org/officeDocument/2006/relationships" xmlns:p="http://schemas.openxmlformats.org/presentationml/2006/main">
-  <p:cSld>
-    <p:spTree>
-      <p:nvGrpSpPr>
-        <p:cNvPr id="1" name=""/>
-        <p:cNvGrpSpPr/>
-        <p:nvPr/>
-      </p:nvGrpSpPr>
-      <p:grpSpPr>
-        <a:xfrm>
-          <a:off x="0" y="0"/>
-          <a:ext cx="0" cy="0"/>
-          <a:chOff x="0" y="0"/>
-          <a:chExt cx="0" cy="0"/>
-        </a:xfrm>
-      </p:grpSpPr>
-      <p:pic>
-        <p:nvPicPr>
-          <p:cNvPr id="5" name="그림 4">
-            <a:extLst>
-              <a:ext uri="{FF2B5EF4-FFF2-40B4-BE49-F238E27FC236}">
-                <a16:creationId xmlns:a16="http://schemas.microsoft.com/office/drawing/2014/main" id="{82A96180-D29D-4045-AAF8-174C9E146FD1}"/>
-              </a:ext>
-            </a:extLst>
-          </p:cNvPr>
-          <p:cNvPicPr>
-            <a:picLocks noChangeAspect="1"/>
-          </p:cNvPicPr>
-          <p:nvPr/>
-        </p:nvPicPr>
-        <p:blipFill>
-          <a:blip r:embed="rId2"/>
-          <a:stretch>
-            <a:fillRect/>
-          </a:stretch>
-        </p:blipFill>
-        <p:spPr>
-          <a:xfrm>
-            <a:off x="216785" y="1225085"/>
-            <a:ext cx="2545421" cy="4885072"/>
-          </a:xfrm>
-          <a:prstGeom prst="rect">
-            <a:avLst/>
-          </a:prstGeom>
-        </p:spPr>
-      </p:pic>
-      <p:pic>
-        <p:nvPicPr>
-          <p:cNvPr id="2" name="그림 1">
-            <a:extLst>
-              <a:ext uri="{FF2B5EF4-FFF2-40B4-BE49-F238E27FC236}">
-                <a16:creationId xmlns:a16="http://schemas.microsoft.com/office/drawing/2014/main" id="{5FA52B4A-ABD7-476B-ABB7-E0A3588BB04B}"/>
-              </a:ext>
-            </a:extLst>
-          </p:cNvPr>
-          <p:cNvPicPr>
-            <a:picLocks noChangeAspect="1"/>
-          </p:cNvPicPr>
-          <p:nvPr/>
-        </p:nvPicPr>
-        <p:blipFill>
-          <a:blip r:embed="rId3"/>
-          <a:stretch>
-            <a:fillRect/>
-          </a:stretch>
-        </p:blipFill>
-        <p:spPr>
-          <a:xfrm>
-            <a:off x="2984532" y="1287261"/>
-            <a:ext cx="2615696" cy="4822896"/>
-          </a:xfrm>
-          <a:prstGeom prst="rect">
-            <a:avLst/>
-          </a:prstGeom>
-        </p:spPr>
-      </p:pic>
-      <p:pic>
-        <p:nvPicPr>
-          <p:cNvPr id="3" name="그림 2">
-            <a:extLst>
-              <a:ext uri="{FF2B5EF4-FFF2-40B4-BE49-F238E27FC236}">
-                <a16:creationId xmlns:a16="http://schemas.microsoft.com/office/drawing/2014/main" id="{B8A5D4C7-D465-4B6E-B672-33AEE0D6FF9F}"/>
+          <p:cNvPr id="7" name="그림 6">
+            <a:extLst>
+              <a:ext uri="{FF2B5EF4-FFF2-40B4-BE49-F238E27FC236}">
+                <a16:creationId xmlns:a16="http://schemas.microsoft.com/office/drawing/2014/main" id="{FFA48C16-B9CC-46A9-B63F-F8AC033CF80F}"/>
               </a:ext>
             </a:extLst>
           </p:cNvPr>
@@ -5117,1496 +4471,35 @@
         </p:blipFill>
         <p:spPr>
           <a:xfrm>
-            <a:off x="5924880" y="1225085"/>
-            <a:ext cx="2583927" cy="4822896"/>
+            <a:off x="1895493" y="1271330"/>
+            <a:ext cx="1723311" cy="3289550"/>
           </a:xfrm>
           <a:prstGeom prst="rect">
             <a:avLst/>
           </a:prstGeom>
         </p:spPr>
       </p:pic>
-      <p:pic>
-        <p:nvPicPr>
-          <p:cNvPr id="4" name="그림 3">
-            <a:extLst>
-              <a:ext uri="{FF2B5EF4-FFF2-40B4-BE49-F238E27FC236}">
-                <a16:creationId xmlns:a16="http://schemas.microsoft.com/office/drawing/2014/main" id="{3B57D05F-557A-48BC-9847-898FA42A7BDC}"/>
-              </a:ext>
-            </a:extLst>
-          </p:cNvPr>
-          <p:cNvPicPr>
-            <a:picLocks noChangeAspect="1"/>
-          </p:cNvPicPr>
+      <p:sp>
+        <p:nvSpPr>
+          <p:cNvPr id="8" name="TextBox 7">
+            <a:extLst>
+              <a:ext uri="{FF2B5EF4-FFF2-40B4-BE49-F238E27FC236}">
+                <a16:creationId xmlns:a16="http://schemas.microsoft.com/office/drawing/2014/main" id="{A85802DE-65F0-4329-8EAE-F04A5894E6E3}"/>
+              </a:ext>
+            </a:extLst>
+          </p:cNvPr>
+          <p:cNvSpPr txBox="1"/>
           <p:nvPr/>
-        </p:nvPicPr>
-        <p:blipFill>
-          <a:blip r:embed="rId5"/>
-          <a:stretch>
-            <a:fillRect/>
-          </a:stretch>
-        </p:blipFill>
+        </p:nvSpPr>
         <p:spPr>
           <a:xfrm>
-            <a:off x="8622017" y="1225087"/>
-            <a:ext cx="2851502" cy="5064711"/>
-          </a:xfrm>
-          <a:prstGeom prst="rect">
-            <a:avLst/>
-          </a:prstGeom>
-        </p:spPr>
-      </p:pic>
-    </p:spTree>
-    <p:extLst>
-      <p:ext uri="{BB962C8B-B14F-4D97-AF65-F5344CB8AC3E}">
-        <p14:creationId xmlns:p14="http://schemas.microsoft.com/office/powerpoint/2010/main" val="2802412704"/>
-      </p:ext>
-    </p:extLst>
-  </p:cSld>
-  <p:clrMapOvr>
-    <a:masterClrMapping/>
-  </p:clrMapOvr>
-</p:sld>
-</file>
-
-<file path=ppt/slides/slide3.xml><?xml version="1.0" encoding="utf-8"?>
-<p:sld xmlns:a="http://schemas.openxmlformats.org/drawingml/2006/main" xmlns:r="http://schemas.openxmlformats.org/officeDocument/2006/relationships" xmlns:p="http://schemas.openxmlformats.org/presentationml/2006/main">
-  <p:cSld>
-    <p:spTree>
-      <p:nvGrpSpPr>
-        <p:cNvPr id="1" name=""/>
-        <p:cNvGrpSpPr/>
-        <p:nvPr/>
-      </p:nvGrpSpPr>
-      <p:grpSpPr>
-        <a:xfrm>
-          <a:off x="0" y="0"/>
-          <a:ext cx="0" cy="0"/>
-          <a:chOff x="0" y="0"/>
-          <a:chExt cx="0" cy="0"/>
-        </a:xfrm>
-      </p:grpSpPr>
-      <p:pic>
-        <p:nvPicPr>
-          <p:cNvPr id="4" name="그림 3">
-            <a:extLst>
-              <a:ext uri="{FF2B5EF4-FFF2-40B4-BE49-F238E27FC236}">
-                <a16:creationId xmlns:a16="http://schemas.microsoft.com/office/drawing/2014/main" id="{E6A94F06-059A-4E6D-9C77-803440F8455E}"/>
-              </a:ext>
-            </a:extLst>
-          </p:cNvPr>
-          <p:cNvPicPr>
-            <a:picLocks noChangeAspect="1"/>
-          </p:cNvPicPr>
-          <p:nvPr/>
-        </p:nvPicPr>
-        <p:blipFill>
-          <a:blip r:embed="rId2"/>
-          <a:stretch>
-            <a:fillRect/>
-          </a:stretch>
-        </p:blipFill>
-        <p:spPr>
-          <a:xfrm>
-            <a:off x="924786" y="617052"/>
-            <a:ext cx="8824293" cy="1655632"/>
-          </a:xfrm>
-          <a:prstGeom prst="rect">
-            <a:avLst/>
-          </a:prstGeom>
-        </p:spPr>
-      </p:pic>
-      <p:pic>
-        <p:nvPicPr>
-          <p:cNvPr id="5" name="그림 4">
-            <a:extLst>
-              <a:ext uri="{FF2B5EF4-FFF2-40B4-BE49-F238E27FC236}">
-                <a16:creationId xmlns:a16="http://schemas.microsoft.com/office/drawing/2014/main" id="{73CB0142-28FE-485D-A886-EA213C5D1377}"/>
-              </a:ext>
-            </a:extLst>
-          </p:cNvPr>
-          <p:cNvPicPr>
-            <a:picLocks noChangeAspect="1"/>
-          </p:cNvPicPr>
-          <p:nvPr/>
-        </p:nvPicPr>
-        <p:blipFill rotWithShape="1">
-          <a:blip r:embed="rId3"/>
-          <a:srcRect r="1971"/>
-          <a:stretch/>
-        </p:blipFill>
-        <p:spPr>
-          <a:xfrm>
-            <a:off x="924786" y="2633960"/>
-            <a:ext cx="5985968" cy="3438311"/>
-          </a:xfrm>
-          <a:prstGeom prst="rect">
-            <a:avLst/>
-          </a:prstGeom>
-        </p:spPr>
-      </p:pic>
-    </p:spTree>
-    <p:extLst>
-      <p:ext uri="{BB962C8B-B14F-4D97-AF65-F5344CB8AC3E}">
-        <p14:creationId xmlns:p14="http://schemas.microsoft.com/office/powerpoint/2010/main" val="3690607013"/>
-      </p:ext>
-    </p:extLst>
-  </p:cSld>
-  <p:clrMapOvr>
-    <a:masterClrMapping/>
-  </p:clrMapOvr>
-</p:sld>
-</file>
-
-<file path=ppt/slides/slide4.xml><?xml version="1.0" encoding="utf-8"?>
-<p:sld xmlns:a="http://schemas.openxmlformats.org/drawingml/2006/main" xmlns:r="http://schemas.openxmlformats.org/officeDocument/2006/relationships" xmlns:p="http://schemas.openxmlformats.org/presentationml/2006/main">
-  <p:cSld>
-    <p:spTree>
-      <p:nvGrpSpPr>
-        <p:cNvPr id="1" name=""/>
-        <p:cNvGrpSpPr/>
-        <p:nvPr/>
-      </p:nvGrpSpPr>
-      <p:grpSpPr>
-        <a:xfrm>
-          <a:off x="0" y="0"/>
-          <a:ext cx="0" cy="0"/>
-          <a:chOff x="0" y="0"/>
-          <a:chExt cx="0" cy="0"/>
-        </a:xfrm>
-      </p:grpSpPr>
-      <p:pic>
-        <p:nvPicPr>
-          <p:cNvPr id="7" name="그림 6">
-            <a:extLst>
-              <a:ext uri="{FF2B5EF4-FFF2-40B4-BE49-F238E27FC236}">
-                <a16:creationId xmlns:a16="http://schemas.microsoft.com/office/drawing/2014/main" id="{FB1C7CFB-6D39-4932-BE0E-B1EF0B6C39F4}"/>
-              </a:ext>
-            </a:extLst>
-          </p:cNvPr>
-          <p:cNvPicPr>
-            <a:picLocks noChangeAspect="1"/>
-          </p:cNvPicPr>
-          <p:nvPr/>
-        </p:nvPicPr>
-        <p:blipFill>
-          <a:blip r:embed="rId2"/>
-          <a:stretch>
-            <a:fillRect/>
-          </a:stretch>
-        </p:blipFill>
-        <p:spPr>
-          <a:xfrm>
-            <a:off x="112450" y="1402638"/>
-            <a:ext cx="3003612" cy="4968282"/>
-          </a:xfrm>
-          <a:prstGeom prst="rect">
-            <a:avLst/>
-          </a:prstGeom>
-        </p:spPr>
-      </p:pic>
-      <p:pic>
-        <p:nvPicPr>
-          <p:cNvPr id="8" name="그림 7">
-            <a:extLst>
-              <a:ext uri="{FF2B5EF4-FFF2-40B4-BE49-F238E27FC236}">
-                <a16:creationId xmlns:a16="http://schemas.microsoft.com/office/drawing/2014/main" id="{8D5CC257-E989-4E71-A76E-9F4220B8DD54}"/>
-              </a:ext>
-            </a:extLst>
-          </p:cNvPr>
-          <p:cNvPicPr>
-            <a:picLocks noChangeAspect="1"/>
-          </p:cNvPicPr>
-          <p:nvPr/>
-        </p:nvPicPr>
-        <p:blipFill rotWithShape="1">
-          <a:blip r:embed="rId3"/>
-          <a:srcRect t="1074"/>
-          <a:stretch/>
-        </p:blipFill>
-        <p:spPr>
-          <a:xfrm>
-            <a:off x="3002852" y="1402638"/>
-            <a:ext cx="2751557" cy="4890354"/>
-          </a:xfrm>
-          <a:prstGeom prst="rect">
-            <a:avLst/>
-          </a:prstGeom>
-        </p:spPr>
-      </p:pic>
-      <p:pic>
-        <p:nvPicPr>
-          <p:cNvPr id="9" name="그림 8">
-            <a:extLst>
-              <a:ext uri="{FF2B5EF4-FFF2-40B4-BE49-F238E27FC236}">
-                <a16:creationId xmlns:a16="http://schemas.microsoft.com/office/drawing/2014/main" id="{E65627D1-8528-4C49-B537-0B6726A5ED24}"/>
-              </a:ext>
-            </a:extLst>
-          </p:cNvPr>
-          <p:cNvPicPr>
-            <a:picLocks noChangeAspect="1"/>
-          </p:cNvPicPr>
-          <p:nvPr/>
-        </p:nvPicPr>
-        <p:blipFill>
-          <a:blip r:embed="rId4"/>
-          <a:stretch>
-            <a:fillRect/>
-          </a:stretch>
-        </p:blipFill>
-        <p:spPr>
-          <a:xfrm>
-            <a:off x="8516829" y="1402638"/>
-            <a:ext cx="2751557" cy="4890354"/>
-          </a:xfrm>
-          <a:prstGeom prst="rect">
-            <a:avLst/>
-          </a:prstGeom>
-        </p:spPr>
-      </p:pic>
-      <p:pic>
-        <p:nvPicPr>
-          <p:cNvPr id="11" name="그림 10">
-            <a:extLst>
-              <a:ext uri="{FF2B5EF4-FFF2-40B4-BE49-F238E27FC236}">
-                <a16:creationId xmlns:a16="http://schemas.microsoft.com/office/drawing/2014/main" id="{9B48E617-A775-4AE8-886F-0C196A205A2E}"/>
-              </a:ext>
-            </a:extLst>
-          </p:cNvPr>
-          <p:cNvPicPr>
-            <a:picLocks noChangeAspect="1"/>
-          </p:cNvPicPr>
-          <p:nvPr/>
-        </p:nvPicPr>
-        <p:blipFill>
-          <a:blip r:embed="rId5"/>
-          <a:stretch>
-            <a:fillRect/>
-          </a:stretch>
-        </p:blipFill>
-        <p:spPr>
-          <a:xfrm>
-            <a:off x="5878484" y="1309620"/>
-            <a:ext cx="2638344" cy="4983375"/>
-          </a:xfrm>
-          <a:prstGeom prst="rect">
-            <a:avLst/>
-          </a:prstGeom>
-        </p:spPr>
-      </p:pic>
-    </p:spTree>
-    <p:extLst>
-      <p:ext uri="{BB962C8B-B14F-4D97-AF65-F5344CB8AC3E}">
-        <p14:creationId xmlns:p14="http://schemas.microsoft.com/office/powerpoint/2010/main" val="4221564213"/>
-      </p:ext>
-    </p:extLst>
-  </p:cSld>
-  <p:clrMapOvr>
-    <a:masterClrMapping/>
-  </p:clrMapOvr>
-</p:sld>
-</file>
-
-<file path=ppt/slides/slide5.xml><?xml version="1.0" encoding="utf-8"?>
-<p:sld xmlns:a="http://schemas.openxmlformats.org/drawingml/2006/main" xmlns:r="http://schemas.openxmlformats.org/officeDocument/2006/relationships" xmlns:p="http://schemas.openxmlformats.org/presentationml/2006/main">
-  <p:cSld>
-    <p:spTree>
-      <p:nvGrpSpPr>
-        <p:cNvPr id="1" name=""/>
-        <p:cNvGrpSpPr/>
-        <p:nvPr/>
-      </p:nvGrpSpPr>
-      <p:grpSpPr>
-        <a:xfrm>
-          <a:off x="0" y="0"/>
-          <a:ext cx="0" cy="0"/>
-          <a:chOff x="0" y="0"/>
-          <a:chExt cx="0" cy="0"/>
-        </a:xfrm>
-      </p:grpSpPr>
-      <p:pic>
-        <p:nvPicPr>
-          <p:cNvPr id="6" name="그림 5">
-            <a:extLst>
-              <a:ext uri="{FF2B5EF4-FFF2-40B4-BE49-F238E27FC236}">
-                <a16:creationId xmlns:a16="http://schemas.microsoft.com/office/drawing/2014/main" id="{7C1A2A72-8FA2-4773-9780-D4CA098684E1}"/>
-              </a:ext>
-            </a:extLst>
-          </p:cNvPr>
-          <p:cNvPicPr>
-            <a:picLocks noChangeAspect="1"/>
-          </p:cNvPicPr>
-          <p:nvPr/>
-        </p:nvPicPr>
-        <p:blipFill rotWithShape="1">
-          <a:blip r:embed="rId2"/>
-          <a:srcRect b="865"/>
-          <a:stretch/>
-        </p:blipFill>
-        <p:spPr>
-          <a:xfrm>
-            <a:off x="8784672" y="1080511"/>
-            <a:ext cx="2800719" cy="5063986"/>
-          </a:xfrm>
-          <a:prstGeom prst="rect">
-            <a:avLst/>
-          </a:prstGeom>
-        </p:spPr>
-      </p:pic>
-      <p:pic>
-        <p:nvPicPr>
-          <p:cNvPr id="9" name="그림 8">
-            <a:extLst>
-              <a:ext uri="{FF2B5EF4-FFF2-40B4-BE49-F238E27FC236}">
-                <a16:creationId xmlns:a16="http://schemas.microsoft.com/office/drawing/2014/main" id="{4D5BABDD-B3E0-47D6-B5C5-A70D4A5167DF}"/>
-              </a:ext>
-            </a:extLst>
-          </p:cNvPr>
-          <p:cNvPicPr>
-            <a:picLocks noChangeAspect="1"/>
-          </p:cNvPicPr>
-          <p:nvPr/>
-        </p:nvPicPr>
-        <p:blipFill>
-          <a:blip r:embed="rId3"/>
-          <a:stretch>
-            <a:fillRect/>
-          </a:stretch>
-        </p:blipFill>
-        <p:spPr>
-          <a:xfrm>
-            <a:off x="5803048" y="1030943"/>
-            <a:ext cx="2826049" cy="5070466"/>
-          </a:xfrm>
-          <a:prstGeom prst="rect">
-            <a:avLst/>
-          </a:prstGeom>
-        </p:spPr>
-      </p:pic>
-      <p:pic>
-        <p:nvPicPr>
-          <p:cNvPr id="11" name="그림 10">
-            <a:extLst>
-              <a:ext uri="{FF2B5EF4-FFF2-40B4-BE49-F238E27FC236}">
-                <a16:creationId xmlns:a16="http://schemas.microsoft.com/office/drawing/2014/main" id="{1CD2854B-604B-4609-A0DB-24B09720FDC6}"/>
-              </a:ext>
-            </a:extLst>
-          </p:cNvPr>
-          <p:cNvPicPr>
-            <a:picLocks noChangeAspect="1"/>
-          </p:cNvPicPr>
-          <p:nvPr/>
-        </p:nvPicPr>
-        <p:blipFill>
-          <a:blip r:embed="rId4"/>
-          <a:stretch>
-            <a:fillRect/>
-          </a:stretch>
-        </p:blipFill>
-        <p:spPr>
-          <a:xfrm>
-            <a:off x="194184" y="1080511"/>
-            <a:ext cx="2652567" cy="5012671"/>
-          </a:xfrm>
-          <a:prstGeom prst="rect">
-            <a:avLst/>
-          </a:prstGeom>
-        </p:spPr>
-      </p:pic>
-      <p:pic>
-        <p:nvPicPr>
-          <p:cNvPr id="12" name="그림 11">
-            <a:extLst>
-              <a:ext uri="{FF2B5EF4-FFF2-40B4-BE49-F238E27FC236}">
-                <a16:creationId xmlns:a16="http://schemas.microsoft.com/office/drawing/2014/main" id="{F89AD7C5-9930-4A2C-AD4A-DFD9C495F0C5}"/>
-              </a:ext>
-            </a:extLst>
-          </p:cNvPr>
-          <p:cNvPicPr>
-            <a:picLocks noChangeAspect="1"/>
-          </p:cNvPicPr>
-          <p:nvPr/>
-        </p:nvPicPr>
-        <p:blipFill>
-          <a:blip r:embed="rId5"/>
-          <a:stretch>
-            <a:fillRect/>
-          </a:stretch>
-        </p:blipFill>
-        <p:spPr>
-          <a:xfrm>
-            <a:off x="2954024" y="1150399"/>
-            <a:ext cx="2585645" cy="4935619"/>
-          </a:xfrm>
-          <a:prstGeom prst="rect">
-            <a:avLst/>
-          </a:prstGeom>
-        </p:spPr>
-      </p:pic>
-    </p:spTree>
-    <p:extLst>
-      <p:ext uri="{BB962C8B-B14F-4D97-AF65-F5344CB8AC3E}">
-        <p14:creationId xmlns:p14="http://schemas.microsoft.com/office/powerpoint/2010/main" val="3484682454"/>
-      </p:ext>
-    </p:extLst>
-  </p:cSld>
-  <p:clrMapOvr>
-    <a:masterClrMapping/>
-  </p:clrMapOvr>
-</p:sld>
-</file>
-
-<file path=ppt/slides/slide6.xml><?xml version="1.0" encoding="utf-8"?>
-<p:sld xmlns:a="http://schemas.openxmlformats.org/drawingml/2006/main" xmlns:r="http://schemas.openxmlformats.org/officeDocument/2006/relationships" xmlns:p="http://schemas.openxmlformats.org/presentationml/2006/main">
-  <p:cSld>
-    <p:spTree>
-      <p:nvGrpSpPr>
-        <p:cNvPr id="1" name=""/>
-        <p:cNvGrpSpPr/>
-        <p:nvPr/>
-      </p:nvGrpSpPr>
-      <p:grpSpPr>
-        <a:xfrm>
-          <a:off x="0" y="0"/>
-          <a:ext cx="0" cy="0"/>
-          <a:chOff x="0" y="0"/>
-          <a:chExt cx="0" cy="0"/>
-        </a:xfrm>
-      </p:grpSpPr>
-      <p:pic>
-        <p:nvPicPr>
-          <p:cNvPr id="2" name="Picture 10" descr="React Native - Origin Apps">
-            <a:extLst>
-              <a:ext uri="{FF2B5EF4-FFF2-40B4-BE49-F238E27FC236}">
-                <a16:creationId xmlns:a16="http://schemas.microsoft.com/office/drawing/2014/main" id="{36E47A4C-307E-4786-A73C-59CD9CC6A099}"/>
-              </a:ext>
-            </a:extLst>
-          </p:cNvPr>
-          <p:cNvPicPr>
-            <a:picLocks noChangeAspect="1" noChangeArrowheads="1"/>
-          </p:cNvPicPr>
-          <p:nvPr/>
-        </p:nvPicPr>
-        <p:blipFill>
-          <a:blip r:embed="rId2">
-            <a:extLst>
-              <a:ext uri="{28A0092B-C50C-407E-A947-70E740481C1C}">
-                <a14:useLocalDpi xmlns:a14="http://schemas.microsoft.com/office/drawing/2010/main" val="0"/>
-              </a:ext>
-            </a:extLst>
-          </a:blip>
-          <a:srcRect/>
-          <a:stretch>
-            <a:fillRect/>
-          </a:stretch>
-        </p:blipFill>
-        <p:spPr bwMode="auto">
-          <a:xfrm>
-            <a:off x="7809717" y="852268"/>
-            <a:ext cx="2275535" cy="1729140"/>
+            <a:off x="187203" y="384077"/>
+            <a:ext cx="3693640" cy="523220"/>
           </a:xfrm>
           <a:prstGeom prst="rect">
             <a:avLst/>
           </a:prstGeom>
           <a:noFill/>
-          <a:extLst>
-            <a:ext uri="{909E8E84-426E-40DD-AFC4-6F175D3DCCD1}">
-              <a14:hiddenFill xmlns:a14="http://schemas.microsoft.com/office/drawing/2010/main">
-                <a:solidFill>
-                  <a:srgbClr val="FFFFFF"/>
-                </a:solidFill>
-              </a14:hiddenFill>
-            </a:ext>
-          </a:extLst>
-        </p:spPr>
-      </p:pic>
-      <p:sp>
-        <p:nvSpPr>
-          <p:cNvPr id="3" name="TextBox 2">
-            <a:extLst>
-              <a:ext uri="{FF2B5EF4-FFF2-40B4-BE49-F238E27FC236}">
-                <a16:creationId xmlns:a16="http://schemas.microsoft.com/office/drawing/2014/main" id="{8E298E33-B4EF-4546-9C45-DF24FB2B24D3}"/>
-              </a:ext>
-            </a:extLst>
-          </p:cNvPr>
-          <p:cNvSpPr txBox="1"/>
-          <p:nvPr/>
-        </p:nvSpPr>
-        <p:spPr>
-          <a:xfrm>
-            <a:off x="7809718" y="2799275"/>
-            <a:ext cx="4051718" cy="3416320"/>
-          </a:xfrm>
-          <a:prstGeom prst="rect">
-            <a:avLst/>
-          </a:prstGeom>
-          <a:noFill/>
-        </p:spPr>
-        <p:txBody>
-          <a:bodyPr wrap="square" rtlCol="0">
-            <a:spAutoFit/>
-          </a:bodyPr>
-          <a:lstStyle/>
-          <a:p>
-            <a:r>
-              <a:rPr lang="ko-KR" altLang="en-US"/>
-              <a:t>안드로이드 어플리케이션을 제작하기 위해 </a:t>
-            </a:r>
-            <a:r>
-              <a:rPr lang="en-US" altLang="ko-KR"/>
-              <a:t>React native</a:t>
-            </a:r>
-            <a:r>
-              <a:rPr lang="ko-KR" altLang="en-US"/>
-              <a:t>가 사용됨</a:t>
-            </a:r>
-            <a:r>
-              <a:rPr lang="en-US" altLang="ko-KR"/>
-              <a:t>.</a:t>
-            </a:r>
-          </a:p>
-          <a:p>
-            <a:r>
-              <a:rPr lang="en-US" altLang="ko-KR"/>
-              <a:t>React nativ</a:t>
-            </a:r>
-            <a:r>
-              <a:rPr lang="ko-KR" altLang="en-US"/>
-              <a:t>는 자바스크립트 언어를 이용해 </a:t>
-            </a:r>
-            <a:r>
-              <a:rPr lang="en-US" altLang="ko-KR"/>
-              <a:t>ios/ android</a:t>
-            </a:r>
-            <a:r>
-              <a:rPr lang="ko-KR" altLang="en-US"/>
-              <a:t>에 메시지를 보내는 일종의 브릿지 역할을 해주는 페이스북사가 개발한 최신 모바일 프레임워크이다</a:t>
-            </a:r>
-            <a:r>
-              <a:rPr lang="en-US" altLang="ko-KR"/>
-              <a:t>..</a:t>
-            </a:r>
-          </a:p>
-          <a:p>
-            <a:r>
-              <a:rPr lang="ko-KR" altLang="en-US"/>
-              <a:t>웹으로 구현한 프로그램을 모바일 앱으로 만드는데 </a:t>
-            </a:r>
-            <a:r>
-              <a:rPr lang="en-US" altLang="ko-KR"/>
-              <a:t>react-native</a:t>
-            </a:r>
-            <a:r>
-              <a:rPr lang="ko-KR" altLang="en-US"/>
-              <a:t>의</a:t>
-            </a:r>
-            <a:endParaRPr lang="en-US" altLang="ko-KR"/>
-          </a:p>
-          <a:p>
-            <a:r>
-              <a:rPr lang="en-US" altLang="ko-KR"/>
-              <a:t>Webview </a:t>
-            </a:r>
-            <a:r>
-              <a:rPr lang="ko-KR" altLang="en-US"/>
-              <a:t>기능을 사용했다</a:t>
-            </a:r>
-            <a:r>
-              <a:rPr lang="en-US" altLang="ko-KR"/>
-              <a:t>.</a:t>
-            </a:r>
-          </a:p>
-          <a:p>
-            <a:r>
-              <a:rPr lang="en-US" altLang="ko-KR"/>
-              <a:t>(Webview : </a:t>
-            </a:r>
-            <a:r>
-              <a:rPr lang="ko-KR" altLang="en-US"/>
-              <a:t>모바일 앱 내부에서 웹 페이지를 보기위해 사용하는 기능</a:t>
-            </a:r>
-            <a:r>
-              <a:rPr lang="en-US" altLang="ko-KR"/>
-              <a:t>)</a:t>
-            </a:r>
-            <a:endParaRPr lang="ko-KR" altLang="en-US"/>
-          </a:p>
-        </p:txBody>
-      </p:sp>
-      <p:pic>
-        <p:nvPicPr>
-          <p:cNvPr id="4" name="Picture 2" descr="Node.js - Wikipedia">
-            <a:extLst>
-              <a:ext uri="{FF2B5EF4-FFF2-40B4-BE49-F238E27FC236}">
-                <a16:creationId xmlns:a16="http://schemas.microsoft.com/office/drawing/2014/main" id="{B5B9FBFB-45D7-4AC8-8B28-21FE75EBA081}"/>
-              </a:ext>
-            </a:extLst>
-          </p:cNvPr>
-          <p:cNvPicPr>
-            <a:picLocks noChangeAspect="1" noChangeArrowheads="1"/>
-          </p:cNvPicPr>
-          <p:nvPr/>
-        </p:nvPicPr>
-        <p:blipFill>
-          <a:blip r:embed="rId3">
-            <a:extLst>
-              <a:ext uri="{28A0092B-C50C-407E-A947-70E740481C1C}">
-                <a14:useLocalDpi xmlns:a14="http://schemas.microsoft.com/office/drawing/2010/main" val="0"/>
-              </a:ext>
-            </a:extLst>
-          </a:blip>
-          <a:srcRect/>
-          <a:stretch>
-            <a:fillRect/>
-          </a:stretch>
-        </p:blipFill>
-        <p:spPr bwMode="auto">
-          <a:xfrm>
-            <a:off x="550039" y="2124559"/>
-            <a:ext cx="2375392" cy="1452880"/>
-          </a:xfrm>
-          <a:prstGeom prst="rect">
-            <a:avLst/>
-          </a:prstGeom>
-          <a:noFill/>
-          <a:extLst>
-            <a:ext uri="{909E8E84-426E-40DD-AFC4-6F175D3DCCD1}">
-              <a14:hiddenFill xmlns:a14="http://schemas.microsoft.com/office/drawing/2010/main">
-                <a:solidFill>
-                  <a:srgbClr val="FFFFFF"/>
-                </a:solidFill>
-              </a14:hiddenFill>
-            </a:ext>
-          </a:extLst>
-        </p:spPr>
-      </p:pic>
-      <p:pic>
-        <p:nvPicPr>
-          <p:cNvPr id="5" name="Picture 4" descr="Html , CSS, Javascript - Home | Facebook">
-            <a:extLst>
-              <a:ext uri="{FF2B5EF4-FFF2-40B4-BE49-F238E27FC236}">
-                <a16:creationId xmlns:a16="http://schemas.microsoft.com/office/drawing/2014/main" id="{149098B0-2A7F-4C7A-ADAD-3A5594A43F2A}"/>
-              </a:ext>
-            </a:extLst>
-          </p:cNvPr>
-          <p:cNvPicPr>
-            <a:picLocks noChangeAspect="1" noChangeArrowheads="1"/>
-          </p:cNvPicPr>
-          <p:nvPr/>
-        </p:nvPicPr>
-        <p:blipFill>
-          <a:blip r:embed="rId4">
-            <a:extLst>
-              <a:ext uri="{28A0092B-C50C-407E-A947-70E740481C1C}">
-                <a14:useLocalDpi xmlns:a14="http://schemas.microsoft.com/office/drawing/2010/main" val="0"/>
-              </a:ext>
-            </a:extLst>
-          </a:blip>
-          <a:srcRect/>
-          <a:stretch>
-            <a:fillRect/>
-          </a:stretch>
-        </p:blipFill>
-        <p:spPr bwMode="auto">
-          <a:xfrm>
-            <a:off x="1525256" y="359185"/>
-            <a:ext cx="2800350" cy="1638300"/>
-          </a:xfrm>
-          <a:prstGeom prst="rect">
-            <a:avLst/>
-          </a:prstGeom>
-          <a:noFill/>
-          <a:extLst>
-            <a:ext uri="{909E8E84-426E-40DD-AFC4-6F175D3DCCD1}">
-              <a14:hiddenFill xmlns:a14="http://schemas.microsoft.com/office/drawing/2010/main">
-                <a:solidFill>
-                  <a:srgbClr val="FFFFFF"/>
-                </a:solidFill>
-              </a14:hiddenFill>
-            </a:ext>
-          </a:extLst>
-        </p:spPr>
-      </p:pic>
-      <p:sp>
-        <p:nvSpPr>
-          <p:cNvPr id="6" name="TextBox 5">
-            <a:extLst>
-              <a:ext uri="{FF2B5EF4-FFF2-40B4-BE49-F238E27FC236}">
-                <a16:creationId xmlns:a16="http://schemas.microsoft.com/office/drawing/2014/main" id="{1C3BE028-A99B-4940-B6C7-C18E60998DE3}"/>
-              </a:ext>
-            </a:extLst>
-          </p:cNvPr>
-          <p:cNvSpPr txBox="1"/>
-          <p:nvPr/>
-        </p:nvSpPr>
-        <p:spPr>
-          <a:xfrm>
-            <a:off x="330564" y="3704513"/>
-            <a:ext cx="7045759" cy="3139321"/>
-          </a:xfrm>
-          <a:prstGeom prst="rect">
-            <a:avLst/>
-          </a:prstGeom>
-          <a:noFill/>
-        </p:spPr>
-        <p:txBody>
-          <a:bodyPr wrap="square" rtlCol="0">
-            <a:spAutoFit/>
-          </a:bodyPr>
-          <a:lstStyle/>
-          <a:p>
-            <a:r>
-              <a:rPr lang="en-US" altLang="ko-KR"/>
-              <a:t>Bluecheck</a:t>
-            </a:r>
-            <a:r>
-              <a:rPr lang="ko-KR" altLang="en-US"/>
-              <a:t>는 </a:t>
-            </a:r>
-            <a:r>
-              <a:rPr lang="en-US" altLang="ko-KR"/>
-              <a:t>Node.js </a:t>
-            </a:r>
-            <a:r>
-              <a:rPr lang="ko-KR" altLang="en-US"/>
-              <a:t>기반의 </a:t>
-            </a:r>
-            <a:r>
-              <a:rPr lang="en-US" altLang="ko-KR"/>
-              <a:t>Web App</a:t>
-            </a:r>
-            <a:r>
-              <a:rPr lang="ko-KR" altLang="en-US"/>
-              <a:t>이다</a:t>
-            </a:r>
-            <a:r>
-              <a:rPr lang="en-US" altLang="ko-KR"/>
-              <a:t>.</a:t>
-            </a:r>
-          </a:p>
-          <a:p>
-            <a:r>
-              <a:rPr lang="en-US" altLang="ko-KR"/>
-              <a:t>Node.js</a:t>
-            </a:r>
-            <a:r>
-              <a:rPr lang="ko-KR" altLang="en-US"/>
-              <a:t>는 프론트엔드 </a:t>
-            </a:r>
-            <a:r>
-              <a:rPr lang="en-US" altLang="ko-KR"/>
-              <a:t>(</a:t>
-            </a:r>
-            <a:r>
-              <a:rPr lang="ko-KR" altLang="en-US"/>
-              <a:t>사용자의 눈에 보이는 영역</a:t>
-            </a:r>
-            <a:r>
-              <a:rPr lang="en-US" altLang="ko-KR"/>
-              <a:t>)</a:t>
-            </a:r>
-            <a:r>
-              <a:rPr lang="ko-KR" altLang="en-US"/>
-              <a:t>와 백엔드</a:t>
-            </a:r>
-            <a:r>
-              <a:rPr lang="en-US" altLang="ko-KR"/>
-              <a:t>(</a:t>
-            </a:r>
-            <a:r>
-              <a:rPr lang="ko-KR" altLang="en-US"/>
-              <a:t>눈에 보이지 않는 영역 </a:t>
-            </a:r>
-            <a:r>
-              <a:rPr lang="en-US" altLang="ko-KR"/>
-              <a:t>ex.</a:t>
-            </a:r>
-            <a:r>
-              <a:rPr lang="ko-KR" altLang="en-US"/>
-              <a:t>서버 데이터베이스에 데이터를 저장하는 등</a:t>
-            </a:r>
-            <a:r>
-              <a:rPr lang="en-US" altLang="ko-KR"/>
-              <a:t>) </a:t>
-            </a:r>
-            <a:r>
-              <a:rPr lang="ko-KR" altLang="en-US"/>
-              <a:t>모두를 아우를수 있는 소프트웨어 플랫폼</a:t>
-            </a:r>
-            <a:r>
-              <a:rPr lang="en-US" altLang="ko-KR"/>
-              <a:t>.</a:t>
-            </a:r>
-          </a:p>
-          <a:p>
-            <a:endParaRPr lang="en-US" altLang="ko-KR"/>
-          </a:p>
-          <a:p>
-            <a:r>
-              <a:rPr lang="en-US" altLang="ko-KR"/>
-              <a:t>Web app</a:t>
-            </a:r>
-            <a:r>
-              <a:rPr lang="ko-KR" altLang="en-US"/>
-              <a:t>의 외부 틀은 </a:t>
-            </a:r>
-            <a:r>
-              <a:rPr lang="en-US" altLang="ko-KR"/>
-              <a:t>html-javascript-css</a:t>
-            </a:r>
-            <a:r>
-              <a:rPr lang="ko-KR" altLang="en-US"/>
-              <a:t>로 구현했고 </a:t>
-            </a:r>
-            <a:r>
-              <a:rPr lang="en-US" altLang="ko-KR"/>
-              <a:t>node.js</a:t>
-            </a:r>
-            <a:r>
-              <a:rPr lang="ko-KR" altLang="en-US"/>
-              <a:t>에서 </a:t>
-            </a:r>
-            <a:r>
-              <a:rPr lang="en-US" altLang="ko-KR"/>
-              <a:t>express </a:t>
-            </a:r>
-            <a:r>
-              <a:rPr lang="ko-KR" altLang="en-US"/>
-              <a:t>모듈을 사용해 구축한 서버 위에서 프로그램이 작동한다</a:t>
-            </a:r>
-            <a:r>
-              <a:rPr lang="en-US" altLang="ko-KR"/>
-              <a:t>.</a:t>
-            </a:r>
-          </a:p>
-          <a:p>
-            <a:endParaRPr lang="en-US" altLang="ko-KR"/>
-          </a:p>
-          <a:p>
-            <a:r>
-              <a:rPr lang="ko-KR" altLang="en-US"/>
-              <a:t>또한 </a:t>
-            </a:r>
-            <a:r>
-              <a:rPr lang="en-US" altLang="ko-KR"/>
-              <a:t>node.js</a:t>
-            </a:r>
-            <a:r>
-              <a:rPr lang="ko-KR" altLang="en-US"/>
-              <a:t>의 </a:t>
-            </a:r>
-            <a:r>
-              <a:rPr lang="en-US" altLang="ko-KR"/>
-              <a:t>‘forever’</a:t>
-            </a:r>
-            <a:r>
-              <a:rPr lang="ko-KR" altLang="en-US"/>
-              <a:t>모듈을 사용해</a:t>
-            </a:r>
-            <a:r>
-              <a:rPr lang="en-US" altLang="ko-KR"/>
-              <a:t>, </a:t>
-            </a:r>
-            <a:r>
-              <a:rPr lang="ko-KR" altLang="en-US"/>
-              <a:t>서버에 문제가 생겨 작동이 중지될 경우에 자동으로 서버를 재빌드 하도록 구현했다</a:t>
-            </a:r>
-            <a:r>
-              <a:rPr lang="en-US" altLang="ko-KR"/>
-              <a:t>.</a:t>
-            </a:r>
-            <a:endParaRPr lang="ko-KR" altLang="en-US"/>
-          </a:p>
-          <a:p>
-            <a:endParaRPr lang="en-US" altLang="ko-KR"/>
-          </a:p>
-        </p:txBody>
-      </p:sp>
-      <p:pic>
-        <p:nvPicPr>
-          <p:cNvPr id="8" name="Picture 16" descr="Express.js CMS - #1 Headless CMS for Express | ButterCMS">
-            <a:extLst>
-              <a:ext uri="{FF2B5EF4-FFF2-40B4-BE49-F238E27FC236}">
-                <a16:creationId xmlns:a16="http://schemas.microsoft.com/office/drawing/2014/main" id="{9A82B090-B3FF-4C09-937F-04D022185115}"/>
-              </a:ext>
-            </a:extLst>
-          </p:cNvPr>
-          <p:cNvPicPr>
-            <a:picLocks noChangeAspect="1" noChangeArrowheads="1"/>
-          </p:cNvPicPr>
-          <p:nvPr/>
-        </p:nvPicPr>
-        <p:blipFill>
-          <a:blip r:embed="rId5">
-            <a:extLst>
-              <a:ext uri="{28A0092B-C50C-407E-A947-70E740481C1C}">
-                <a14:useLocalDpi xmlns:a14="http://schemas.microsoft.com/office/drawing/2010/main" val="0"/>
-              </a:ext>
-            </a:extLst>
-          </a:blip>
-          <a:srcRect/>
-          <a:stretch>
-            <a:fillRect/>
-          </a:stretch>
-        </p:blipFill>
-        <p:spPr bwMode="auto">
-          <a:xfrm>
-            <a:off x="3652211" y="2124559"/>
-            <a:ext cx="3344712" cy="913699"/>
-          </a:xfrm>
-          <a:prstGeom prst="rect">
-            <a:avLst/>
-          </a:prstGeom>
-          <a:noFill/>
-          <a:extLst>
-            <a:ext uri="{909E8E84-426E-40DD-AFC4-6F175D3DCCD1}">
-              <a14:hiddenFill xmlns:a14="http://schemas.microsoft.com/office/drawing/2010/main">
-                <a:solidFill>
-                  <a:srgbClr val="FFFFFF"/>
-                </a:solidFill>
-              </a14:hiddenFill>
-            </a:ext>
-          </a:extLst>
-        </p:spPr>
-      </p:pic>
-      <p:pic>
-        <p:nvPicPr>
-          <p:cNvPr id="9" name="Picture 12" descr="Android (@Android) | Twitter">
-            <a:extLst>
-              <a:ext uri="{FF2B5EF4-FFF2-40B4-BE49-F238E27FC236}">
-                <a16:creationId xmlns:a16="http://schemas.microsoft.com/office/drawing/2014/main" id="{BF8E2D6A-AB81-4294-80A7-C3537AE7CD04}"/>
-              </a:ext>
-            </a:extLst>
-          </p:cNvPr>
-          <p:cNvPicPr>
-            <a:picLocks noChangeAspect="1" noChangeArrowheads="1"/>
-          </p:cNvPicPr>
-          <p:nvPr/>
-        </p:nvPicPr>
-        <p:blipFill>
-          <a:blip r:embed="rId6">
-            <a:extLst>
-              <a:ext uri="{28A0092B-C50C-407E-A947-70E740481C1C}">
-                <a14:useLocalDpi xmlns:a14="http://schemas.microsoft.com/office/drawing/2010/main" val="0"/>
-              </a:ext>
-            </a:extLst>
-          </a:blip>
-          <a:srcRect/>
-          <a:stretch>
-            <a:fillRect/>
-          </a:stretch>
-        </p:blipFill>
-        <p:spPr bwMode="auto">
-          <a:xfrm>
-            <a:off x="9802174" y="268345"/>
-            <a:ext cx="1729140" cy="1729140"/>
-          </a:xfrm>
-          <a:prstGeom prst="rect">
-            <a:avLst/>
-          </a:prstGeom>
-          <a:noFill/>
-          <a:extLst>
-            <a:ext uri="{909E8E84-426E-40DD-AFC4-6F175D3DCCD1}">
-              <a14:hiddenFill xmlns:a14="http://schemas.microsoft.com/office/drawing/2010/main">
-                <a:solidFill>
-                  <a:srgbClr val="FFFFFF"/>
-                </a:solidFill>
-              </a14:hiddenFill>
-            </a:ext>
-          </a:extLst>
-        </p:spPr>
-      </p:pic>
-    </p:spTree>
-    <p:extLst>
-      <p:ext uri="{BB962C8B-B14F-4D97-AF65-F5344CB8AC3E}">
-        <p14:creationId xmlns:p14="http://schemas.microsoft.com/office/powerpoint/2010/main" val="2223482171"/>
-      </p:ext>
-    </p:extLst>
-  </p:cSld>
-  <p:clrMapOvr>
-    <a:masterClrMapping/>
-  </p:clrMapOvr>
-</p:sld>
-</file>
-
-<file path=ppt/slides/slide7.xml><?xml version="1.0" encoding="utf-8"?>
-<p:sld xmlns:a="http://schemas.openxmlformats.org/drawingml/2006/main" xmlns:r="http://schemas.openxmlformats.org/officeDocument/2006/relationships" xmlns:p="http://schemas.openxmlformats.org/presentationml/2006/main">
-  <p:cSld>
-    <p:spTree>
-      <p:nvGrpSpPr>
-        <p:cNvPr id="1" name=""/>
-        <p:cNvGrpSpPr/>
-        <p:nvPr/>
-      </p:nvGrpSpPr>
-      <p:grpSpPr>
-        <a:xfrm>
-          <a:off x="0" y="0"/>
-          <a:ext cx="0" cy="0"/>
-          <a:chOff x="0" y="0"/>
-          <a:chExt cx="0" cy="0"/>
-        </a:xfrm>
-      </p:grpSpPr>
-      <p:pic>
-        <p:nvPicPr>
-          <p:cNvPr id="4" name="그림 3">
-            <a:extLst>
-              <a:ext uri="{FF2B5EF4-FFF2-40B4-BE49-F238E27FC236}">
-                <a16:creationId xmlns:a16="http://schemas.microsoft.com/office/drawing/2014/main" id="{8CC33CE6-A2D1-4F03-ACD9-41E19EC051D5}"/>
-              </a:ext>
-            </a:extLst>
-          </p:cNvPr>
-          <p:cNvPicPr>
-            <a:picLocks noChangeAspect="1"/>
-          </p:cNvPicPr>
-          <p:nvPr/>
-        </p:nvPicPr>
-        <p:blipFill>
-          <a:blip r:embed="rId2"/>
-          <a:stretch>
-            <a:fillRect/>
-          </a:stretch>
-        </p:blipFill>
-        <p:spPr>
-          <a:xfrm>
-            <a:off x="987867" y="1949411"/>
-            <a:ext cx="2366524" cy="4363465"/>
-          </a:xfrm>
-          <a:prstGeom prst="rect">
-            <a:avLst/>
-          </a:prstGeom>
-        </p:spPr>
-      </p:pic>
-      <p:pic>
-        <p:nvPicPr>
-          <p:cNvPr id="5" name="그림 4">
-            <a:extLst>
-              <a:ext uri="{FF2B5EF4-FFF2-40B4-BE49-F238E27FC236}">
-                <a16:creationId xmlns:a16="http://schemas.microsoft.com/office/drawing/2014/main" id="{AD8BE744-DCF2-42D9-BF62-24DAA65B03D8}"/>
-              </a:ext>
-            </a:extLst>
-          </p:cNvPr>
-          <p:cNvPicPr>
-            <a:picLocks noChangeAspect="1"/>
-          </p:cNvPicPr>
-          <p:nvPr/>
-        </p:nvPicPr>
-        <p:blipFill>
-          <a:blip r:embed="rId3"/>
-          <a:stretch>
-            <a:fillRect/>
-          </a:stretch>
-        </p:blipFill>
-        <p:spPr>
-          <a:xfrm>
-            <a:off x="1088308" y="304212"/>
-            <a:ext cx="3636887" cy="1371351"/>
-          </a:xfrm>
-          <a:prstGeom prst="rect">
-            <a:avLst/>
-          </a:prstGeom>
-        </p:spPr>
-      </p:pic>
-      <p:sp>
-        <p:nvSpPr>
-          <p:cNvPr id="6" name="TextBox 5">
-            <a:extLst>
-              <a:ext uri="{FF2B5EF4-FFF2-40B4-BE49-F238E27FC236}">
-                <a16:creationId xmlns:a16="http://schemas.microsoft.com/office/drawing/2014/main" id="{E3BA5DAA-8A6A-431C-942D-DC6CB017DB94}"/>
-              </a:ext>
-            </a:extLst>
-          </p:cNvPr>
-          <p:cNvSpPr txBox="1"/>
-          <p:nvPr/>
-        </p:nvSpPr>
-        <p:spPr>
-          <a:xfrm>
-            <a:off x="6429481" y="2424673"/>
-            <a:ext cx="4441457" cy="2031325"/>
-          </a:xfrm>
-          <a:prstGeom prst="rect">
-            <a:avLst/>
-          </a:prstGeom>
-          <a:noFill/>
-        </p:spPr>
-        <p:txBody>
-          <a:bodyPr wrap="square" rtlCol="0">
-            <a:spAutoFit/>
-          </a:bodyPr>
-          <a:lstStyle/>
-          <a:p>
-            <a:r>
-              <a:rPr lang="ko-KR" altLang="en-US"/>
-              <a:t>안드로이드 기반 휴대 기기에 어플을 설치해 회원가입을 진행하면 </a:t>
-            </a:r>
-            <a:r>
-              <a:rPr lang="en-US" altLang="ko-KR"/>
-              <a:t>React native</a:t>
-            </a:r>
-            <a:r>
-              <a:rPr lang="ko-KR" altLang="en-US"/>
-              <a:t>에서 각 기기의 </a:t>
-            </a:r>
-            <a:r>
-              <a:rPr lang="en-US" altLang="ko-KR"/>
-              <a:t>device token </a:t>
-            </a:r>
-            <a:r>
-              <a:rPr lang="ko-KR" altLang="en-US"/>
-              <a:t>값을 읽어 </a:t>
-            </a:r>
-            <a:r>
-              <a:rPr lang="en-US" altLang="ko-KR"/>
-              <a:t>node.js</a:t>
-            </a:r>
-            <a:r>
-              <a:rPr lang="ko-KR" altLang="en-US"/>
-              <a:t>로 전송한다</a:t>
-            </a:r>
-            <a:r>
-              <a:rPr lang="en-US" altLang="ko-KR"/>
-              <a:t>. </a:t>
-            </a:r>
-            <a:r>
-              <a:rPr lang="ko-KR" altLang="en-US"/>
-              <a:t>서버는 </a:t>
-            </a:r>
-            <a:r>
-              <a:rPr lang="en-US" altLang="ko-KR"/>
-              <a:t>user </a:t>
-            </a:r>
-            <a:r>
-              <a:rPr lang="ko-KR" altLang="en-US"/>
-              <a:t>데이터베이스에 사용자</a:t>
-            </a:r>
-            <a:r>
-              <a:rPr lang="en-US" altLang="ko-KR"/>
-              <a:t> </a:t>
-            </a:r>
-            <a:r>
-              <a:rPr lang="ko-KR" altLang="en-US"/>
-              <a:t>데이터와 디바이스 토큰 값을 쌍으로 저장한다</a:t>
-            </a:r>
-            <a:r>
-              <a:rPr lang="en-US" altLang="ko-KR"/>
-              <a:t>. </a:t>
-            </a:r>
-            <a:r>
-              <a:rPr lang="ko-KR" altLang="en-US"/>
-              <a:t>이 토큰 값은 이후 푸시 알림 전송에 사용된다</a:t>
-            </a:r>
-            <a:r>
-              <a:rPr lang="en-US" altLang="ko-KR"/>
-              <a:t>.</a:t>
-            </a:r>
-            <a:endParaRPr lang="ko-KR" altLang="en-US"/>
-          </a:p>
-        </p:txBody>
-      </p:sp>
-      <p:pic>
-        <p:nvPicPr>
-          <p:cNvPr id="7" name="Picture 10" descr="React Native - Origin Apps">
-            <a:extLst>
-              <a:ext uri="{FF2B5EF4-FFF2-40B4-BE49-F238E27FC236}">
-                <a16:creationId xmlns:a16="http://schemas.microsoft.com/office/drawing/2014/main" id="{FF5644FA-1CAD-47CD-A351-28A31E330910}"/>
-              </a:ext>
-            </a:extLst>
-          </p:cNvPr>
-          <p:cNvPicPr>
-            <a:picLocks noChangeAspect="1" noChangeArrowheads="1"/>
-          </p:cNvPicPr>
-          <p:nvPr/>
-        </p:nvPicPr>
-        <p:blipFill>
-          <a:blip r:embed="rId4">
-            <a:extLst>
-              <a:ext uri="{28A0092B-C50C-407E-A947-70E740481C1C}">
-                <a14:useLocalDpi xmlns:a14="http://schemas.microsoft.com/office/drawing/2010/main" val="0"/>
-              </a:ext>
-            </a:extLst>
-          </a:blip>
-          <a:srcRect/>
-          <a:stretch>
-            <a:fillRect/>
-          </a:stretch>
-        </p:blipFill>
-        <p:spPr bwMode="auto">
-          <a:xfrm>
-            <a:off x="3486986" y="2402003"/>
-            <a:ext cx="2275535" cy="1729140"/>
-          </a:xfrm>
-          <a:prstGeom prst="rect">
-            <a:avLst/>
-          </a:prstGeom>
-          <a:noFill/>
-          <a:extLst>
-            <a:ext uri="{909E8E84-426E-40DD-AFC4-6F175D3DCCD1}">
-              <a14:hiddenFill xmlns:a14="http://schemas.microsoft.com/office/drawing/2010/main">
-                <a:solidFill>
-                  <a:srgbClr val="FFFFFF"/>
-                </a:solidFill>
-              </a14:hiddenFill>
-            </a:ext>
-          </a:extLst>
-        </p:spPr>
-      </p:pic>
-      <p:pic>
-        <p:nvPicPr>
-          <p:cNvPr id="8" name="Picture 2" descr="Node.js - Wikipedia">
-            <a:extLst>
-              <a:ext uri="{FF2B5EF4-FFF2-40B4-BE49-F238E27FC236}">
-                <a16:creationId xmlns:a16="http://schemas.microsoft.com/office/drawing/2014/main" id="{EFB6A5AD-EA41-431E-A5E9-973C43E7E9DC}"/>
-              </a:ext>
-            </a:extLst>
-          </p:cNvPr>
-          <p:cNvPicPr>
-            <a:picLocks noChangeAspect="1" noChangeArrowheads="1"/>
-          </p:cNvPicPr>
-          <p:nvPr/>
-        </p:nvPicPr>
-        <p:blipFill>
-          <a:blip r:embed="rId5">
-            <a:extLst>
-              <a:ext uri="{28A0092B-C50C-407E-A947-70E740481C1C}">
-                <a14:useLocalDpi xmlns:a14="http://schemas.microsoft.com/office/drawing/2010/main" val="0"/>
-              </a:ext>
-            </a:extLst>
-          </a:blip>
-          <a:srcRect/>
-          <a:stretch>
-            <a:fillRect/>
-          </a:stretch>
-        </p:blipFill>
-        <p:spPr bwMode="auto">
-          <a:xfrm>
-            <a:off x="6096000" y="949123"/>
-            <a:ext cx="2375392" cy="1452880"/>
-          </a:xfrm>
-          <a:prstGeom prst="rect">
-            <a:avLst/>
-          </a:prstGeom>
-          <a:noFill/>
-          <a:extLst>
-            <a:ext uri="{909E8E84-426E-40DD-AFC4-6F175D3DCCD1}">
-              <a14:hiddenFill xmlns:a14="http://schemas.microsoft.com/office/drawing/2010/main">
-                <a:solidFill>
-                  <a:srgbClr val="FFFFFF"/>
-                </a:solidFill>
-              </a14:hiddenFill>
-            </a:ext>
-          </a:extLst>
-        </p:spPr>
-      </p:pic>
-      <p:sp>
-        <p:nvSpPr>
-          <p:cNvPr id="9" name="TextBox 8">
-            <a:extLst>
-              <a:ext uri="{FF2B5EF4-FFF2-40B4-BE49-F238E27FC236}">
-                <a16:creationId xmlns:a16="http://schemas.microsoft.com/office/drawing/2014/main" id="{41CBD00A-F6A2-46D8-8D51-2F2D6DC23A16}"/>
-              </a:ext>
-            </a:extLst>
-          </p:cNvPr>
-          <p:cNvSpPr txBox="1"/>
-          <p:nvPr/>
-        </p:nvSpPr>
-        <p:spPr>
-          <a:xfrm>
-            <a:off x="5134708" y="4941277"/>
-            <a:ext cx="6069425" cy="1200329"/>
-          </a:xfrm>
-          <a:prstGeom prst="rect">
-            <a:avLst/>
-          </a:prstGeom>
-          <a:noFill/>
-        </p:spPr>
-        <p:txBody>
-          <a:bodyPr wrap="square" rtlCol="0">
-            <a:spAutoFit/>
-          </a:bodyPr>
-          <a:lstStyle/>
-          <a:p>
-            <a:r>
-              <a:rPr lang="ko-KR" altLang="en-US"/>
-              <a:t>회원가입시 사용자가 입력한 비밀번호는 문자열 그대로 </a:t>
-            </a:r>
-            <a:r>
-              <a:rPr lang="en-US" altLang="ko-KR"/>
-              <a:t>DB </a:t>
-            </a:r>
-            <a:r>
-              <a:rPr lang="ko-KR" altLang="en-US"/>
-              <a:t>저장시 보안상 취약점이 생기기 때문에 </a:t>
-            </a:r>
-            <a:r>
-              <a:rPr lang="en-US" altLang="ko-KR"/>
-              <a:t>node.js</a:t>
-            </a:r>
-            <a:r>
-              <a:rPr lang="ko-KR" altLang="en-US"/>
-              <a:t>의 </a:t>
-            </a:r>
-            <a:r>
-              <a:rPr lang="en-US" altLang="ko-KR"/>
-              <a:t>‘crypto’ </a:t>
-            </a:r>
-            <a:r>
-              <a:rPr lang="ko-KR" altLang="en-US"/>
-              <a:t>모듈을 사용해 입력받은 비밀번호 문자열을 암호화 한 값으로 </a:t>
-            </a:r>
-            <a:r>
-              <a:rPr lang="en-US" altLang="ko-KR"/>
-              <a:t>db</a:t>
-            </a:r>
-            <a:r>
-              <a:rPr lang="ko-KR" altLang="en-US"/>
-              <a:t>에 저장한다 </a:t>
-            </a:r>
-          </a:p>
-        </p:txBody>
-      </p:sp>
-    </p:spTree>
-    <p:extLst>
-      <p:ext uri="{BB962C8B-B14F-4D97-AF65-F5344CB8AC3E}">
-        <p14:creationId xmlns:p14="http://schemas.microsoft.com/office/powerpoint/2010/main" val="3015188358"/>
-      </p:ext>
-    </p:extLst>
-  </p:cSld>
-  <p:clrMapOvr>
-    <a:masterClrMapping/>
-  </p:clrMapOvr>
-</p:sld>
-</file>
-
-<file path=ppt/slides/slide8.xml><?xml version="1.0" encoding="utf-8"?>
-<p:sld xmlns:a="http://schemas.openxmlformats.org/drawingml/2006/main" xmlns:r="http://schemas.openxmlformats.org/officeDocument/2006/relationships" xmlns:p="http://schemas.openxmlformats.org/presentationml/2006/main">
-  <p:cSld>
-    <p:spTree>
-      <p:nvGrpSpPr>
-        <p:cNvPr id="1" name=""/>
-        <p:cNvGrpSpPr/>
-        <p:nvPr/>
-      </p:nvGrpSpPr>
-      <p:grpSpPr>
-        <a:xfrm>
-          <a:off x="0" y="0"/>
-          <a:ext cx="0" cy="0"/>
-          <a:chOff x="0" y="0"/>
-          <a:chExt cx="0" cy="0"/>
-        </a:xfrm>
-      </p:grpSpPr>
-      <p:pic>
-        <p:nvPicPr>
-          <p:cNvPr id="2052" name="Picture 4" descr="Download Free png person Outline Icon - DLPNG.com">
-            <a:extLst>
-              <a:ext uri="{FF2B5EF4-FFF2-40B4-BE49-F238E27FC236}">
-                <a16:creationId xmlns:a16="http://schemas.microsoft.com/office/drawing/2014/main" id="{937DFB99-F685-49E8-BEBD-3B583EE3E475}"/>
-              </a:ext>
-            </a:extLst>
-          </p:cNvPr>
-          <p:cNvPicPr>
-            <a:picLocks noChangeAspect="1" noChangeArrowheads="1"/>
-          </p:cNvPicPr>
-          <p:nvPr/>
-        </p:nvPicPr>
-        <p:blipFill>
-          <a:blip r:embed="rId3">
-            <a:extLst>
-              <a:ext uri="{28A0092B-C50C-407E-A947-70E740481C1C}">
-                <a14:useLocalDpi xmlns:a14="http://schemas.microsoft.com/office/drawing/2010/main" val="0"/>
-              </a:ext>
-            </a:extLst>
-          </a:blip>
-          <a:srcRect/>
-          <a:stretch>
-            <a:fillRect/>
-          </a:stretch>
-        </p:blipFill>
-        <p:spPr bwMode="auto">
-          <a:xfrm>
-            <a:off x="196945" y="3136807"/>
-            <a:ext cx="2164080" cy="2164080"/>
-          </a:xfrm>
-          <a:prstGeom prst="rect">
-            <a:avLst/>
-          </a:prstGeom>
-          <a:noFill/>
-          <a:extLst>
-            <a:ext uri="{909E8E84-426E-40DD-AFC4-6F175D3DCCD1}">
-              <a14:hiddenFill xmlns:a14="http://schemas.microsoft.com/office/drawing/2010/main">
-                <a:solidFill>
-                  <a:srgbClr val="FFFFFF"/>
-                </a:solidFill>
-              </a14:hiddenFill>
-            </a:ext>
-          </a:extLst>
-        </p:spPr>
-      </p:pic>
-      <p:pic>
-        <p:nvPicPr>
-          <p:cNvPr id="6" name="Picture 4" descr="Download Free png person Outline Icon - DLPNG.com">
-            <a:extLst>
-              <a:ext uri="{FF2B5EF4-FFF2-40B4-BE49-F238E27FC236}">
-                <a16:creationId xmlns:a16="http://schemas.microsoft.com/office/drawing/2014/main" id="{3A24524B-4643-4FDA-A38B-4644E1A4624A}"/>
-              </a:ext>
-            </a:extLst>
-          </p:cNvPr>
-          <p:cNvPicPr>
-            <a:picLocks noChangeAspect="1" noChangeArrowheads="1"/>
-          </p:cNvPicPr>
-          <p:nvPr/>
-        </p:nvPicPr>
-        <p:blipFill>
-          <a:blip r:embed="rId3">
-            <a:extLst>
-              <a:ext uri="{28A0092B-C50C-407E-A947-70E740481C1C}">
-                <a14:useLocalDpi xmlns:a14="http://schemas.microsoft.com/office/drawing/2010/main" val="0"/>
-              </a:ext>
-            </a:extLst>
-          </a:blip>
-          <a:srcRect/>
-          <a:stretch>
-            <a:fillRect/>
-          </a:stretch>
-        </p:blipFill>
-        <p:spPr bwMode="auto">
-          <a:xfrm>
-            <a:off x="10192942" y="3107086"/>
-            <a:ext cx="2164080" cy="2164080"/>
-          </a:xfrm>
-          <a:prstGeom prst="rect">
-            <a:avLst/>
-          </a:prstGeom>
-          <a:noFill/>
-          <a:extLst>
-            <a:ext uri="{909E8E84-426E-40DD-AFC4-6F175D3DCCD1}">
-              <a14:hiddenFill xmlns:a14="http://schemas.microsoft.com/office/drawing/2010/main">
-                <a:solidFill>
-                  <a:srgbClr val="FFFFFF"/>
-                </a:solidFill>
-              </a14:hiddenFill>
-            </a:ext>
-          </a:extLst>
-        </p:spPr>
-      </p:pic>
-      <p:sp>
-        <p:nvSpPr>
-          <p:cNvPr id="4" name="TextBox 3">
-            <a:extLst>
-              <a:ext uri="{FF2B5EF4-FFF2-40B4-BE49-F238E27FC236}">
-                <a16:creationId xmlns:a16="http://schemas.microsoft.com/office/drawing/2014/main" id="{F4A5837E-F16A-436B-910B-08F65CB6F477}"/>
-              </a:ext>
-            </a:extLst>
-          </p:cNvPr>
-          <p:cNvSpPr txBox="1"/>
-          <p:nvPr/>
-        </p:nvSpPr>
-        <p:spPr>
-          <a:xfrm>
-            <a:off x="910114" y="5166061"/>
-            <a:ext cx="646331" cy="369332"/>
-          </a:xfrm>
-          <a:prstGeom prst="rect">
-            <a:avLst/>
-          </a:prstGeom>
-          <a:noFill/>
         </p:spPr>
         <p:txBody>
           <a:bodyPr wrap="none" rtlCol="0">
@@ -6615,852 +4508,18 @@
           <a:lstStyle/>
           <a:p>
             <a:r>
-              <a:rPr lang="ko-KR" altLang="en-US"/>
-              <a:t>기사</a:t>
-            </a:r>
-          </a:p>
-        </p:txBody>
-      </p:sp>
-      <p:sp>
-        <p:nvSpPr>
-          <p:cNvPr id="8" name="TextBox 7">
-            <a:extLst>
-              <a:ext uri="{FF2B5EF4-FFF2-40B4-BE49-F238E27FC236}">
-                <a16:creationId xmlns:a16="http://schemas.microsoft.com/office/drawing/2014/main" id="{0D723972-5ABF-49B6-8868-9854ADCD269C}"/>
-              </a:ext>
-            </a:extLst>
-          </p:cNvPr>
-          <p:cNvSpPr txBox="1"/>
-          <p:nvPr/>
-        </p:nvSpPr>
-        <p:spPr>
-          <a:xfrm>
-            <a:off x="10951819" y="5223863"/>
-            <a:ext cx="646331" cy="369332"/>
-          </a:xfrm>
-          <a:prstGeom prst="rect">
-            <a:avLst/>
-          </a:prstGeom>
-          <a:noFill/>
-        </p:spPr>
-        <p:txBody>
-          <a:bodyPr wrap="none" rtlCol="0">
-            <a:spAutoFit/>
-          </a:bodyPr>
-          <a:lstStyle/>
-          <a:p>
-            <a:r>
-              <a:rPr lang="ko-KR" altLang="en-US"/>
-              <a:t>반장</a:t>
-            </a:r>
-          </a:p>
-        </p:txBody>
-      </p:sp>
-      <p:sp>
-        <p:nvSpPr>
-          <p:cNvPr id="11" name="TextBox 10">
-            <a:extLst>
-              <a:ext uri="{FF2B5EF4-FFF2-40B4-BE49-F238E27FC236}">
-                <a16:creationId xmlns:a16="http://schemas.microsoft.com/office/drawing/2014/main" id="{F29961DE-FF9E-402B-93E1-52D92A67B11E}"/>
-              </a:ext>
-            </a:extLst>
-          </p:cNvPr>
-          <p:cNvSpPr txBox="1"/>
-          <p:nvPr/>
-        </p:nvSpPr>
-        <p:spPr>
-          <a:xfrm>
-            <a:off x="646232" y="2850031"/>
-            <a:ext cx="1530334" cy="369332"/>
-          </a:xfrm>
-          <a:prstGeom prst="rect">
-            <a:avLst/>
-          </a:prstGeom>
-          <a:noFill/>
-        </p:spPr>
-        <p:txBody>
-          <a:bodyPr wrap="square" rtlCol="0">
-            <a:spAutoFit/>
-          </a:bodyPr>
-          <a:lstStyle/>
-          <a:p>
-            <a:r>
-              <a:rPr lang="en-US" altLang="ko-KR"/>
-              <a:t>Front-End</a:t>
-            </a:r>
-            <a:endParaRPr lang="ko-KR" altLang="en-US"/>
-          </a:p>
-        </p:txBody>
-      </p:sp>
-      <p:pic>
-        <p:nvPicPr>
-          <p:cNvPr id="16" name="그림 15">
-            <a:extLst>
-              <a:ext uri="{FF2B5EF4-FFF2-40B4-BE49-F238E27FC236}">
-                <a16:creationId xmlns:a16="http://schemas.microsoft.com/office/drawing/2014/main" id="{E43E479F-E138-4956-A5A2-AEA382E0D678}"/>
-              </a:ext>
-            </a:extLst>
-          </p:cNvPr>
-          <p:cNvPicPr>
-            <a:picLocks noChangeAspect="1"/>
-          </p:cNvPicPr>
-          <p:nvPr/>
-        </p:nvPicPr>
-        <p:blipFill>
-          <a:blip r:embed="rId4"/>
-          <a:stretch>
-            <a:fillRect/>
-          </a:stretch>
-        </p:blipFill>
-        <p:spPr>
-          <a:xfrm>
-            <a:off x="2230878" y="3086967"/>
-            <a:ext cx="1723311" cy="3289550"/>
-          </a:xfrm>
-          <a:prstGeom prst="rect">
-            <a:avLst/>
-          </a:prstGeom>
-        </p:spPr>
-      </p:pic>
-      <p:pic>
-        <p:nvPicPr>
-          <p:cNvPr id="18" name="Picture 18" descr="The Firebase Blog: Firebase expands to become a unified app platform">
-            <a:extLst>
-              <a:ext uri="{FF2B5EF4-FFF2-40B4-BE49-F238E27FC236}">
-                <a16:creationId xmlns:a16="http://schemas.microsoft.com/office/drawing/2014/main" id="{5D7F6F04-4CD6-43D1-86CD-6E98E4337F10}"/>
-              </a:ext>
-            </a:extLst>
-          </p:cNvPr>
-          <p:cNvPicPr>
-            <a:picLocks noChangeAspect="1" noChangeArrowheads="1"/>
-          </p:cNvPicPr>
-          <p:nvPr/>
-        </p:nvPicPr>
-        <p:blipFill>
-          <a:blip r:embed="rId5">
-            <a:extLst>
-              <a:ext uri="{28A0092B-C50C-407E-A947-70E740481C1C}">
-                <a14:useLocalDpi xmlns:a14="http://schemas.microsoft.com/office/drawing/2010/main" val="0"/>
-              </a:ext>
-            </a:extLst>
-          </a:blip>
-          <a:srcRect/>
-          <a:stretch>
-            <a:fillRect/>
-          </a:stretch>
-        </p:blipFill>
-        <p:spPr bwMode="auto">
-          <a:xfrm>
-            <a:off x="7807700" y="1264175"/>
-            <a:ext cx="2252726" cy="1154522"/>
-          </a:xfrm>
-          <a:prstGeom prst="rect">
-            <a:avLst/>
-          </a:prstGeom>
-          <a:noFill/>
-          <a:extLst>
-            <a:ext uri="{909E8E84-426E-40DD-AFC4-6F175D3DCCD1}">
-              <a14:hiddenFill xmlns:a14="http://schemas.microsoft.com/office/drawing/2010/main">
-                <a:solidFill>
-                  <a:srgbClr val="FFFFFF"/>
-                </a:solidFill>
-              </a14:hiddenFill>
-            </a:ext>
-          </a:extLst>
-        </p:spPr>
-      </p:pic>
-      <p:pic>
-        <p:nvPicPr>
-          <p:cNvPr id="19" name="Picture 2" descr="Node.js - Wikipedia">
-            <a:extLst>
-              <a:ext uri="{FF2B5EF4-FFF2-40B4-BE49-F238E27FC236}">
-                <a16:creationId xmlns:a16="http://schemas.microsoft.com/office/drawing/2014/main" id="{4505D3C5-F773-4644-B2B8-C42CB53EC22C}"/>
-              </a:ext>
-            </a:extLst>
-          </p:cNvPr>
-          <p:cNvPicPr>
-            <a:picLocks noChangeAspect="1" noChangeArrowheads="1"/>
-          </p:cNvPicPr>
-          <p:nvPr/>
-        </p:nvPicPr>
-        <p:blipFill>
-          <a:blip r:embed="rId6">
-            <a:extLst>
-              <a:ext uri="{28A0092B-C50C-407E-A947-70E740481C1C}">
-                <a14:useLocalDpi xmlns:a14="http://schemas.microsoft.com/office/drawing/2010/main" val="0"/>
-              </a:ext>
-            </a:extLst>
-          </a:blip>
-          <a:srcRect/>
-          <a:stretch>
-            <a:fillRect/>
-          </a:stretch>
-        </p:blipFill>
-        <p:spPr bwMode="auto">
-          <a:xfrm>
-            <a:off x="3627782" y="1380188"/>
-            <a:ext cx="1430943" cy="875219"/>
-          </a:xfrm>
-          <a:prstGeom prst="rect">
-            <a:avLst/>
-          </a:prstGeom>
-          <a:noFill/>
-          <a:extLst>
-            <a:ext uri="{909E8E84-426E-40DD-AFC4-6F175D3DCCD1}">
-              <a14:hiddenFill xmlns:a14="http://schemas.microsoft.com/office/drawing/2010/main">
-                <a:solidFill>
-                  <a:srgbClr val="FFFFFF"/>
-                </a:solidFill>
-              </a14:hiddenFill>
-            </a:ext>
-          </a:extLst>
-        </p:spPr>
-      </p:pic>
-      <p:pic>
-        <p:nvPicPr>
-          <p:cNvPr id="13" name="그림 12">
-            <a:extLst>
-              <a:ext uri="{FF2B5EF4-FFF2-40B4-BE49-F238E27FC236}">
-                <a16:creationId xmlns:a16="http://schemas.microsoft.com/office/drawing/2014/main" id="{CD37B80A-B0E2-40BF-BC68-AB9308F467DB}"/>
-              </a:ext>
-            </a:extLst>
-          </p:cNvPr>
-          <p:cNvPicPr>
-            <a:picLocks noChangeAspect="1"/>
-          </p:cNvPicPr>
-          <p:nvPr/>
-        </p:nvPicPr>
-        <p:blipFill>
-          <a:blip r:embed="rId7">
-            <a:extLst>
-              <a:ext uri="{BEBA8EAE-BF5A-486C-A8C5-ECC9F3942E4B}">
-                <a14:imgProps xmlns:a14="http://schemas.microsoft.com/office/drawing/2010/main">
-                  <a14:imgLayer r:embed="rId8">
-                    <a14:imgEffect>
-                      <a14:sharpenSoften amount="50000"/>
-                    </a14:imgEffect>
-                    <a14:imgEffect>
-                      <a14:brightnessContrast bright="20000" contrast="-20000"/>
-                    </a14:imgEffect>
-                  </a14:imgLayer>
-                </a14:imgProps>
-              </a:ext>
-            </a:extLst>
-          </a:blip>
-          <a:stretch>
-            <a:fillRect/>
-          </a:stretch>
-        </p:blipFill>
-        <p:spPr>
-          <a:xfrm>
-            <a:off x="7373835" y="3136810"/>
-            <a:ext cx="2827391" cy="2715539"/>
-          </a:xfrm>
-          <a:prstGeom prst="roundRect">
-            <a:avLst>
-              <a:gd name="adj" fmla="val 16667"/>
-            </a:avLst>
-          </a:prstGeom>
-          <a:ln>
-            <a:noFill/>
-          </a:ln>
-          <a:effectLst>
-            <a:outerShdw blurRad="152400" dist="12000" dir="900000" sy="98000" kx="110000" ky="200000" algn="tl" rotWithShape="0">
-              <a:srgbClr val="000000">
-                <a:alpha val="30000"/>
-              </a:srgbClr>
-            </a:outerShdw>
-          </a:effectLst>
-          <a:scene3d>
-            <a:camera prst="perspectiveRelaxed">
-              <a:rot lat="19800000" lon="1200000" rev="20820000"/>
-            </a:camera>
-            <a:lightRig rig="threePt" dir="t"/>
-          </a:scene3d>
-          <a:sp3d contourW="6350" prstMaterial="matte">
-            <a:bevelT w="101600" h="101600"/>
-            <a:contourClr>
-              <a:srgbClr val="969696"/>
-            </a:contourClr>
-          </a:sp3d>
-        </p:spPr>
-      </p:pic>
-      <p:sp>
-        <p:nvSpPr>
-          <p:cNvPr id="14" name="TextBox 13">
-            <a:extLst>
-              <a:ext uri="{FF2B5EF4-FFF2-40B4-BE49-F238E27FC236}">
-                <a16:creationId xmlns:a16="http://schemas.microsoft.com/office/drawing/2014/main" id="{42DF2AD2-066D-4F57-ACCE-78E37E52186B}"/>
-              </a:ext>
-            </a:extLst>
-          </p:cNvPr>
-          <p:cNvSpPr txBox="1"/>
-          <p:nvPr/>
-        </p:nvSpPr>
-        <p:spPr>
-          <a:xfrm>
-            <a:off x="307219" y="260802"/>
-            <a:ext cx="3533313" cy="369332"/>
-          </a:xfrm>
-          <a:prstGeom prst="rect">
-            <a:avLst/>
-          </a:prstGeom>
-          <a:noFill/>
-        </p:spPr>
-        <p:txBody>
-          <a:bodyPr wrap="square" rtlCol="0">
-            <a:spAutoFit/>
-          </a:bodyPr>
-          <a:lstStyle/>
-          <a:p>
-            <a:r>
-              <a:rPr lang="en-US" altLang="ko-KR"/>
-              <a:t>Push notification </a:t>
-            </a:r>
-            <a:r>
-              <a:rPr lang="ko-KR" altLang="en-US"/>
-              <a:t>기능</a:t>
-            </a:r>
-          </a:p>
-        </p:txBody>
-      </p:sp>
-      <p:pic>
-        <p:nvPicPr>
-          <p:cNvPr id="2060" name="Picture 12" descr="오른쪽 화살표 무료 아이콘 의 Miu Icons">
-            <a:extLst>
-              <a:ext uri="{FF2B5EF4-FFF2-40B4-BE49-F238E27FC236}">
-                <a16:creationId xmlns:a16="http://schemas.microsoft.com/office/drawing/2014/main" id="{0723552E-824C-4373-816E-86176799BCA1}"/>
-              </a:ext>
-            </a:extLst>
-          </p:cNvPr>
-          <p:cNvPicPr>
-            <a:picLocks noChangeAspect="1" noChangeArrowheads="1"/>
-          </p:cNvPicPr>
-          <p:nvPr/>
-        </p:nvPicPr>
-        <p:blipFill>
-          <a:blip r:embed="rId9">
-            <a:extLst>
-              <a:ext uri="{28A0092B-C50C-407E-A947-70E740481C1C}">
-                <a14:useLocalDpi xmlns:a14="http://schemas.microsoft.com/office/drawing/2010/main" val="0"/>
-              </a:ext>
-            </a:extLst>
-          </a:blip>
-          <a:srcRect/>
-          <a:stretch>
-            <a:fillRect/>
-          </a:stretch>
-        </p:blipFill>
-        <p:spPr bwMode="auto">
-          <a:xfrm rot="9911878" flipH="1">
-            <a:off x="1843547" y="1685549"/>
-            <a:ext cx="1216033" cy="1022528"/>
-          </a:xfrm>
-          <a:prstGeom prst="rect">
-            <a:avLst/>
-          </a:prstGeom>
-          <a:extLst>
-            <a:ext uri="{909E8E84-426E-40DD-AFC4-6F175D3DCCD1}">
-              <a14:hiddenFill xmlns:a14="http://schemas.microsoft.com/office/drawing/2010/main">
-                <a:solidFill>
-                  <a:srgbClr val="FFFFFF"/>
-                </a:solidFill>
-              </a14:hiddenFill>
-            </a:ext>
-          </a:extLst>
-        </p:spPr>
-      </p:pic>
-      <p:pic>
-        <p:nvPicPr>
-          <p:cNvPr id="37" name="Picture 12" descr="오른쪽 화살표 무료 아이콘 의 Miu Icons">
-            <a:extLst>
-              <a:ext uri="{FF2B5EF4-FFF2-40B4-BE49-F238E27FC236}">
-                <a16:creationId xmlns:a16="http://schemas.microsoft.com/office/drawing/2014/main" id="{1EB1741E-4485-4DB5-80FA-5AA33DE3B382}"/>
-              </a:ext>
-            </a:extLst>
-          </p:cNvPr>
-          <p:cNvPicPr>
-            <a:picLocks noChangeAspect="1" noChangeArrowheads="1"/>
-          </p:cNvPicPr>
-          <p:nvPr/>
-        </p:nvPicPr>
-        <p:blipFill>
-          <a:blip r:embed="rId9">
-            <a:extLst>
-              <a:ext uri="{28A0092B-C50C-407E-A947-70E740481C1C}">
-                <a14:useLocalDpi xmlns:a14="http://schemas.microsoft.com/office/drawing/2010/main" val="0"/>
-              </a:ext>
-            </a:extLst>
-          </a:blip>
-          <a:srcRect/>
-          <a:stretch>
-            <a:fillRect/>
-          </a:stretch>
-        </p:blipFill>
-        <p:spPr bwMode="auto">
-          <a:xfrm rot="14639840" flipH="1">
-            <a:off x="10157221" y="1832354"/>
-            <a:ext cx="1216033" cy="1090793"/>
-          </a:xfrm>
-          <a:prstGeom prst="rect">
-            <a:avLst/>
-          </a:prstGeom>
-          <a:extLst>
-            <a:ext uri="{909E8E84-426E-40DD-AFC4-6F175D3DCCD1}">
-              <a14:hiddenFill xmlns:a14="http://schemas.microsoft.com/office/drawing/2010/main">
-                <a:solidFill>
-                  <a:srgbClr val="FFFFFF"/>
-                </a:solidFill>
-              </a14:hiddenFill>
-            </a:ext>
-          </a:extLst>
-        </p:spPr>
-      </p:pic>
-      <p:sp>
-        <p:nvSpPr>
-          <p:cNvPr id="31" name="TextBox 30">
-            <a:extLst>
-              <a:ext uri="{FF2B5EF4-FFF2-40B4-BE49-F238E27FC236}">
-                <a16:creationId xmlns:a16="http://schemas.microsoft.com/office/drawing/2014/main" id="{39C97491-CDA4-4A55-AA1A-40409C605909}"/>
-              </a:ext>
-            </a:extLst>
-          </p:cNvPr>
-          <p:cNvSpPr txBox="1"/>
-          <p:nvPr/>
-        </p:nvSpPr>
-        <p:spPr>
-          <a:xfrm>
-            <a:off x="5274321" y="1624153"/>
-            <a:ext cx="2697842" cy="2031325"/>
-          </a:xfrm>
-          <a:prstGeom prst="rect">
-            <a:avLst/>
-          </a:prstGeom>
-          <a:noFill/>
-        </p:spPr>
-        <p:txBody>
-          <a:bodyPr wrap="square" rtlCol="0">
-            <a:spAutoFit/>
-          </a:bodyPr>
-          <a:lstStyle/>
-          <a:p>
-            <a:r>
-              <a:rPr lang="ko-KR" altLang="en-US"/>
-              <a:t>회원 유형이 </a:t>
-            </a:r>
-            <a:r>
-              <a:rPr lang="en-US" altLang="ko-KR"/>
-              <a:t>‘</a:t>
-            </a:r>
-            <a:r>
-              <a:rPr lang="ko-KR" altLang="en-US"/>
-              <a:t>반장</a:t>
-            </a:r>
-            <a:r>
-              <a:rPr lang="en-US" altLang="ko-KR"/>
-              <a:t>’</a:t>
-            </a:r>
-            <a:r>
-              <a:rPr lang="ko-KR" altLang="en-US"/>
-              <a:t>인 사용자들의 기기로 알림 메시지 전송 </a:t>
-            </a:r>
-            <a:r>
-              <a:rPr lang="en-US" altLang="ko-KR"/>
-              <a:t>( </a:t>
-            </a:r>
-            <a:r>
-              <a:rPr lang="ko-KR" altLang="en-US"/>
-              <a:t>구글 파이어베이스 서버로 알림을 보낼 기기들의 디바이스 토큰 값과 메시지 내용을 함께 전송한다</a:t>
-            </a:r>
-            <a:r>
-              <a:rPr lang="en-US" altLang="ko-KR"/>
-              <a:t>)</a:t>
-            </a:r>
-            <a:endParaRPr lang="ko-KR" altLang="en-US"/>
-          </a:p>
-        </p:txBody>
-      </p:sp>
-      <p:sp>
-        <p:nvSpPr>
-          <p:cNvPr id="2048" name="TextBox 2047">
-            <a:extLst>
-              <a:ext uri="{FF2B5EF4-FFF2-40B4-BE49-F238E27FC236}">
-                <a16:creationId xmlns:a16="http://schemas.microsoft.com/office/drawing/2014/main" id="{F94AC710-414E-41F2-AA98-6C7B1AD6447C}"/>
-              </a:ext>
-            </a:extLst>
-          </p:cNvPr>
-          <p:cNvSpPr txBox="1"/>
-          <p:nvPr/>
-        </p:nvSpPr>
-        <p:spPr>
-          <a:xfrm>
-            <a:off x="799935" y="1397415"/>
-            <a:ext cx="1430943" cy="646331"/>
-          </a:xfrm>
-          <a:prstGeom prst="rect">
-            <a:avLst/>
-          </a:prstGeom>
-          <a:noFill/>
-        </p:spPr>
-        <p:txBody>
-          <a:bodyPr wrap="square" rtlCol="0">
-            <a:spAutoFit/>
-          </a:bodyPr>
-          <a:lstStyle/>
-          <a:p>
-            <a:r>
-              <a:rPr lang="ko-KR" altLang="en-US"/>
-              <a:t>새로운</a:t>
-            </a:r>
-            <a:endParaRPr lang="en-US" altLang="ko-KR"/>
-          </a:p>
-          <a:p>
-            <a:r>
-              <a:rPr lang="ko-KR" altLang="en-US"/>
-              <a:t>하자 등록</a:t>
-            </a:r>
-          </a:p>
-        </p:txBody>
-      </p:sp>
-      <p:sp>
-        <p:nvSpPr>
-          <p:cNvPr id="2049" name="TextBox 2048">
-            <a:extLst>
-              <a:ext uri="{FF2B5EF4-FFF2-40B4-BE49-F238E27FC236}">
-                <a16:creationId xmlns:a16="http://schemas.microsoft.com/office/drawing/2014/main" id="{E31DD107-257A-4599-9C79-082C849B8F48}"/>
-              </a:ext>
-            </a:extLst>
-          </p:cNvPr>
-          <p:cNvSpPr txBox="1"/>
-          <p:nvPr/>
-        </p:nvSpPr>
-        <p:spPr>
-          <a:xfrm>
-            <a:off x="4810120" y="156179"/>
-            <a:ext cx="7217757" cy="1477328"/>
-          </a:xfrm>
-          <a:prstGeom prst="rect">
-            <a:avLst/>
-          </a:prstGeom>
-          <a:noFill/>
-        </p:spPr>
-        <p:txBody>
-          <a:bodyPr wrap="square" rtlCol="0">
-            <a:spAutoFit/>
-          </a:bodyPr>
-          <a:lstStyle/>
-          <a:p>
-            <a:r>
-              <a:rPr lang="en-US" altLang="ko-KR"/>
-              <a:t>Firebase: </a:t>
-            </a:r>
-            <a:r>
-              <a:rPr lang="ko-KR" altLang="en-US"/>
-              <a:t>구글에서 개발한 웹과 모바일 개발에 필요한 기능을 제공하는 통합 앱 플랫폼</a:t>
-            </a:r>
-            <a:r>
-              <a:rPr lang="en-US" altLang="ko-KR"/>
-              <a:t>. </a:t>
-            </a:r>
-            <a:r>
-              <a:rPr lang="ko-KR" altLang="en-US"/>
-              <a:t>푸시 알림에는 파이어 베이스의 </a:t>
-            </a:r>
-            <a:r>
-              <a:rPr lang="en-US" altLang="ko-KR"/>
-              <a:t>‘</a:t>
-            </a:r>
-            <a:r>
-              <a:rPr lang="ko-KR" altLang="en-US"/>
-              <a:t>클라우드 메시징＇기능이 사용되었다</a:t>
-            </a:r>
-            <a:r>
-              <a:rPr lang="en-US" altLang="ko-KR"/>
-              <a:t>. (FCM : Firebase Cloud Messaging)</a:t>
-            </a:r>
-          </a:p>
-          <a:p>
-            <a:r>
-              <a:rPr lang="en-US" altLang="ko-KR"/>
-              <a:t>FCM: </a:t>
-            </a:r>
-            <a:r>
-              <a:rPr lang="ko-KR" altLang="en-US"/>
-              <a:t>사용자에게 메시지와 알림을 무료로 보내주는 서비스</a:t>
-            </a:r>
-            <a:endParaRPr lang="en-US" altLang="ko-KR"/>
-          </a:p>
-          <a:p>
-            <a:endParaRPr lang="ko-KR" altLang="en-US"/>
-          </a:p>
-        </p:txBody>
-      </p:sp>
-      <p:sp>
-        <p:nvSpPr>
-          <p:cNvPr id="2053" name="TextBox 2052">
-            <a:extLst>
-              <a:ext uri="{FF2B5EF4-FFF2-40B4-BE49-F238E27FC236}">
-                <a16:creationId xmlns:a16="http://schemas.microsoft.com/office/drawing/2014/main" id="{2BB2F4A3-77F0-45FB-9FF6-AE0F07608967}"/>
-              </a:ext>
-            </a:extLst>
-          </p:cNvPr>
-          <p:cNvSpPr txBox="1"/>
-          <p:nvPr/>
-        </p:nvSpPr>
-        <p:spPr>
-          <a:xfrm>
-            <a:off x="4079779" y="5778491"/>
-            <a:ext cx="4158034" cy="923330"/>
-          </a:xfrm>
-          <a:prstGeom prst="rect">
-            <a:avLst/>
-          </a:prstGeom>
-          <a:noFill/>
-        </p:spPr>
-        <p:txBody>
-          <a:bodyPr wrap="square" rtlCol="0">
-            <a:spAutoFit/>
-          </a:bodyPr>
-          <a:lstStyle/>
-          <a:p>
-            <a:r>
-              <a:rPr lang="en-US" altLang="ko-KR"/>
-              <a:t>+ ) </a:t>
-            </a:r>
-            <a:r>
-              <a:rPr lang="ko-KR" altLang="en-US"/>
-              <a:t>반장이 하자 보수 완료를 보고시에는 사용자 유형이 ＇기사</a:t>
-            </a:r>
-            <a:r>
-              <a:rPr lang="en-US" altLang="ko-KR"/>
-              <a:t>’</a:t>
-            </a:r>
-            <a:r>
-              <a:rPr lang="ko-KR" altLang="en-US"/>
-              <a:t>인 유저들에게 푸시 알림이 가도록 구현</a:t>
-            </a:r>
-          </a:p>
-        </p:txBody>
-      </p:sp>
-    </p:spTree>
-    <p:extLst>
-      <p:ext uri="{BB962C8B-B14F-4D97-AF65-F5344CB8AC3E}">
-        <p14:creationId xmlns:p14="http://schemas.microsoft.com/office/powerpoint/2010/main" val="4104875083"/>
-      </p:ext>
-    </p:extLst>
-  </p:cSld>
-  <p:clrMapOvr>
-    <a:masterClrMapping/>
-  </p:clrMapOvr>
-</p:sld>
-</file>
-
-<file path=ppt/slides/slide9.xml><?xml version="1.0" encoding="utf-8"?>
-<p:sld xmlns:a="http://schemas.openxmlformats.org/drawingml/2006/main" xmlns:r="http://schemas.openxmlformats.org/officeDocument/2006/relationships" xmlns:p="http://schemas.openxmlformats.org/presentationml/2006/main">
-  <p:cSld>
-    <p:spTree>
-      <p:nvGrpSpPr>
-        <p:cNvPr id="1" name=""/>
-        <p:cNvGrpSpPr/>
-        <p:nvPr/>
-      </p:nvGrpSpPr>
-      <p:grpSpPr>
-        <a:xfrm>
-          <a:off x="0" y="0"/>
-          <a:ext cx="0" cy="0"/>
-          <a:chOff x="0" y="0"/>
-          <a:chExt cx="0" cy="0"/>
-        </a:xfrm>
-      </p:grpSpPr>
-      <p:pic>
-        <p:nvPicPr>
-          <p:cNvPr id="4" name="Picture 4" descr="Download Free png person Outline Icon - DLPNG.com">
-            <a:extLst>
-              <a:ext uri="{FF2B5EF4-FFF2-40B4-BE49-F238E27FC236}">
-                <a16:creationId xmlns:a16="http://schemas.microsoft.com/office/drawing/2014/main" id="{4F589BFF-1DB4-4AD9-8577-C9B03D5F7683}"/>
-              </a:ext>
-            </a:extLst>
-          </p:cNvPr>
-          <p:cNvPicPr>
-            <a:picLocks noChangeAspect="1" noChangeArrowheads="1"/>
-          </p:cNvPicPr>
-          <p:nvPr/>
-        </p:nvPicPr>
-        <p:blipFill>
-          <a:blip r:embed="rId3">
-            <a:extLst>
-              <a:ext uri="{28A0092B-C50C-407E-A947-70E740481C1C}">
-                <a14:useLocalDpi xmlns:a14="http://schemas.microsoft.com/office/drawing/2010/main" val="0"/>
-              </a:ext>
-            </a:extLst>
-          </a:blip>
-          <a:srcRect/>
-          <a:stretch>
-            <a:fillRect/>
-          </a:stretch>
-        </p:blipFill>
-        <p:spPr bwMode="auto">
-          <a:xfrm>
-            <a:off x="143782" y="1834065"/>
-            <a:ext cx="2164080" cy="2164080"/>
-          </a:xfrm>
-          <a:prstGeom prst="rect">
-            <a:avLst/>
-          </a:prstGeom>
-          <a:noFill/>
-          <a:extLst>
-            <a:ext uri="{909E8E84-426E-40DD-AFC4-6F175D3DCCD1}">
-              <a14:hiddenFill xmlns:a14="http://schemas.microsoft.com/office/drawing/2010/main">
-                <a:solidFill>
-                  <a:srgbClr val="FFFFFF"/>
-                </a:solidFill>
-              </a14:hiddenFill>
-            </a:ext>
-          </a:extLst>
-        </p:spPr>
-      </p:pic>
-      <p:sp>
-        <p:nvSpPr>
-          <p:cNvPr id="5" name="TextBox 4">
-            <a:extLst>
-              <a:ext uri="{FF2B5EF4-FFF2-40B4-BE49-F238E27FC236}">
-                <a16:creationId xmlns:a16="http://schemas.microsoft.com/office/drawing/2014/main" id="{094B9D8D-9414-48EA-B850-EF56B9ED6152}"/>
-              </a:ext>
-            </a:extLst>
-          </p:cNvPr>
-          <p:cNvSpPr txBox="1"/>
-          <p:nvPr/>
-        </p:nvSpPr>
-        <p:spPr>
-          <a:xfrm>
-            <a:off x="856951" y="3863319"/>
-            <a:ext cx="646331" cy="369332"/>
-          </a:xfrm>
-          <a:prstGeom prst="rect">
-            <a:avLst/>
-          </a:prstGeom>
-          <a:noFill/>
-        </p:spPr>
-        <p:txBody>
-          <a:bodyPr wrap="none" rtlCol="0">
-            <a:spAutoFit/>
-          </a:bodyPr>
-          <a:lstStyle/>
-          <a:p>
-            <a:r>
-              <a:rPr lang="ko-KR" altLang="en-US"/>
-              <a:t>기사</a:t>
-            </a:r>
-          </a:p>
-        </p:txBody>
-      </p:sp>
-      <p:sp>
-        <p:nvSpPr>
-          <p:cNvPr id="6" name="TextBox 5">
-            <a:extLst>
-              <a:ext uri="{FF2B5EF4-FFF2-40B4-BE49-F238E27FC236}">
-                <a16:creationId xmlns:a16="http://schemas.microsoft.com/office/drawing/2014/main" id="{5CEFC33B-6C4F-40AD-B940-8EB4A4168429}"/>
-              </a:ext>
-            </a:extLst>
-          </p:cNvPr>
-          <p:cNvSpPr txBox="1"/>
-          <p:nvPr/>
-        </p:nvSpPr>
-        <p:spPr>
-          <a:xfrm>
-            <a:off x="593069" y="1547289"/>
-            <a:ext cx="1530334" cy="369332"/>
-          </a:xfrm>
-          <a:prstGeom prst="rect">
-            <a:avLst/>
-          </a:prstGeom>
-          <a:noFill/>
-        </p:spPr>
-        <p:txBody>
-          <a:bodyPr wrap="square" rtlCol="0">
-            <a:spAutoFit/>
-          </a:bodyPr>
-          <a:lstStyle/>
-          <a:p>
-            <a:r>
-              <a:rPr lang="en-US" altLang="ko-KR"/>
-              <a:t>Front-End</a:t>
-            </a:r>
-            <a:endParaRPr lang="ko-KR" altLang="en-US"/>
-          </a:p>
-        </p:txBody>
-      </p:sp>
-      <p:pic>
-        <p:nvPicPr>
-          <p:cNvPr id="7" name="그림 6">
-            <a:extLst>
-              <a:ext uri="{FF2B5EF4-FFF2-40B4-BE49-F238E27FC236}">
-                <a16:creationId xmlns:a16="http://schemas.microsoft.com/office/drawing/2014/main" id="{FFA48C16-B9CC-46A9-B63F-F8AC033CF80F}"/>
-              </a:ext>
-            </a:extLst>
-          </p:cNvPr>
-          <p:cNvPicPr>
-            <a:picLocks noChangeAspect="1"/>
-          </p:cNvPicPr>
-          <p:nvPr/>
-        </p:nvPicPr>
-        <p:blipFill>
-          <a:blip r:embed="rId4"/>
-          <a:stretch>
-            <a:fillRect/>
-          </a:stretch>
-        </p:blipFill>
-        <p:spPr>
-          <a:xfrm>
-            <a:off x="1895493" y="1271330"/>
-            <a:ext cx="1723311" cy="3289550"/>
-          </a:xfrm>
-          <a:prstGeom prst="rect">
-            <a:avLst/>
-          </a:prstGeom>
-        </p:spPr>
-      </p:pic>
-      <p:sp>
-        <p:nvSpPr>
-          <p:cNvPr id="8" name="TextBox 7">
-            <a:extLst>
-              <a:ext uri="{FF2B5EF4-FFF2-40B4-BE49-F238E27FC236}">
-                <a16:creationId xmlns:a16="http://schemas.microsoft.com/office/drawing/2014/main" id="{A85802DE-65F0-4329-8EAE-F04A5894E6E3}"/>
-              </a:ext>
-            </a:extLst>
-          </p:cNvPr>
-          <p:cNvSpPr txBox="1"/>
-          <p:nvPr/>
-        </p:nvSpPr>
-        <p:spPr>
-          <a:xfrm>
-            <a:off x="593069" y="478465"/>
-            <a:ext cx="2417650" cy="369332"/>
-          </a:xfrm>
-          <a:prstGeom prst="rect">
-            <a:avLst/>
-          </a:prstGeom>
-          <a:noFill/>
-        </p:spPr>
-        <p:txBody>
-          <a:bodyPr wrap="none" rtlCol="0">
-            <a:spAutoFit/>
-          </a:bodyPr>
-          <a:lstStyle/>
-          <a:p>
-            <a:r>
-              <a:rPr lang="en-US" altLang="ko-KR"/>
+              <a:rPr lang="en-US" altLang="ko-KR" sz="2800" b="1"/>
               <a:t>[</a:t>
             </a:r>
             <a:r>
-              <a:rPr lang="ko-KR" altLang="en-US"/>
+              <a:rPr lang="ko-KR" altLang="en-US" sz="2800" b="1"/>
               <a:t>하자 등록 동작 과정</a:t>
             </a:r>
             <a:r>
-              <a:rPr lang="en-US" altLang="ko-KR"/>
+              <a:rPr lang="en-US" altLang="ko-KR" sz="2800" b="1"/>
               <a:t>]</a:t>
             </a:r>
-            <a:endParaRPr lang="ko-KR" altLang="en-US"/>
+            <a:endParaRPr lang="ko-KR" altLang="en-US" sz="2800" b="1"/>
           </a:p>
         </p:txBody>
       </p:sp>
@@ -8413,6 +5472,3576 @@
 </p:sld>
 </file>
 
+<file path=ppt/slides/slide11.xml><?xml version="1.0" encoding="utf-8"?>
+<p:sld xmlns:a="http://schemas.openxmlformats.org/drawingml/2006/main" xmlns:r="http://schemas.openxmlformats.org/officeDocument/2006/relationships" xmlns:p="http://schemas.openxmlformats.org/presentationml/2006/main">
+  <p:cSld>
+    <p:spTree>
+      <p:nvGrpSpPr>
+        <p:cNvPr id="1" name=""/>
+        <p:cNvGrpSpPr/>
+        <p:nvPr/>
+      </p:nvGrpSpPr>
+      <p:grpSpPr>
+        <a:xfrm>
+          <a:off x="0" y="0"/>
+          <a:ext cx="0" cy="0"/>
+          <a:chOff x="0" y="0"/>
+          <a:chExt cx="0" cy="0"/>
+        </a:xfrm>
+      </p:grpSpPr>
+      <p:pic>
+        <p:nvPicPr>
+          <p:cNvPr id="4" name="Picture 2" descr="Node.js - Wikipedia">
+            <a:extLst>
+              <a:ext uri="{FF2B5EF4-FFF2-40B4-BE49-F238E27FC236}">
+                <a16:creationId xmlns:a16="http://schemas.microsoft.com/office/drawing/2014/main" id="{55F57365-1360-434D-9B38-FB4A4D8BD267}"/>
+              </a:ext>
+            </a:extLst>
+          </p:cNvPr>
+          <p:cNvPicPr>
+            <a:picLocks noChangeAspect="1" noChangeArrowheads="1"/>
+          </p:cNvPicPr>
+          <p:nvPr/>
+        </p:nvPicPr>
+        <p:blipFill>
+          <a:blip r:embed="rId2">
+            <a:extLst>
+              <a:ext uri="{28A0092B-C50C-407E-A947-70E740481C1C}">
+                <a14:useLocalDpi xmlns:a14="http://schemas.microsoft.com/office/drawing/2010/main" val="0"/>
+              </a:ext>
+            </a:extLst>
+          </a:blip>
+          <a:srcRect/>
+          <a:stretch>
+            <a:fillRect/>
+          </a:stretch>
+        </p:blipFill>
+        <p:spPr bwMode="auto">
+          <a:xfrm>
+            <a:off x="4891547" y="5162931"/>
+            <a:ext cx="2375392" cy="1452880"/>
+          </a:xfrm>
+          <a:prstGeom prst="rect">
+            <a:avLst/>
+          </a:prstGeom>
+          <a:noFill/>
+          <a:extLst>
+            <a:ext uri="{909E8E84-426E-40DD-AFC4-6F175D3DCCD1}">
+              <a14:hiddenFill xmlns:a14="http://schemas.microsoft.com/office/drawing/2010/main">
+                <a:solidFill>
+                  <a:srgbClr val="FFFFFF"/>
+                </a:solidFill>
+              </a14:hiddenFill>
+            </a:ext>
+          </a:extLst>
+        </p:spPr>
+      </p:pic>
+      <p:pic>
+        <p:nvPicPr>
+          <p:cNvPr id="5" name="Picture 6" descr="Creating Smaller Docker Images - Ian Lewis">
+            <a:extLst>
+              <a:ext uri="{FF2B5EF4-FFF2-40B4-BE49-F238E27FC236}">
+                <a16:creationId xmlns:a16="http://schemas.microsoft.com/office/drawing/2014/main" id="{902C9D75-B546-43BA-90F3-028E2522C100}"/>
+              </a:ext>
+            </a:extLst>
+          </p:cNvPr>
+          <p:cNvPicPr>
+            <a:picLocks noChangeAspect="1" noChangeArrowheads="1"/>
+          </p:cNvPicPr>
+          <p:nvPr/>
+        </p:nvPicPr>
+        <p:blipFill>
+          <a:blip r:embed="rId3">
+            <a:extLst>
+              <a:ext uri="{28A0092B-C50C-407E-A947-70E740481C1C}">
+                <a14:useLocalDpi xmlns:a14="http://schemas.microsoft.com/office/drawing/2010/main" val="0"/>
+              </a:ext>
+            </a:extLst>
+          </a:blip>
+          <a:srcRect/>
+          <a:stretch>
+            <a:fillRect/>
+          </a:stretch>
+        </p:blipFill>
+        <p:spPr bwMode="auto">
+          <a:xfrm>
+            <a:off x="4622374" y="2247401"/>
+            <a:ext cx="3048001" cy="2719407"/>
+          </a:xfrm>
+          <a:prstGeom prst="rect">
+            <a:avLst/>
+          </a:prstGeom>
+          <a:noFill/>
+          <a:extLst>
+            <a:ext uri="{909E8E84-426E-40DD-AFC4-6F175D3DCCD1}">
+              <a14:hiddenFill xmlns:a14="http://schemas.microsoft.com/office/drawing/2010/main">
+                <a:solidFill>
+                  <a:srgbClr val="FFFFFF"/>
+                </a:solidFill>
+              </a14:hiddenFill>
+            </a:ext>
+          </a:extLst>
+        </p:spPr>
+      </p:pic>
+      <p:pic>
+        <p:nvPicPr>
+          <p:cNvPr id="6" name="Picture 8" descr="NHN엔터, 클라우드 솔루션 'TOAST' 서비스 개편">
+            <a:extLst>
+              <a:ext uri="{FF2B5EF4-FFF2-40B4-BE49-F238E27FC236}">
+                <a16:creationId xmlns:a16="http://schemas.microsoft.com/office/drawing/2014/main" id="{9BF6438D-1DDE-4469-8128-FCAF0DD3DEEC}"/>
+              </a:ext>
+            </a:extLst>
+          </p:cNvPr>
+          <p:cNvPicPr>
+            <a:picLocks noChangeAspect="1" noChangeArrowheads="1"/>
+          </p:cNvPicPr>
+          <p:nvPr/>
+        </p:nvPicPr>
+        <p:blipFill rotWithShape="1">
+          <a:blip r:embed="rId4">
+            <a:extLst>
+              <a:ext uri="{28A0092B-C50C-407E-A947-70E740481C1C}">
+                <a14:useLocalDpi xmlns:a14="http://schemas.microsoft.com/office/drawing/2010/main" val="0"/>
+              </a:ext>
+            </a:extLst>
+          </a:blip>
+          <a:srcRect t="30684" b="24700"/>
+          <a:stretch/>
+        </p:blipFill>
+        <p:spPr bwMode="auto">
+          <a:xfrm>
+            <a:off x="4502999" y="1618678"/>
+            <a:ext cx="3048000" cy="1019907"/>
+          </a:xfrm>
+          <a:prstGeom prst="rect">
+            <a:avLst/>
+          </a:prstGeom>
+          <a:noFill/>
+          <a:extLst>
+            <a:ext uri="{909E8E84-426E-40DD-AFC4-6F175D3DCCD1}">
+              <a14:hiddenFill xmlns:a14="http://schemas.microsoft.com/office/drawing/2010/main">
+                <a:solidFill>
+                  <a:srgbClr val="FFFFFF"/>
+                </a:solidFill>
+              </a14:hiddenFill>
+            </a:ext>
+          </a:extLst>
+        </p:spPr>
+      </p:pic>
+      <p:pic>
+        <p:nvPicPr>
+          <p:cNvPr id="6148" name="Picture 4" descr="Git (3)] 깃허브(GitHub) 회원 가입하기(계정 만들기)">
+            <a:extLst>
+              <a:ext uri="{FF2B5EF4-FFF2-40B4-BE49-F238E27FC236}">
+                <a16:creationId xmlns:a16="http://schemas.microsoft.com/office/drawing/2014/main" id="{377FC743-CF34-4522-88D9-0C9AA3E1A808}"/>
+              </a:ext>
+            </a:extLst>
+          </p:cNvPr>
+          <p:cNvPicPr>
+            <a:picLocks noChangeAspect="1" noChangeArrowheads="1"/>
+          </p:cNvPicPr>
+          <p:nvPr/>
+        </p:nvPicPr>
+        <p:blipFill>
+          <a:blip r:embed="rId5">
+            <a:extLst>
+              <a:ext uri="{28A0092B-C50C-407E-A947-70E740481C1C}">
+                <a14:useLocalDpi xmlns:a14="http://schemas.microsoft.com/office/drawing/2010/main" val="0"/>
+              </a:ext>
+            </a:extLst>
+          </a:blip>
+          <a:srcRect/>
+          <a:stretch>
+            <a:fillRect/>
+          </a:stretch>
+        </p:blipFill>
+        <p:spPr bwMode="auto">
+          <a:xfrm>
+            <a:off x="508006" y="4188935"/>
+            <a:ext cx="3255757" cy="1481369"/>
+          </a:xfrm>
+          <a:prstGeom prst="rect">
+            <a:avLst/>
+          </a:prstGeom>
+          <a:noFill/>
+          <a:extLst>
+            <a:ext uri="{909E8E84-426E-40DD-AFC4-6F175D3DCCD1}">
+              <a14:hiddenFill xmlns:a14="http://schemas.microsoft.com/office/drawing/2010/main">
+                <a:solidFill>
+                  <a:srgbClr val="FFFFFF"/>
+                </a:solidFill>
+              </a14:hiddenFill>
+            </a:ext>
+          </a:extLst>
+        </p:spPr>
+      </p:pic>
+      <p:sp>
+        <p:nvSpPr>
+          <p:cNvPr id="7" name="화살표: 오른쪽 6">
+            <a:extLst>
+              <a:ext uri="{FF2B5EF4-FFF2-40B4-BE49-F238E27FC236}">
+                <a16:creationId xmlns:a16="http://schemas.microsoft.com/office/drawing/2014/main" id="{0E987195-5D64-4561-88F5-F54570613CDA}"/>
+              </a:ext>
+            </a:extLst>
+          </p:cNvPr>
+          <p:cNvSpPr/>
+          <p:nvPr/>
+        </p:nvSpPr>
+        <p:spPr>
+          <a:xfrm>
+            <a:off x="3763763" y="4642579"/>
+            <a:ext cx="870111" cy="520352"/>
+          </a:xfrm>
+          <a:prstGeom prst="rightArrow">
+            <a:avLst/>
+          </a:prstGeom>
+        </p:spPr>
+        <p:style>
+          <a:lnRef idx="2">
+            <a:schemeClr val="accent1">
+              <a:shade val="50000"/>
+            </a:schemeClr>
+          </a:lnRef>
+          <a:fillRef idx="1">
+            <a:schemeClr val="accent1"/>
+          </a:fillRef>
+          <a:effectRef idx="0">
+            <a:schemeClr val="accent1"/>
+          </a:effectRef>
+          <a:fontRef idx="minor">
+            <a:schemeClr val="lt1"/>
+          </a:fontRef>
+        </p:style>
+        <p:txBody>
+          <a:bodyPr rtlCol="0" anchor="ctr"/>
+          <a:lstStyle/>
+          <a:p>
+            <a:pPr algn="ctr"/>
+            <a:endParaRPr lang="ko-KR" altLang="en-US"/>
+          </a:p>
+        </p:txBody>
+      </p:sp>
+      <p:sp>
+        <p:nvSpPr>
+          <p:cNvPr id="8" name="TextBox 7">
+            <a:extLst>
+              <a:ext uri="{FF2B5EF4-FFF2-40B4-BE49-F238E27FC236}">
+                <a16:creationId xmlns:a16="http://schemas.microsoft.com/office/drawing/2014/main" id="{391ADB0F-7BBD-40BF-B1C0-814468405DA1}"/>
+              </a:ext>
+            </a:extLst>
+          </p:cNvPr>
+          <p:cNvSpPr txBox="1"/>
+          <p:nvPr/>
+        </p:nvSpPr>
+        <p:spPr>
+          <a:xfrm>
+            <a:off x="605049" y="3265605"/>
+            <a:ext cx="3592061" cy="923330"/>
+          </a:xfrm>
+          <a:prstGeom prst="rect">
+            <a:avLst/>
+          </a:prstGeom>
+          <a:noFill/>
+        </p:spPr>
+        <p:txBody>
+          <a:bodyPr wrap="square" rtlCol="0">
+            <a:spAutoFit/>
+          </a:bodyPr>
+          <a:lstStyle/>
+          <a:p>
+            <a:r>
+              <a:rPr lang="en-US" altLang="ko-KR"/>
+              <a:t>Gitbut: </a:t>
+            </a:r>
+            <a:r>
+              <a:rPr lang="ko-KR" altLang="en-US"/>
+              <a:t>분산 버전 관리 시스템</a:t>
+            </a:r>
+            <a:r>
+              <a:rPr lang="en-US" altLang="ko-KR"/>
+              <a:t>.</a:t>
+            </a:r>
+          </a:p>
+          <a:p>
+            <a:r>
+              <a:rPr lang="en-US" altLang="ko-KR"/>
+              <a:t>Docker</a:t>
+            </a:r>
+            <a:r>
+              <a:rPr lang="ko-KR" altLang="en-US"/>
+              <a:t>와 연동해 소스 코드 파일 업데이트를 자동화 </a:t>
+            </a:r>
+          </a:p>
+        </p:txBody>
+      </p:sp>
+      <p:sp>
+        <p:nvSpPr>
+          <p:cNvPr id="9" name="TextBox 8">
+            <a:extLst>
+              <a:ext uri="{FF2B5EF4-FFF2-40B4-BE49-F238E27FC236}">
+                <a16:creationId xmlns:a16="http://schemas.microsoft.com/office/drawing/2014/main" id="{8136910E-FCB5-4530-B62F-BB18013B673F}"/>
+              </a:ext>
+            </a:extLst>
+          </p:cNvPr>
+          <p:cNvSpPr txBox="1"/>
+          <p:nvPr/>
+        </p:nvSpPr>
+        <p:spPr>
+          <a:xfrm>
+            <a:off x="8128892" y="3199491"/>
+            <a:ext cx="3555102" cy="3416320"/>
+          </a:xfrm>
+          <a:prstGeom prst="rect">
+            <a:avLst/>
+          </a:prstGeom>
+          <a:noFill/>
+        </p:spPr>
+        <p:txBody>
+          <a:bodyPr wrap="square" rtlCol="0">
+            <a:spAutoFit/>
+          </a:bodyPr>
+          <a:lstStyle/>
+          <a:p>
+            <a:r>
+              <a:rPr lang="en-US" altLang="ko-KR"/>
+              <a:t>Docker : </a:t>
+            </a:r>
+            <a:r>
+              <a:rPr lang="ko-KR" altLang="en-US"/>
+              <a:t>컨테이너 기반의 오픈소스 가상화 플랫폼</a:t>
+            </a:r>
+            <a:r>
+              <a:rPr lang="en-US" altLang="ko-KR"/>
+              <a:t>. </a:t>
+            </a:r>
+            <a:r>
+              <a:rPr lang="ko-KR" altLang="en-US"/>
+              <a:t>도커는 도커 이미지에 서버 운영을 위한 프로그램과 라이브러리를 포함한다</a:t>
+            </a:r>
+            <a:r>
+              <a:rPr lang="en-US" altLang="ko-KR"/>
+              <a:t>. </a:t>
+            </a:r>
+            <a:r>
+              <a:rPr lang="ko-KR" altLang="en-US"/>
+              <a:t>즉</a:t>
+            </a:r>
+            <a:r>
+              <a:rPr lang="en-US" altLang="ko-KR"/>
+              <a:t>, </a:t>
+            </a:r>
+            <a:r>
+              <a:rPr lang="ko-KR" altLang="en-US"/>
+              <a:t>도커위에서 </a:t>
+            </a:r>
+            <a:r>
+              <a:rPr lang="en-US" altLang="ko-KR"/>
+              <a:t>node.js</a:t>
+            </a:r>
+            <a:r>
+              <a:rPr lang="ko-KR" altLang="en-US"/>
+              <a:t>가 올라간 도커 이미지를 컨테이너화 하여 실행한다</a:t>
+            </a:r>
+            <a:r>
+              <a:rPr lang="en-US" altLang="ko-KR"/>
+              <a:t>. </a:t>
+            </a:r>
+          </a:p>
+          <a:p>
+            <a:r>
+              <a:rPr lang="ko-KR" altLang="en-US"/>
+              <a:t>도커를 사용함으로써 소스코드 </a:t>
+            </a:r>
+            <a:r>
+              <a:rPr lang="en-US" altLang="ko-KR"/>
+              <a:t>build</a:t>
+            </a:r>
+            <a:r>
+              <a:rPr lang="ko-KR" altLang="en-US"/>
+              <a:t>를 자동화 할수있고</a:t>
+            </a:r>
+            <a:r>
+              <a:rPr lang="en-US" altLang="ko-KR"/>
+              <a:t>, </a:t>
+            </a:r>
+            <a:r>
+              <a:rPr lang="ko-KR" altLang="en-US"/>
+              <a:t>클라우드 서버에서도 실제 </a:t>
+            </a:r>
+            <a:r>
+              <a:rPr lang="en-US" altLang="ko-KR"/>
+              <a:t>PC</a:t>
+            </a:r>
+            <a:r>
+              <a:rPr lang="ko-KR" altLang="en-US"/>
+              <a:t>에서 서비스 하는 경우의 </a:t>
+            </a:r>
+            <a:r>
+              <a:rPr lang="en-US" altLang="ko-KR"/>
+              <a:t>99%</a:t>
+            </a:r>
+            <a:r>
+              <a:rPr lang="ko-KR" altLang="en-US"/>
+              <a:t>정도의 성능을 낼 수 있다</a:t>
+            </a:r>
+            <a:r>
+              <a:rPr lang="en-US" altLang="ko-KR"/>
+              <a:t>.</a:t>
+            </a:r>
+          </a:p>
+        </p:txBody>
+      </p:sp>
+      <p:sp>
+        <p:nvSpPr>
+          <p:cNvPr id="10" name="TextBox 9">
+            <a:extLst>
+              <a:ext uri="{FF2B5EF4-FFF2-40B4-BE49-F238E27FC236}">
+                <a16:creationId xmlns:a16="http://schemas.microsoft.com/office/drawing/2014/main" id="{7356B230-5A82-4C7F-835E-35D646E2C189}"/>
+              </a:ext>
+            </a:extLst>
+          </p:cNvPr>
+          <p:cNvSpPr txBox="1"/>
+          <p:nvPr/>
+        </p:nvSpPr>
+        <p:spPr>
+          <a:xfrm>
+            <a:off x="8128892" y="182433"/>
+            <a:ext cx="3424200" cy="2585323"/>
+          </a:xfrm>
+          <a:prstGeom prst="rect">
+            <a:avLst/>
+          </a:prstGeom>
+          <a:noFill/>
+        </p:spPr>
+        <p:txBody>
+          <a:bodyPr wrap="square" rtlCol="0">
+            <a:spAutoFit/>
+          </a:bodyPr>
+          <a:lstStyle/>
+          <a:p>
+            <a:r>
+              <a:rPr lang="en-US" altLang="ko-KR"/>
+              <a:t>TOAST : </a:t>
+            </a:r>
+            <a:r>
+              <a:rPr lang="ko-KR" altLang="en-US"/>
+              <a:t>실제 네이버에서 사용되는 클라우드 서버다</a:t>
+            </a:r>
+            <a:r>
+              <a:rPr lang="en-US" altLang="ko-KR"/>
+              <a:t>. </a:t>
+            </a:r>
+            <a:r>
+              <a:rPr lang="ko-KR" altLang="en-US"/>
+              <a:t>토스트의 강력한 장점은 최악의 경우 서버가 공격당해도 새로운 인스턴스로 교체가 수월하고</a:t>
+            </a:r>
+            <a:r>
+              <a:rPr lang="en-US" altLang="ko-KR"/>
+              <a:t>, </a:t>
+            </a:r>
+            <a:r>
+              <a:rPr lang="ko-KR" altLang="en-US"/>
+              <a:t>사용자 트래픽에 따른 </a:t>
+            </a:r>
+            <a:r>
+              <a:rPr lang="en-US" altLang="ko-KR"/>
+              <a:t>Auto-Scaling</a:t>
+            </a:r>
+            <a:r>
+              <a:rPr lang="ko-KR" altLang="en-US"/>
+              <a:t>도 지원한다는 것이다</a:t>
+            </a:r>
+            <a:r>
+              <a:rPr lang="en-US" altLang="ko-KR"/>
+              <a:t>.</a:t>
+            </a:r>
+            <a:r>
+              <a:rPr lang="ko-KR" altLang="en-US"/>
+              <a:t> </a:t>
+            </a:r>
+            <a:r>
+              <a:rPr lang="en-US" altLang="ko-KR"/>
+              <a:t>(</a:t>
+            </a:r>
+            <a:r>
+              <a:rPr lang="ko-KR" altLang="en-US"/>
+              <a:t>트래픽양에 맞게 인스턴스의 용량을 늘리고 줄이는 것</a:t>
+            </a:r>
+            <a:r>
+              <a:rPr lang="en-US" altLang="ko-KR"/>
+              <a:t>)</a:t>
+            </a:r>
+          </a:p>
+        </p:txBody>
+      </p:sp>
+      <p:pic>
+        <p:nvPicPr>
+          <p:cNvPr id="13" name="그림 12">
+            <a:extLst>
+              <a:ext uri="{FF2B5EF4-FFF2-40B4-BE49-F238E27FC236}">
+                <a16:creationId xmlns:a16="http://schemas.microsoft.com/office/drawing/2014/main" id="{A3E6B809-FCAD-4DD7-9095-50985A30D7F4}"/>
+              </a:ext>
+            </a:extLst>
+          </p:cNvPr>
+          <p:cNvPicPr>
+            <a:picLocks noChangeAspect="1"/>
+          </p:cNvPicPr>
+          <p:nvPr/>
+        </p:nvPicPr>
+        <p:blipFill rotWithShape="1">
+          <a:blip r:embed="rId6"/>
+          <a:srcRect t="9292" r="21199" b="16335"/>
+          <a:stretch/>
+        </p:blipFill>
+        <p:spPr>
+          <a:xfrm>
+            <a:off x="4388282" y="182433"/>
+            <a:ext cx="2865898" cy="1019907"/>
+          </a:xfrm>
+          <a:prstGeom prst="rect">
+            <a:avLst/>
+          </a:prstGeom>
+        </p:spPr>
+      </p:pic>
+      <p:sp>
+        <p:nvSpPr>
+          <p:cNvPr id="11" name="직사각형 10">
+            <a:extLst>
+              <a:ext uri="{FF2B5EF4-FFF2-40B4-BE49-F238E27FC236}">
+                <a16:creationId xmlns:a16="http://schemas.microsoft.com/office/drawing/2014/main" id="{506AD54D-4FB4-4AAD-A69A-5EAA5771847D}"/>
+              </a:ext>
+            </a:extLst>
+          </p:cNvPr>
+          <p:cNvSpPr/>
+          <p:nvPr/>
+        </p:nvSpPr>
+        <p:spPr>
+          <a:xfrm>
+            <a:off x="4044882" y="1399330"/>
+            <a:ext cx="3744868" cy="5172291"/>
+          </a:xfrm>
+          <a:prstGeom prst="rect">
+            <a:avLst/>
+          </a:prstGeom>
+          <a:noFill/>
+          <a:ln>
+            <a:solidFill>
+              <a:schemeClr val="accent1"/>
+            </a:solidFill>
+          </a:ln>
+        </p:spPr>
+        <p:style>
+          <a:lnRef idx="2">
+            <a:schemeClr val="accent6"/>
+          </a:lnRef>
+          <a:fillRef idx="1">
+            <a:schemeClr val="lt1"/>
+          </a:fillRef>
+          <a:effectRef idx="0">
+            <a:schemeClr val="accent6"/>
+          </a:effectRef>
+          <a:fontRef idx="minor">
+            <a:schemeClr val="dk1"/>
+          </a:fontRef>
+        </p:style>
+        <p:txBody>
+          <a:bodyPr rtlCol="0" anchor="ctr"/>
+          <a:lstStyle/>
+          <a:p>
+            <a:pPr algn="ctr"/>
+            <a:endParaRPr lang="ko-KR" altLang="en-US"/>
+          </a:p>
+        </p:txBody>
+      </p:sp>
+      <p:sp>
+        <p:nvSpPr>
+          <p:cNvPr id="12" name="TextBox 11">
+            <a:extLst>
+              <a:ext uri="{FF2B5EF4-FFF2-40B4-BE49-F238E27FC236}">
+                <a16:creationId xmlns:a16="http://schemas.microsoft.com/office/drawing/2014/main" id="{CE7A7B95-26C8-4050-948E-3B8245BEDF56}"/>
+              </a:ext>
+            </a:extLst>
+          </p:cNvPr>
+          <p:cNvSpPr txBox="1"/>
+          <p:nvPr/>
+        </p:nvSpPr>
+        <p:spPr>
+          <a:xfrm>
+            <a:off x="885380" y="692386"/>
+            <a:ext cx="2222221" cy="553998"/>
+          </a:xfrm>
+          <a:prstGeom prst="rect">
+            <a:avLst/>
+          </a:prstGeom>
+          <a:noFill/>
+        </p:spPr>
+        <p:txBody>
+          <a:bodyPr wrap="square" rtlCol="0">
+            <a:spAutoFit/>
+          </a:bodyPr>
+          <a:lstStyle/>
+          <a:p>
+            <a:r>
+              <a:rPr lang="ko-KR" altLang="en-US" sz="3000"/>
+              <a:t>서버 구조</a:t>
+            </a:r>
+          </a:p>
+        </p:txBody>
+      </p:sp>
+      <p:sp>
+        <p:nvSpPr>
+          <p:cNvPr id="16" name="화살표: 오른쪽 15">
+            <a:extLst>
+              <a:ext uri="{FF2B5EF4-FFF2-40B4-BE49-F238E27FC236}">
+                <a16:creationId xmlns:a16="http://schemas.microsoft.com/office/drawing/2014/main" id="{C582E1E9-C77E-4471-9969-2376E2F7193F}"/>
+              </a:ext>
+            </a:extLst>
+          </p:cNvPr>
+          <p:cNvSpPr/>
+          <p:nvPr/>
+        </p:nvSpPr>
+        <p:spPr>
+          <a:xfrm rot="16200000">
+            <a:off x="5599615" y="1178602"/>
+            <a:ext cx="443648" cy="549123"/>
+          </a:xfrm>
+          <a:prstGeom prst="rightArrow">
+            <a:avLst/>
+          </a:prstGeom>
+        </p:spPr>
+        <p:style>
+          <a:lnRef idx="2">
+            <a:schemeClr val="accent1">
+              <a:shade val="50000"/>
+            </a:schemeClr>
+          </a:lnRef>
+          <a:fillRef idx="1">
+            <a:schemeClr val="accent1"/>
+          </a:fillRef>
+          <a:effectRef idx="0">
+            <a:schemeClr val="accent1"/>
+          </a:effectRef>
+          <a:fontRef idx="minor">
+            <a:schemeClr val="lt1"/>
+          </a:fontRef>
+        </p:style>
+        <p:txBody>
+          <a:bodyPr rtlCol="0" anchor="ctr"/>
+          <a:lstStyle/>
+          <a:p>
+            <a:pPr algn="ctr"/>
+            <a:endParaRPr lang="ko-KR" altLang="en-US"/>
+          </a:p>
+        </p:txBody>
+      </p:sp>
+    </p:spTree>
+    <p:extLst>
+      <p:ext uri="{BB962C8B-B14F-4D97-AF65-F5344CB8AC3E}">
+        <p14:creationId xmlns:p14="http://schemas.microsoft.com/office/powerpoint/2010/main" val="471343818"/>
+      </p:ext>
+    </p:extLst>
+  </p:cSld>
+  <p:clrMapOvr>
+    <a:masterClrMapping/>
+  </p:clrMapOvr>
+</p:sld>
+</file>
+
+<file path=ppt/slides/slide2.xml><?xml version="1.0" encoding="utf-8"?>
+<p:sld xmlns:a="http://schemas.openxmlformats.org/drawingml/2006/main" xmlns:r="http://schemas.openxmlformats.org/officeDocument/2006/relationships" xmlns:p="http://schemas.openxmlformats.org/presentationml/2006/main">
+  <p:cSld>
+    <p:spTree>
+      <p:nvGrpSpPr>
+        <p:cNvPr id="1" name=""/>
+        <p:cNvGrpSpPr/>
+        <p:nvPr/>
+      </p:nvGrpSpPr>
+      <p:grpSpPr>
+        <a:xfrm>
+          <a:off x="0" y="0"/>
+          <a:ext cx="0" cy="0"/>
+          <a:chOff x="0" y="0"/>
+          <a:chExt cx="0" cy="0"/>
+        </a:xfrm>
+      </p:grpSpPr>
+      <p:sp>
+        <p:nvSpPr>
+          <p:cNvPr id="23" name="TextBox 22">
+            <a:extLst>
+              <a:ext uri="{FF2B5EF4-FFF2-40B4-BE49-F238E27FC236}">
+                <a16:creationId xmlns:a16="http://schemas.microsoft.com/office/drawing/2014/main" id="{585FA3A0-24DE-4BF0-9AD7-53C4DF828A89}"/>
+              </a:ext>
+            </a:extLst>
+          </p:cNvPr>
+          <p:cNvSpPr txBox="1"/>
+          <p:nvPr/>
+        </p:nvSpPr>
+        <p:spPr>
+          <a:xfrm>
+            <a:off x="1520380" y="884902"/>
+            <a:ext cx="1622322" cy="369332"/>
+          </a:xfrm>
+          <a:prstGeom prst="rect">
+            <a:avLst/>
+          </a:prstGeom>
+          <a:noFill/>
+        </p:spPr>
+        <p:txBody>
+          <a:bodyPr wrap="square" rtlCol="0">
+            <a:spAutoFit/>
+          </a:bodyPr>
+          <a:lstStyle/>
+          <a:p>
+            <a:r>
+              <a:rPr lang="en-US" altLang="ko-KR"/>
+              <a:t>WEB</a:t>
+            </a:r>
+            <a:endParaRPr lang="ko-KR" altLang="en-US"/>
+          </a:p>
+        </p:txBody>
+      </p:sp>
+      <p:sp>
+        <p:nvSpPr>
+          <p:cNvPr id="30" name="TextBox 29">
+            <a:extLst>
+              <a:ext uri="{FF2B5EF4-FFF2-40B4-BE49-F238E27FC236}">
+                <a16:creationId xmlns:a16="http://schemas.microsoft.com/office/drawing/2014/main" id="{E4CC3220-9C38-4FD6-90E3-CFF6CC093D0C}"/>
+              </a:ext>
+            </a:extLst>
+          </p:cNvPr>
+          <p:cNvSpPr txBox="1"/>
+          <p:nvPr/>
+        </p:nvSpPr>
+        <p:spPr>
+          <a:xfrm>
+            <a:off x="4395020" y="1191709"/>
+            <a:ext cx="1622322" cy="369332"/>
+          </a:xfrm>
+          <a:prstGeom prst="rect">
+            <a:avLst/>
+          </a:prstGeom>
+          <a:noFill/>
+        </p:spPr>
+        <p:txBody>
+          <a:bodyPr wrap="square" rtlCol="0">
+            <a:spAutoFit/>
+          </a:bodyPr>
+          <a:lstStyle/>
+          <a:p>
+            <a:r>
+              <a:rPr lang="en-US" altLang="ko-KR"/>
+              <a:t>Mobile</a:t>
+            </a:r>
+            <a:endParaRPr lang="ko-KR" altLang="en-US"/>
+          </a:p>
+        </p:txBody>
+      </p:sp>
+      <p:grpSp>
+        <p:nvGrpSpPr>
+          <p:cNvPr id="39" name="그룹 38">
+            <a:extLst>
+              <a:ext uri="{FF2B5EF4-FFF2-40B4-BE49-F238E27FC236}">
+                <a16:creationId xmlns:a16="http://schemas.microsoft.com/office/drawing/2014/main" id="{BCFF09B2-920D-4E39-9C03-0DEA9FDA125D}"/>
+              </a:ext>
+            </a:extLst>
+          </p:cNvPr>
+          <p:cNvGrpSpPr/>
+          <p:nvPr/>
+        </p:nvGrpSpPr>
+        <p:grpSpPr>
+          <a:xfrm>
+            <a:off x="862141" y="1605287"/>
+            <a:ext cx="2414065" cy="3945178"/>
+            <a:chOff x="862141" y="1605287"/>
+            <a:chExt cx="2414065" cy="3945178"/>
+          </a:xfrm>
+        </p:grpSpPr>
+        <p:pic>
+          <p:nvPicPr>
+            <p:cNvPr id="25" name="Picture 4" descr="Html , CSS, Javascript - Home | Facebook">
+              <a:extLst>
+                <a:ext uri="{FF2B5EF4-FFF2-40B4-BE49-F238E27FC236}">
+                  <a16:creationId xmlns:a16="http://schemas.microsoft.com/office/drawing/2014/main" id="{D84A387A-44C4-4951-98F9-EE60D2C88AFA}"/>
+                </a:ext>
+              </a:extLst>
+            </p:cNvPr>
+            <p:cNvPicPr>
+              <a:picLocks noChangeAspect="1" noChangeArrowheads="1"/>
+            </p:cNvPicPr>
+            <p:nvPr/>
+          </p:nvPicPr>
+          <p:blipFill>
+            <a:blip r:embed="rId2">
+              <a:extLst>
+                <a:ext uri="{28A0092B-C50C-407E-A947-70E740481C1C}">
+                  <a14:useLocalDpi xmlns:a14="http://schemas.microsoft.com/office/drawing/2010/main" val="0"/>
+                </a:ext>
+              </a:extLst>
+            </a:blip>
+            <a:srcRect/>
+            <a:stretch>
+              <a:fillRect/>
+            </a:stretch>
+          </p:blipFill>
+          <p:spPr bwMode="auto">
+            <a:xfrm>
+              <a:off x="862141" y="1605287"/>
+              <a:ext cx="2414065" cy="1412310"/>
+            </a:xfrm>
+            <a:prstGeom prst="rect">
+              <a:avLst/>
+            </a:prstGeom>
+            <a:noFill/>
+            <a:extLst>
+              <a:ext uri="{909E8E84-426E-40DD-AFC4-6F175D3DCCD1}">
+                <a14:hiddenFill xmlns:a14="http://schemas.microsoft.com/office/drawing/2010/main">
+                  <a:solidFill>
+                    <a:srgbClr val="FFFFFF"/>
+                  </a:solidFill>
+                </a14:hiddenFill>
+              </a:ext>
+            </a:extLst>
+          </p:spPr>
+        </p:pic>
+        <p:pic>
+          <p:nvPicPr>
+            <p:cNvPr id="27" name="Picture 2" descr="Node.js - Wikipedia">
+              <a:extLst>
+                <a:ext uri="{FF2B5EF4-FFF2-40B4-BE49-F238E27FC236}">
+                  <a16:creationId xmlns:a16="http://schemas.microsoft.com/office/drawing/2014/main" id="{9B35EB93-B943-47C8-B5AD-41B2AEA0D8F2}"/>
+                </a:ext>
+              </a:extLst>
+            </p:cNvPr>
+            <p:cNvPicPr>
+              <a:picLocks noChangeAspect="1" noChangeArrowheads="1"/>
+            </p:cNvPicPr>
+            <p:nvPr/>
+          </p:nvPicPr>
+          <p:blipFill>
+            <a:blip r:embed="rId3">
+              <a:extLst>
+                <a:ext uri="{28A0092B-C50C-407E-A947-70E740481C1C}">
+                  <a14:useLocalDpi xmlns:a14="http://schemas.microsoft.com/office/drawing/2010/main" val="0"/>
+                </a:ext>
+              </a:extLst>
+            </a:blip>
+            <a:srcRect/>
+            <a:stretch>
+              <a:fillRect/>
+            </a:stretch>
+          </p:blipFill>
+          <p:spPr bwMode="auto">
+            <a:xfrm>
+              <a:off x="1173989" y="3226661"/>
+              <a:ext cx="1726443" cy="1055958"/>
+            </a:xfrm>
+            <a:prstGeom prst="rect">
+              <a:avLst/>
+            </a:prstGeom>
+            <a:noFill/>
+            <a:extLst>
+              <a:ext uri="{909E8E84-426E-40DD-AFC4-6F175D3DCCD1}">
+                <a14:hiddenFill xmlns:a14="http://schemas.microsoft.com/office/drawing/2010/main">
+                  <a:solidFill>
+                    <a:srgbClr val="FFFFFF"/>
+                  </a:solidFill>
+                </a14:hiddenFill>
+              </a:ext>
+            </a:extLst>
+          </p:spPr>
+        </p:pic>
+        <p:pic>
+          <p:nvPicPr>
+            <p:cNvPr id="1026" name="Picture 2">
+              <a:extLst>
+                <a:ext uri="{FF2B5EF4-FFF2-40B4-BE49-F238E27FC236}">
+                  <a16:creationId xmlns:a16="http://schemas.microsoft.com/office/drawing/2014/main" id="{34A8787A-C631-4673-84C2-74257AA19040}"/>
+                </a:ext>
+              </a:extLst>
+            </p:cNvPr>
+            <p:cNvPicPr>
+              <a:picLocks noChangeAspect="1" noChangeArrowheads="1"/>
+            </p:cNvPicPr>
+            <p:nvPr/>
+          </p:nvPicPr>
+          <p:blipFill>
+            <a:blip r:embed="rId4">
+              <a:extLst>
+                <a:ext uri="{28A0092B-C50C-407E-A947-70E740481C1C}">
+                  <a14:useLocalDpi xmlns:a14="http://schemas.microsoft.com/office/drawing/2010/main" val="0"/>
+                </a:ext>
+              </a:extLst>
+            </a:blip>
+            <a:srcRect/>
+            <a:stretch>
+              <a:fillRect/>
+            </a:stretch>
+          </p:blipFill>
+          <p:spPr bwMode="auto">
+            <a:xfrm>
+              <a:off x="1326487" y="4494507"/>
+              <a:ext cx="1491750" cy="1055958"/>
+            </a:xfrm>
+            <a:prstGeom prst="rect">
+              <a:avLst/>
+            </a:prstGeom>
+            <a:noFill/>
+            <a:extLst>
+              <a:ext uri="{909E8E84-426E-40DD-AFC4-6F175D3DCCD1}">
+                <a14:hiddenFill xmlns:a14="http://schemas.microsoft.com/office/drawing/2010/main">
+                  <a:solidFill>
+                    <a:srgbClr val="FFFFFF"/>
+                  </a:solidFill>
+                </a14:hiddenFill>
+              </a:ext>
+            </a:extLst>
+          </p:spPr>
+        </p:pic>
+      </p:grpSp>
+      <p:grpSp>
+        <p:nvGrpSpPr>
+          <p:cNvPr id="45" name="그룹 44">
+            <a:extLst>
+              <a:ext uri="{FF2B5EF4-FFF2-40B4-BE49-F238E27FC236}">
+                <a16:creationId xmlns:a16="http://schemas.microsoft.com/office/drawing/2014/main" id="{258E6753-909C-4F69-B045-500792359D00}"/>
+              </a:ext>
+            </a:extLst>
+          </p:cNvPr>
+          <p:cNvGrpSpPr/>
+          <p:nvPr/>
+        </p:nvGrpSpPr>
+        <p:grpSpPr>
+          <a:xfrm>
+            <a:off x="3923421" y="1654621"/>
+            <a:ext cx="1966399" cy="2918716"/>
+            <a:chOff x="3923421" y="1654621"/>
+            <a:chExt cx="1966399" cy="2918716"/>
+          </a:xfrm>
+        </p:grpSpPr>
+        <p:pic>
+          <p:nvPicPr>
+            <p:cNvPr id="32" name="Picture 10" descr="React Native - Origin Apps">
+              <a:extLst>
+                <a:ext uri="{FF2B5EF4-FFF2-40B4-BE49-F238E27FC236}">
+                  <a16:creationId xmlns:a16="http://schemas.microsoft.com/office/drawing/2014/main" id="{EBEDD798-D8CF-4840-A985-CFE294B3379A}"/>
+                </a:ext>
+              </a:extLst>
+            </p:cNvPr>
+            <p:cNvPicPr>
+              <a:picLocks noChangeAspect="1" noChangeArrowheads="1"/>
+            </p:cNvPicPr>
+            <p:nvPr/>
+          </p:nvPicPr>
+          <p:blipFill>
+            <a:blip r:embed="rId5">
+              <a:extLst>
+                <a:ext uri="{28A0092B-C50C-407E-A947-70E740481C1C}">
+                  <a14:useLocalDpi xmlns:a14="http://schemas.microsoft.com/office/drawing/2010/main" val="0"/>
+                </a:ext>
+              </a:extLst>
+            </a:blip>
+            <a:srcRect/>
+            <a:stretch>
+              <a:fillRect/>
+            </a:stretch>
+          </p:blipFill>
+          <p:spPr bwMode="auto">
+            <a:xfrm>
+              <a:off x="3923421" y="1654621"/>
+              <a:ext cx="1966399" cy="1494233"/>
+            </a:xfrm>
+            <a:prstGeom prst="rect">
+              <a:avLst/>
+            </a:prstGeom>
+            <a:noFill/>
+            <a:extLst>
+              <a:ext uri="{909E8E84-426E-40DD-AFC4-6F175D3DCCD1}">
+                <a14:hiddenFill xmlns:a14="http://schemas.microsoft.com/office/drawing/2010/main">
+                  <a:solidFill>
+                    <a:srgbClr val="FFFFFF"/>
+                  </a:solidFill>
+                </a14:hiddenFill>
+              </a:ext>
+            </a:extLst>
+          </p:spPr>
+        </p:pic>
+        <p:pic>
+          <p:nvPicPr>
+            <p:cNvPr id="1028" name="Picture 4" descr="Why Android Studio icon in windows taskbar automatically changes? - Stack  Overflow">
+              <a:extLst>
+                <a:ext uri="{FF2B5EF4-FFF2-40B4-BE49-F238E27FC236}">
+                  <a16:creationId xmlns:a16="http://schemas.microsoft.com/office/drawing/2014/main" id="{C426FF37-A495-456F-B0DC-050F95CD9B3E}"/>
+                </a:ext>
+              </a:extLst>
+            </p:cNvPr>
+            <p:cNvPicPr>
+              <a:picLocks noChangeAspect="1" noChangeArrowheads="1"/>
+            </p:cNvPicPr>
+            <p:nvPr/>
+          </p:nvPicPr>
+          <p:blipFill>
+            <a:blip r:embed="rId6">
+              <a:extLst>
+                <a:ext uri="{28A0092B-C50C-407E-A947-70E740481C1C}">
+                  <a14:useLocalDpi xmlns:a14="http://schemas.microsoft.com/office/drawing/2010/main" val="0"/>
+                </a:ext>
+              </a:extLst>
+            </a:blip>
+            <a:srcRect/>
+            <a:stretch>
+              <a:fillRect/>
+            </a:stretch>
+          </p:blipFill>
+          <p:spPr bwMode="auto">
+            <a:xfrm>
+              <a:off x="4181347" y="3242434"/>
+              <a:ext cx="1330903" cy="1330903"/>
+            </a:xfrm>
+            <a:prstGeom prst="rect">
+              <a:avLst/>
+            </a:prstGeom>
+            <a:noFill/>
+            <a:extLst>
+              <a:ext uri="{909E8E84-426E-40DD-AFC4-6F175D3DCCD1}">
+                <a14:hiddenFill xmlns:a14="http://schemas.microsoft.com/office/drawing/2010/main">
+                  <a:solidFill>
+                    <a:srgbClr val="FFFFFF"/>
+                  </a:solidFill>
+                </a14:hiddenFill>
+              </a:ext>
+            </a:extLst>
+          </p:spPr>
+        </p:pic>
+      </p:grpSp>
+      <p:sp>
+        <p:nvSpPr>
+          <p:cNvPr id="35" name="TextBox 34">
+            <a:extLst>
+              <a:ext uri="{FF2B5EF4-FFF2-40B4-BE49-F238E27FC236}">
+                <a16:creationId xmlns:a16="http://schemas.microsoft.com/office/drawing/2014/main" id="{C3F4AA44-C579-4EB3-896F-966991E25D2C}"/>
+              </a:ext>
+            </a:extLst>
+          </p:cNvPr>
+          <p:cNvSpPr txBox="1"/>
+          <p:nvPr/>
+        </p:nvSpPr>
+        <p:spPr>
+          <a:xfrm>
+            <a:off x="6843253" y="1110904"/>
+            <a:ext cx="1622322" cy="369332"/>
+          </a:xfrm>
+          <a:prstGeom prst="rect">
+            <a:avLst/>
+          </a:prstGeom>
+          <a:noFill/>
+        </p:spPr>
+        <p:txBody>
+          <a:bodyPr wrap="square" rtlCol="0">
+            <a:spAutoFit/>
+          </a:bodyPr>
+          <a:lstStyle/>
+          <a:p>
+            <a:r>
+              <a:rPr lang="en-US" altLang="ko-KR"/>
+              <a:t>Server</a:t>
+            </a:r>
+            <a:endParaRPr lang="ko-KR" altLang="en-US"/>
+          </a:p>
+        </p:txBody>
+      </p:sp>
+      <p:sp>
+        <p:nvSpPr>
+          <p:cNvPr id="40" name="TextBox 39">
+            <a:extLst>
+              <a:ext uri="{FF2B5EF4-FFF2-40B4-BE49-F238E27FC236}">
+                <a16:creationId xmlns:a16="http://schemas.microsoft.com/office/drawing/2014/main" id="{E0BFBAB5-6912-4368-BEC8-7ED0B6B22A77}"/>
+              </a:ext>
+            </a:extLst>
+          </p:cNvPr>
+          <p:cNvSpPr txBox="1"/>
+          <p:nvPr/>
+        </p:nvSpPr>
+        <p:spPr>
+          <a:xfrm>
+            <a:off x="9193115" y="1069568"/>
+            <a:ext cx="1622322" cy="369332"/>
+          </a:xfrm>
+          <a:prstGeom prst="rect">
+            <a:avLst/>
+          </a:prstGeom>
+          <a:noFill/>
+        </p:spPr>
+        <p:txBody>
+          <a:bodyPr wrap="square" rtlCol="0">
+            <a:spAutoFit/>
+          </a:bodyPr>
+          <a:lstStyle/>
+          <a:p>
+            <a:r>
+              <a:rPr lang="en-US" altLang="ko-KR"/>
+              <a:t>Database</a:t>
+            </a:r>
+            <a:endParaRPr lang="ko-KR" altLang="en-US"/>
+          </a:p>
+        </p:txBody>
+      </p:sp>
+      <p:pic>
+        <p:nvPicPr>
+          <p:cNvPr id="37" name="Picture 14" descr="MySQL - Wikipedia">
+            <a:extLst>
+              <a:ext uri="{FF2B5EF4-FFF2-40B4-BE49-F238E27FC236}">
+                <a16:creationId xmlns:a16="http://schemas.microsoft.com/office/drawing/2014/main" id="{0DAD4E3C-EF85-4487-80C3-E83E23D2586E}"/>
+              </a:ext>
+            </a:extLst>
+          </p:cNvPr>
+          <p:cNvPicPr>
+            <a:picLocks noChangeAspect="1" noChangeArrowheads="1"/>
+          </p:cNvPicPr>
+          <p:nvPr/>
+        </p:nvPicPr>
+        <p:blipFill>
+          <a:blip r:embed="rId7">
+            <a:extLst>
+              <a:ext uri="{28A0092B-C50C-407E-A947-70E740481C1C}">
+                <a14:useLocalDpi xmlns:a14="http://schemas.microsoft.com/office/drawing/2010/main" val="0"/>
+              </a:ext>
+            </a:extLst>
+          </a:blip>
+          <a:srcRect/>
+          <a:stretch>
+            <a:fillRect/>
+          </a:stretch>
+        </p:blipFill>
+        <p:spPr bwMode="auto">
+          <a:xfrm>
+            <a:off x="9037332" y="1617337"/>
+            <a:ext cx="1778105" cy="917206"/>
+          </a:xfrm>
+          <a:prstGeom prst="rect">
+            <a:avLst/>
+          </a:prstGeom>
+          <a:noFill/>
+          <a:extLst>
+            <a:ext uri="{909E8E84-426E-40DD-AFC4-6F175D3DCCD1}">
+              <a14:hiddenFill xmlns:a14="http://schemas.microsoft.com/office/drawing/2010/main">
+                <a:solidFill>
+                  <a:srgbClr val="FFFFFF"/>
+                </a:solidFill>
+              </a14:hiddenFill>
+            </a:ext>
+          </a:extLst>
+        </p:spPr>
+      </p:pic>
+      <p:grpSp>
+        <p:nvGrpSpPr>
+          <p:cNvPr id="44" name="그룹 43">
+            <a:extLst>
+              <a:ext uri="{FF2B5EF4-FFF2-40B4-BE49-F238E27FC236}">
+                <a16:creationId xmlns:a16="http://schemas.microsoft.com/office/drawing/2014/main" id="{1C7E57DA-8426-4B78-BE7F-4879146622DD}"/>
+              </a:ext>
+            </a:extLst>
+          </p:cNvPr>
+          <p:cNvGrpSpPr/>
+          <p:nvPr/>
+        </p:nvGrpSpPr>
+        <p:grpSpPr>
+          <a:xfrm>
+            <a:off x="6209866" y="1710242"/>
+            <a:ext cx="2255709" cy="3535691"/>
+            <a:chOff x="6209866" y="1710242"/>
+            <a:chExt cx="2255709" cy="3535691"/>
+          </a:xfrm>
+        </p:grpSpPr>
+        <p:pic>
+          <p:nvPicPr>
+            <p:cNvPr id="33" name="Picture 8" descr="NHN엔터, 클라우드 솔루션 'TOAST' 서비스 개편">
+              <a:extLst>
+                <a:ext uri="{FF2B5EF4-FFF2-40B4-BE49-F238E27FC236}">
+                  <a16:creationId xmlns:a16="http://schemas.microsoft.com/office/drawing/2014/main" id="{32D52B1B-873D-40C0-BDAF-0F5E7969FB69}"/>
+                </a:ext>
+              </a:extLst>
+            </p:cNvPr>
+            <p:cNvPicPr>
+              <a:picLocks noChangeAspect="1" noChangeArrowheads="1"/>
+            </p:cNvPicPr>
+            <p:nvPr/>
+          </p:nvPicPr>
+          <p:blipFill rotWithShape="1">
+            <a:blip r:embed="rId8">
+              <a:extLst>
+                <a:ext uri="{28A0092B-C50C-407E-A947-70E740481C1C}">
+                  <a14:useLocalDpi xmlns:a14="http://schemas.microsoft.com/office/drawing/2010/main" val="0"/>
+                </a:ext>
+              </a:extLst>
+            </a:blip>
+            <a:srcRect t="29164" b="33992"/>
+            <a:stretch/>
+          </p:blipFill>
+          <p:spPr bwMode="auto">
+            <a:xfrm>
+              <a:off x="6473633" y="1710242"/>
+              <a:ext cx="1726443" cy="477055"/>
+            </a:xfrm>
+            <a:prstGeom prst="rect">
+              <a:avLst/>
+            </a:prstGeom>
+            <a:noFill/>
+            <a:extLst>
+              <a:ext uri="{909E8E84-426E-40DD-AFC4-6F175D3DCCD1}">
+                <a14:hiddenFill xmlns:a14="http://schemas.microsoft.com/office/drawing/2010/main">
+                  <a:solidFill>
+                    <a:srgbClr val="FFFFFF"/>
+                  </a:solidFill>
+                </a14:hiddenFill>
+              </a:ext>
+            </a:extLst>
+          </p:spPr>
+        </p:pic>
+        <p:pic>
+          <p:nvPicPr>
+            <p:cNvPr id="34" name="Picture 6" descr="Creating Smaller Docker Images - Ian Lewis">
+              <a:extLst>
+                <a:ext uri="{FF2B5EF4-FFF2-40B4-BE49-F238E27FC236}">
+                  <a16:creationId xmlns:a16="http://schemas.microsoft.com/office/drawing/2014/main" id="{94AE8DC3-C77E-48BE-B145-7D7402955168}"/>
+                </a:ext>
+              </a:extLst>
+            </p:cNvPr>
+            <p:cNvPicPr>
+              <a:picLocks noChangeAspect="1" noChangeArrowheads="1"/>
+            </p:cNvPicPr>
+            <p:nvPr/>
+          </p:nvPicPr>
+          <p:blipFill>
+            <a:blip r:embed="rId9">
+              <a:extLst>
+                <a:ext uri="{28A0092B-C50C-407E-A947-70E740481C1C}">
+                  <a14:useLocalDpi xmlns:a14="http://schemas.microsoft.com/office/drawing/2010/main" val="0"/>
+                </a:ext>
+              </a:extLst>
+            </a:blip>
+            <a:srcRect/>
+            <a:stretch>
+              <a:fillRect/>
+            </a:stretch>
+          </p:blipFill>
+          <p:spPr bwMode="auto">
+            <a:xfrm>
+              <a:off x="6378236" y="2084866"/>
+              <a:ext cx="1917236" cy="1710546"/>
+            </a:xfrm>
+            <a:prstGeom prst="rect">
+              <a:avLst/>
+            </a:prstGeom>
+            <a:noFill/>
+            <a:extLst>
+              <a:ext uri="{909E8E84-426E-40DD-AFC4-6F175D3DCCD1}">
+                <a14:hiddenFill xmlns:a14="http://schemas.microsoft.com/office/drawing/2010/main">
+                  <a:solidFill>
+                    <a:srgbClr val="FFFFFF"/>
+                  </a:solidFill>
+                </a14:hiddenFill>
+              </a:ext>
+            </a:extLst>
+          </p:spPr>
+        </p:pic>
+        <p:pic>
+          <p:nvPicPr>
+            <p:cNvPr id="1030" name="Picture 6" descr="java-tomcat-apache-ChromeIS - Azoncode">
+              <a:extLst>
+                <a:ext uri="{FF2B5EF4-FFF2-40B4-BE49-F238E27FC236}">
+                  <a16:creationId xmlns:a16="http://schemas.microsoft.com/office/drawing/2014/main" id="{398AEA9B-369A-444E-9811-2E1DBAB435AD}"/>
+                </a:ext>
+              </a:extLst>
+            </p:cNvPr>
+            <p:cNvPicPr>
+              <a:picLocks noChangeAspect="1" noChangeArrowheads="1"/>
+            </p:cNvPicPr>
+            <p:nvPr/>
+          </p:nvPicPr>
+          <p:blipFill>
+            <a:blip r:embed="rId10">
+              <a:extLst>
+                <a:ext uri="{28A0092B-C50C-407E-A947-70E740481C1C}">
+                  <a14:useLocalDpi xmlns:a14="http://schemas.microsoft.com/office/drawing/2010/main" val="0"/>
+                </a:ext>
+              </a:extLst>
+            </a:blip>
+            <a:srcRect/>
+            <a:stretch>
+              <a:fillRect/>
+            </a:stretch>
+          </p:blipFill>
+          <p:spPr bwMode="auto">
+            <a:xfrm>
+              <a:off x="6209866" y="3554151"/>
+              <a:ext cx="2255709" cy="1691782"/>
+            </a:xfrm>
+            <a:prstGeom prst="rect">
+              <a:avLst/>
+            </a:prstGeom>
+            <a:noFill/>
+            <a:extLst>
+              <a:ext uri="{909E8E84-426E-40DD-AFC4-6F175D3DCCD1}">
+                <a14:hiddenFill xmlns:a14="http://schemas.microsoft.com/office/drawing/2010/main">
+                  <a:solidFill>
+                    <a:srgbClr val="FFFFFF"/>
+                  </a:solidFill>
+                </a14:hiddenFill>
+              </a:ext>
+            </a:extLst>
+          </p:spPr>
+        </p:pic>
+      </p:grpSp>
+    </p:spTree>
+    <p:extLst>
+      <p:ext uri="{BB962C8B-B14F-4D97-AF65-F5344CB8AC3E}">
+        <p14:creationId xmlns:p14="http://schemas.microsoft.com/office/powerpoint/2010/main" val="71422699"/>
+      </p:ext>
+    </p:extLst>
+  </p:cSld>
+  <p:clrMapOvr>
+    <a:masterClrMapping/>
+  </p:clrMapOvr>
+</p:sld>
+</file>
+
+<file path=ppt/slides/slide3.xml><?xml version="1.0" encoding="utf-8"?>
+<p:sld xmlns:a="http://schemas.openxmlformats.org/drawingml/2006/main" xmlns:r="http://schemas.openxmlformats.org/officeDocument/2006/relationships" xmlns:p="http://schemas.openxmlformats.org/presentationml/2006/main">
+  <p:cSld>
+    <p:spTree>
+      <p:nvGrpSpPr>
+        <p:cNvPr id="1" name=""/>
+        <p:cNvGrpSpPr/>
+        <p:nvPr/>
+      </p:nvGrpSpPr>
+      <p:grpSpPr>
+        <a:xfrm>
+          <a:off x="0" y="0"/>
+          <a:ext cx="0" cy="0"/>
+          <a:chOff x="0" y="0"/>
+          <a:chExt cx="0" cy="0"/>
+        </a:xfrm>
+      </p:grpSpPr>
+      <p:pic>
+        <p:nvPicPr>
+          <p:cNvPr id="5" name="그림 4">
+            <a:extLst>
+              <a:ext uri="{FF2B5EF4-FFF2-40B4-BE49-F238E27FC236}">
+                <a16:creationId xmlns:a16="http://schemas.microsoft.com/office/drawing/2014/main" id="{82A96180-D29D-4045-AAF8-174C9E146FD1}"/>
+              </a:ext>
+            </a:extLst>
+          </p:cNvPr>
+          <p:cNvPicPr>
+            <a:picLocks noChangeAspect="1"/>
+          </p:cNvPicPr>
+          <p:nvPr/>
+        </p:nvPicPr>
+        <p:blipFill>
+          <a:blip r:embed="rId2"/>
+          <a:stretch>
+            <a:fillRect/>
+          </a:stretch>
+        </p:blipFill>
+        <p:spPr>
+          <a:xfrm>
+            <a:off x="216785" y="1225085"/>
+            <a:ext cx="2545421" cy="4885072"/>
+          </a:xfrm>
+          <a:prstGeom prst="rect">
+            <a:avLst/>
+          </a:prstGeom>
+        </p:spPr>
+      </p:pic>
+      <p:pic>
+        <p:nvPicPr>
+          <p:cNvPr id="2" name="그림 1">
+            <a:extLst>
+              <a:ext uri="{FF2B5EF4-FFF2-40B4-BE49-F238E27FC236}">
+                <a16:creationId xmlns:a16="http://schemas.microsoft.com/office/drawing/2014/main" id="{5FA52B4A-ABD7-476B-ABB7-E0A3588BB04B}"/>
+              </a:ext>
+            </a:extLst>
+          </p:cNvPr>
+          <p:cNvPicPr>
+            <a:picLocks noChangeAspect="1"/>
+          </p:cNvPicPr>
+          <p:nvPr/>
+        </p:nvPicPr>
+        <p:blipFill>
+          <a:blip r:embed="rId3"/>
+          <a:stretch>
+            <a:fillRect/>
+          </a:stretch>
+        </p:blipFill>
+        <p:spPr>
+          <a:xfrm>
+            <a:off x="2984532" y="1287261"/>
+            <a:ext cx="2615696" cy="4822896"/>
+          </a:xfrm>
+          <a:prstGeom prst="rect">
+            <a:avLst/>
+          </a:prstGeom>
+        </p:spPr>
+      </p:pic>
+      <p:pic>
+        <p:nvPicPr>
+          <p:cNvPr id="3" name="그림 2">
+            <a:extLst>
+              <a:ext uri="{FF2B5EF4-FFF2-40B4-BE49-F238E27FC236}">
+                <a16:creationId xmlns:a16="http://schemas.microsoft.com/office/drawing/2014/main" id="{B8A5D4C7-D465-4B6E-B672-33AEE0D6FF9F}"/>
+              </a:ext>
+            </a:extLst>
+          </p:cNvPr>
+          <p:cNvPicPr>
+            <a:picLocks noChangeAspect="1"/>
+          </p:cNvPicPr>
+          <p:nvPr/>
+        </p:nvPicPr>
+        <p:blipFill>
+          <a:blip r:embed="rId4"/>
+          <a:stretch>
+            <a:fillRect/>
+          </a:stretch>
+        </p:blipFill>
+        <p:spPr>
+          <a:xfrm>
+            <a:off x="5924880" y="1225085"/>
+            <a:ext cx="2583927" cy="4822896"/>
+          </a:xfrm>
+          <a:prstGeom prst="rect">
+            <a:avLst/>
+          </a:prstGeom>
+        </p:spPr>
+      </p:pic>
+      <p:pic>
+        <p:nvPicPr>
+          <p:cNvPr id="4" name="그림 3">
+            <a:extLst>
+              <a:ext uri="{FF2B5EF4-FFF2-40B4-BE49-F238E27FC236}">
+                <a16:creationId xmlns:a16="http://schemas.microsoft.com/office/drawing/2014/main" id="{3B57D05F-557A-48BC-9847-898FA42A7BDC}"/>
+              </a:ext>
+            </a:extLst>
+          </p:cNvPr>
+          <p:cNvPicPr>
+            <a:picLocks noChangeAspect="1"/>
+          </p:cNvPicPr>
+          <p:nvPr/>
+        </p:nvPicPr>
+        <p:blipFill>
+          <a:blip r:embed="rId5"/>
+          <a:stretch>
+            <a:fillRect/>
+          </a:stretch>
+        </p:blipFill>
+        <p:spPr>
+          <a:xfrm>
+            <a:off x="8622017" y="1225087"/>
+            <a:ext cx="2851502" cy="5064711"/>
+          </a:xfrm>
+          <a:prstGeom prst="rect">
+            <a:avLst/>
+          </a:prstGeom>
+        </p:spPr>
+      </p:pic>
+    </p:spTree>
+    <p:extLst>
+      <p:ext uri="{BB962C8B-B14F-4D97-AF65-F5344CB8AC3E}">
+        <p14:creationId xmlns:p14="http://schemas.microsoft.com/office/powerpoint/2010/main" val="2802412704"/>
+      </p:ext>
+    </p:extLst>
+  </p:cSld>
+  <p:clrMapOvr>
+    <a:masterClrMapping/>
+  </p:clrMapOvr>
+</p:sld>
+</file>
+
+<file path=ppt/slides/slide4.xml><?xml version="1.0" encoding="utf-8"?>
+<p:sld xmlns:a="http://schemas.openxmlformats.org/drawingml/2006/main" xmlns:r="http://schemas.openxmlformats.org/officeDocument/2006/relationships" xmlns:p="http://schemas.openxmlformats.org/presentationml/2006/main">
+  <p:cSld>
+    <p:spTree>
+      <p:nvGrpSpPr>
+        <p:cNvPr id="1" name=""/>
+        <p:cNvGrpSpPr/>
+        <p:nvPr/>
+      </p:nvGrpSpPr>
+      <p:grpSpPr>
+        <a:xfrm>
+          <a:off x="0" y="0"/>
+          <a:ext cx="0" cy="0"/>
+          <a:chOff x="0" y="0"/>
+          <a:chExt cx="0" cy="0"/>
+        </a:xfrm>
+      </p:grpSpPr>
+      <p:pic>
+        <p:nvPicPr>
+          <p:cNvPr id="4" name="그림 3">
+            <a:extLst>
+              <a:ext uri="{FF2B5EF4-FFF2-40B4-BE49-F238E27FC236}">
+                <a16:creationId xmlns:a16="http://schemas.microsoft.com/office/drawing/2014/main" id="{E6A94F06-059A-4E6D-9C77-803440F8455E}"/>
+              </a:ext>
+            </a:extLst>
+          </p:cNvPr>
+          <p:cNvPicPr>
+            <a:picLocks noChangeAspect="1"/>
+          </p:cNvPicPr>
+          <p:nvPr/>
+        </p:nvPicPr>
+        <p:blipFill>
+          <a:blip r:embed="rId2"/>
+          <a:stretch>
+            <a:fillRect/>
+          </a:stretch>
+        </p:blipFill>
+        <p:spPr>
+          <a:xfrm>
+            <a:off x="924786" y="617052"/>
+            <a:ext cx="8824293" cy="1655632"/>
+          </a:xfrm>
+          <a:prstGeom prst="rect">
+            <a:avLst/>
+          </a:prstGeom>
+        </p:spPr>
+      </p:pic>
+      <p:pic>
+        <p:nvPicPr>
+          <p:cNvPr id="5" name="그림 4">
+            <a:extLst>
+              <a:ext uri="{FF2B5EF4-FFF2-40B4-BE49-F238E27FC236}">
+                <a16:creationId xmlns:a16="http://schemas.microsoft.com/office/drawing/2014/main" id="{73CB0142-28FE-485D-A886-EA213C5D1377}"/>
+              </a:ext>
+            </a:extLst>
+          </p:cNvPr>
+          <p:cNvPicPr>
+            <a:picLocks noChangeAspect="1"/>
+          </p:cNvPicPr>
+          <p:nvPr/>
+        </p:nvPicPr>
+        <p:blipFill rotWithShape="1">
+          <a:blip r:embed="rId3"/>
+          <a:srcRect r="1971"/>
+          <a:stretch/>
+        </p:blipFill>
+        <p:spPr>
+          <a:xfrm>
+            <a:off x="924786" y="2633960"/>
+            <a:ext cx="5985968" cy="3438311"/>
+          </a:xfrm>
+          <a:prstGeom prst="rect">
+            <a:avLst/>
+          </a:prstGeom>
+        </p:spPr>
+      </p:pic>
+    </p:spTree>
+    <p:extLst>
+      <p:ext uri="{BB962C8B-B14F-4D97-AF65-F5344CB8AC3E}">
+        <p14:creationId xmlns:p14="http://schemas.microsoft.com/office/powerpoint/2010/main" val="3690607013"/>
+      </p:ext>
+    </p:extLst>
+  </p:cSld>
+  <p:clrMapOvr>
+    <a:masterClrMapping/>
+  </p:clrMapOvr>
+</p:sld>
+</file>
+
+<file path=ppt/slides/slide5.xml><?xml version="1.0" encoding="utf-8"?>
+<p:sld xmlns:a="http://schemas.openxmlformats.org/drawingml/2006/main" xmlns:r="http://schemas.openxmlformats.org/officeDocument/2006/relationships" xmlns:p="http://schemas.openxmlformats.org/presentationml/2006/main">
+  <p:cSld>
+    <p:spTree>
+      <p:nvGrpSpPr>
+        <p:cNvPr id="1" name=""/>
+        <p:cNvGrpSpPr/>
+        <p:nvPr/>
+      </p:nvGrpSpPr>
+      <p:grpSpPr>
+        <a:xfrm>
+          <a:off x="0" y="0"/>
+          <a:ext cx="0" cy="0"/>
+          <a:chOff x="0" y="0"/>
+          <a:chExt cx="0" cy="0"/>
+        </a:xfrm>
+      </p:grpSpPr>
+      <p:pic>
+        <p:nvPicPr>
+          <p:cNvPr id="7" name="그림 6">
+            <a:extLst>
+              <a:ext uri="{FF2B5EF4-FFF2-40B4-BE49-F238E27FC236}">
+                <a16:creationId xmlns:a16="http://schemas.microsoft.com/office/drawing/2014/main" id="{FB1C7CFB-6D39-4932-BE0E-B1EF0B6C39F4}"/>
+              </a:ext>
+            </a:extLst>
+          </p:cNvPr>
+          <p:cNvPicPr>
+            <a:picLocks noChangeAspect="1"/>
+          </p:cNvPicPr>
+          <p:nvPr/>
+        </p:nvPicPr>
+        <p:blipFill>
+          <a:blip r:embed="rId2"/>
+          <a:stretch>
+            <a:fillRect/>
+          </a:stretch>
+        </p:blipFill>
+        <p:spPr>
+          <a:xfrm>
+            <a:off x="112450" y="1402638"/>
+            <a:ext cx="3003612" cy="4968282"/>
+          </a:xfrm>
+          <a:prstGeom prst="rect">
+            <a:avLst/>
+          </a:prstGeom>
+        </p:spPr>
+      </p:pic>
+      <p:pic>
+        <p:nvPicPr>
+          <p:cNvPr id="8" name="그림 7">
+            <a:extLst>
+              <a:ext uri="{FF2B5EF4-FFF2-40B4-BE49-F238E27FC236}">
+                <a16:creationId xmlns:a16="http://schemas.microsoft.com/office/drawing/2014/main" id="{8D5CC257-E989-4E71-A76E-9F4220B8DD54}"/>
+              </a:ext>
+            </a:extLst>
+          </p:cNvPr>
+          <p:cNvPicPr>
+            <a:picLocks noChangeAspect="1"/>
+          </p:cNvPicPr>
+          <p:nvPr/>
+        </p:nvPicPr>
+        <p:blipFill rotWithShape="1">
+          <a:blip r:embed="rId3"/>
+          <a:srcRect t="1074"/>
+          <a:stretch/>
+        </p:blipFill>
+        <p:spPr>
+          <a:xfrm>
+            <a:off x="3002852" y="1402638"/>
+            <a:ext cx="2751557" cy="4890354"/>
+          </a:xfrm>
+          <a:prstGeom prst="rect">
+            <a:avLst/>
+          </a:prstGeom>
+        </p:spPr>
+      </p:pic>
+      <p:pic>
+        <p:nvPicPr>
+          <p:cNvPr id="9" name="그림 8">
+            <a:extLst>
+              <a:ext uri="{FF2B5EF4-FFF2-40B4-BE49-F238E27FC236}">
+                <a16:creationId xmlns:a16="http://schemas.microsoft.com/office/drawing/2014/main" id="{E65627D1-8528-4C49-B537-0B6726A5ED24}"/>
+              </a:ext>
+            </a:extLst>
+          </p:cNvPr>
+          <p:cNvPicPr>
+            <a:picLocks noChangeAspect="1"/>
+          </p:cNvPicPr>
+          <p:nvPr/>
+        </p:nvPicPr>
+        <p:blipFill>
+          <a:blip r:embed="rId4"/>
+          <a:stretch>
+            <a:fillRect/>
+          </a:stretch>
+        </p:blipFill>
+        <p:spPr>
+          <a:xfrm>
+            <a:off x="8516829" y="1402638"/>
+            <a:ext cx="2751557" cy="4890354"/>
+          </a:xfrm>
+          <a:prstGeom prst="rect">
+            <a:avLst/>
+          </a:prstGeom>
+        </p:spPr>
+      </p:pic>
+      <p:pic>
+        <p:nvPicPr>
+          <p:cNvPr id="11" name="그림 10">
+            <a:extLst>
+              <a:ext uri="{FF2B5EF4-FFF2-40B4-BE49-F238E27FC236}">
+                <a16:creationId xmlns:a16="http://schemas.microsoft.com/office/drawing/2014/main" id="{9B48E617-A775-4AE8-886F-0C196A205A2E}"/>
+              </a:ext>
+            </a:extLst>
+          </p:cNvPr>
+          <p:cNvPicPr>
+            <a:picLocks noChangeAspect="1"/>
+          </p:cNvPicPr>
+          <p:nvPr/>
+        </p:nvPicPr>
+        <p:blipFill>
+          <a:blip r:embed="rId5"/>
+          <a:stretch>
+            <a:fillRect/>
+          </a:stretch>
+        </p:blipFill>
+        <p:spPr>
+          <a:xfrm>
+            <a:off x="5878484" y="1309620"/>
+            <a:ext cx="2638344" cy="4983375"/>
+          </a:xfrm>
+          <a:prstGeom prst="rect">
+            <a:avLst/>
+          </a:prstGeom>
+        </p:spPr>
+      </p:pic>
+    </p:spTree>
+    <p:extLst>
+      <p:ext uri="{BB962C8B-B14F-4D97-AF65-F5344CB8AC3E}">
+        <p14:creationId xmlns:p14="http://schemas.microsoft.com/office/powerpoint/2010/main" val="4221564213"/>
+      </p:ext>
+    </p:extLst>
+  </p:cSld>
+  <p:clrMapOvr>
+    <a:masterClrMapping/>
+  </p:clrMapOvr>
+</p:sld>
+</file>
+
+<file path=ppt/slides/slide6.xml><?xml version="1.0" encoding="utf-8"?>
+<p:sld xmlns:a="http://schemas.openxmlformats.org/drawingml/2006/main" xmlns:r="http://schemas.openxmlformats.org/officeDocument/2006/relationships" xmlns:p="http://schemas.openxmlformats.org/presentationml/2006/main">
+  <p:cSld>
+    <p:spTree>
+      <p:nvGrpSpPr>
+        <p:cNvPr id="1" name=""/>
+        <p:cNvGrpSpPr/>
+        <p:nvPr/>
+      </p:nvGrpSpPr>
+      <p:grpSpPr>
+        <a:xfrm>
+          <a:off x="0" y="0"/>
+          <a:ext cx="0" cy="0"/>
+          <a:chOff x="0" y="0"/>
+          <a:chExt cx="0" cy="0"/>
+        </a:xfrm>
+      </p:grpSpPr>
+      <p:pic>
+        <p:nvPicPr>
+          <p:cNvPr id="6" name="그림 5">
+            <a:extLst>
+              <a:ext uri="{FF2B5EF4-FFF2-40B4-BE49-F238E27FC236}">
+                <a16:creationId xmlns:a16="http://schemas.microsoft.com/office/drawing/2014/main" id="{7C1A2A72-8FA2-4773-9780-D4CA098684E1}"/>
+              </a:ext>
+            </a:extLst>
+          </p:cNvPr>
+          <p:cNvPicPr>
+            <a:picLocks noChangeAspect="1"/>
+          </p:cNvPicPr>
+          <p:nvPr/>
+        </p:nvPicPr>
+        <p:blipFill rotWithShape="1">
+          <a:blip r:embed="rId2"/>
+          <a:srcRect b="865"/>
+          <a:stretch/>
+        </p:blipFill>
+        <p:spPr>
+          <a:xfrm>
+            <a:off x="8784672" y="1080511"/>
+            <a:ext cx="2800719" cy="5063986"/>
+          </a:xfrm>
+          <a:prstGeom prst="rect">
+            <a:avLst/>
+          </a:prstGeom>
+        </p:spPr>
+      </p:pic>
+      <p:pic>
+        <p:nvPicPr>
+          <p:cNvPr id="9" name="그림 8">
+            <a:extLst>
+              <a:ext uri="{FF2B5EF4-FFF2-40B4-BE49-F238E27FC236}">
+                <a16:creationId xmlns:a16="http://schemas.microsoft.com/office/drawing/2014/main" id="{4D5BABDD-B3E0-47D6-B5C5-A70D4A5167DF}"/>
+              </a:ext>
+            </a:extLst>
+          </p:cNvPr>
+          <p:cNvPicPr>
+            <a:picLocks noChangeAspect="1"/>
+          </p:cNvPicPr>
+          <p:nvPr/>
+        </p:nvPicPr>
+        <p:blipFill>
+          <a:blip r:embed="rId3"/>
+          <a:stretch>
+            <a:fillRect/>
+          </a:stretch>
+        </p:blipFill>
+        <p:spPr>
+          <a:xfrm>
+            <a:off x="5803048" y="1030943"/>
+            <a:ext cx="2826049" cy="5070466"/>
+          </a:xfrm>
+          <a:prstGeom prst="rect">
+            <a:avLst/>
+          </a:prstGeom>
+        </p:spPr>
+      </p:pic>
+      <p:pic>
+        <p:nvPicPr>
+          <p:cNvPr id="11" name="그림 10">
+            <a:extLst>
+              <a:ext uri="{FF2B5EF4-FFF2-40B4-BE49-F238E27FC236}">
+                <a16:creationId xmlns:a16="http://schemas.microsoft.com/office/drawing/2014/main" id="{1CD2854B-604B-4609-A0DB-24B09720FDC6}"/>
+              </a:ext>
+            </a:extLst>
+          </p:cNvPr>
+          <p:cNvPicPr>
+            <a:picLocks noChangeAspect="1"/>
+          </p:cNvPicPr>
+          <p:nvPr/>
+        </p:nvPicPr>
+        <p:blipFill>
+          <a:blip r:embed="rId4"/>
+          <a:stretch>
+            <a:fillRect/>
+          </a:stretch>
+        </p:blipFill>
+        <p:spPr>
+          <a:xfrm>
+            <a:off x="194184" y="1080511"/>
+            <a:ext cx="2652567" cy="5012671"/>
+          </a:xfrm>
+          <a:prstGeom prst="rect">
+            <a:avLst/>
+          </a:prstGeom>
+        </p:spPr>
+      </p:pic>
+      <p:pic>
+        <p:nvPicPr>
+          <p:cNvPr id="12" name="그림 11">
+            <a:extLst>
+              <a:ext uri="{FF2B5EF4-FFF2-40B4-BE49-F238E27FC236}">
+                <a16:creationId xmlns:a16="http://schemas.microsoft.com/office/drawing/2014/main" id="{F89AD7C5-9930-4A2C-AD4A-DFD9C495F0C5}"/>
+              </a:ext>
+            </a:extLst>
+          </p:cNvPr>
+          <p:cNvPicPr>
+            <a:picLocks noChangeAspect="1"/>
+          </p:cNvPicPr>
+          <p:nvPr/>
+        </p:nvPicPr>
+        <p:blipFill>
+          <a:blip r:embed="rId5"/>
+          <a:stretch>
+            <a:fillRect/>
+          </a:stretch>
+        </p:blipFill>
+        <p:spPr>
+          <a:xfrm>
+            <a:off x="2954024" y="1150399"/>
+            <a:ext cx="2585645" cy="4935619"/>
+          </a:xfrm>
+          <a:prstGeom prst="rect">
+            <a:avLst/>
+          </a:prstGeom>
+        </p:spPr>
+      </p:pic>
+    </p:spTree>
+    <p:extLst>
+      <p:ext uri="{BB962C8B-B14F-4D97-AF65-F5344CB8AC3E}">
+        <p14:creationId xmlns:p14="http://schemas.microsoft.com/office/powerpoint/2010/main" val="3484682454"/>
+      </p:ext>
+    </p:extLst>
+  </p:cSld>
+  <p:clrMapOvr>
+    <a:masterClrMapping/>
+  </p:clrMapOvr>
+</p:sld>
+</file>
+
+<file path=ppt/slides/slide7.xml><?xml version="1.0" encoding="utf-8"?>
+<p:sld xmlns:a="http://schemas.openxmlformats.org/drawingml/2006/main" xmlns:r="http://schemas.openxmlformats.org/officeDocument/2006/relationships" xmlns:p="http://schemas.openxmlformats.org/presentationml/2006/main">
+  <p:cSld>
+    <p:spTree>
+      <p:nvGrpSpPr>
+        <p:cNvPr id="1" name=""/>
+        <p:cNvGrpSpPr/>
+        <p:nvPr/>
+      </p:nvGrpSpPr>
+      <p:grpSpPr>
+        <a:xfrm>
+          <a:off x="0" y="0"/>
+          <a:ext cx="0" cy="0"/>
+          <a:chOff x="0" y="0"/>
+          <a:chExt cx="0" cy="0"/>
+        </a:xfrm>
+      </p:grpSpPr>
+      <p:pic>
+        <p:nvPicPr>
+          <p:cNvPr id="2" name="Picture 10" descr="React Native - Origin Apps">
+            <a:extLst>
+              <a:ext uri="{FF2B5EF4-FFF2-40B4-BE49-F238E27FC236}">
+                <a16:creationId xmlns:a16="http://schemas.microsoft.com/office/drawing/2014/main" id="{36E47A4C-307E-4786-A73C-59CD9CC6A099}"/>
+              </a:ext>
+            </a:extLst>
+          </p:cNvPr>
+          <p:cNvPicPr>
+            <a:picLocks noChangeAspect="1" noChangeArrowheads="1"/>
+          </p:cNvPicPr>
+          <p:nvPr/>
+        </p:nvPicPr>
+        <p:blipFill>
+          <a:blip r:embed="rId2">
+            <a:extLst>
+              <a:ext uri="{28A0092B-C50C-407E-A947-70E740481C1C}">
+                <a14:useLocalDpi xmlns:a14="http://schemas.microsoft.com/office/drawing/2010/main" val="0"/>
+              </a:ext>
+            </a:extLst>
+          </a:blip>
+          <a:srcRect/>
+          <a:stretch>
+            <a:fillRect/>
+          </a:stretch>
+        </p:blipFill>
+        <p:spPr bwMode="auto">
+          <a:xfrm>
+            <a:off x="7809717" y="852268"/>
+            <a:ext cx="2275535" cy="1729140"/>
+          </a:xfrm>
+          <a:prstGeom prst="rect">
+            <a:avLst/>
+          </a:prstGeom>
+          <a:noFill/>
+          <a:extLst>
+            <a:ext uri="{909E8E84-426E-40DD-AFC4-6F175D3DCCD1}">
+              <a14:hiddenFill xmlns:a14="http://schemas.microsoft.com/office/drawing/2010/main">
+                <a:solidFill>
+                  <a:srgbClr val="FFFFFF"/>
+                </a:solidFill>
+              </a14:hiddenFill>
+            </a:ext>
+          </a:extLst>
+        </p:spPr>
+      </p:pic>
+      <p:sp>
+        <p:nvSpPr>
+          <p:cNvPr id="3" name="TextBox 2">
+            <a:extLst>
+              <a:ext uri="{FF2B5EF4-FFF2-40B4-BE49-F238E27FC236}">
+                <a16:creationId xmlns:a16="http://schemas.microsoft.com/office/drawing/2014/main" id="{8E298E33-B4EF-4546-9C45-DF24FB2B24D3}"/>
+              </a:ext>
+            </a:extLst>
+          </p:cNvPr>
+          <p:cNvSpPr txBox="1"/>
+          <p:nvPr/>
+        </p:nvSpPr>
+        <p:spPr>
+          <a:xfrm>
+            <a:off x="7809718" y="2799275"/>
+            <a:ext cx="4051718" cy="3416320"/>
+          </a:xfrm>
+          <a:prstGeom prst="rect">
+            <a:avLst/>
+          </a:prstGeom>
+          <a:noFill/>
+        </p:spPr>
+        <p:txBody>
+          <a:bodyPr wrap="square" rtlCol="0">
+            <a:spAutoFit/>
+          </a:bodyPr>
+          <a:lstStyle/>
+          <a:p>
+            <a:r>
+              <a:rPr lang="ko-KR" altLang="en-US"/>
+              <a:t>안드로이드 어플리케이션을 제작하기 위해 </a:t>
+            </a:r>
+            <a:r>
+              <a:rPr lang="en-US" altLang="ko-KR"/>
+              <a:t>React native</a:t>
+            </a:r>
+            <a:r>
+              <a:rPr lang="ko-KR" altLang="en-US"/>
+              <a:t>가 사용됨</a:t>
+            </a:r>
+            <a:r>
+              <a:rPr lang="en-US" altLang="ko-KR"/>
+              <a:t>.</a:t>
+            </a:r>
+          </a:p>
+          <a:p>
+            <a:r>
+              <a:rPr lang="en-US" altLang="ko-KR"/>
+              <a:t>React nativ</a:t>
+            </a:r>
+            <a:r>
+              <a:rPr lang="ko-KR" altLang="en-US"/>
+              <a:t>는 자바스크립트 언어를 이용해 </a:t>
+            </a:r>
+            <a:r>
+              <a:rPr lang="en-US" altLang="ko-KR"/>
+              <a:t>ios/ android</a:t>
+            </a:r>
+            <a:r>
+              <a:rPr lang="ko-KR" altLang="en-US"/>
+              <a:t>에 메시지를 보내는 일종의 브릿지 역할을 해주는 페이스북사가 개발한 최신 모바일 프레임워크이다</a:t>
+            </a:r>
+            <a:r>
+              <a:rPr lang="en-US" altLang="ko-KR"/>
+              <a:t>..</a:t>
+            </a:r>
+          </a:p>
+          <a:p>
+            <a:r>
+              <a:rPr lang="ko-KR" altLang="en-US"/>
+              <a:t>웹으로 구현한 프로그램을 모바일 앱으로 만드는데 </a:t>
+            </a:r>
+            <a:r>
+              <a:rPr lang="en-US" altLang="ko-KR"/>
+              <a:t>react-native</a:t>
+            </a:r>
+            <a:r>
+              <a:rPr lang="ko-KR" altLang="en-US"/>
+              <a:t>의</a:t>
+            </a:r>
+            <a:endParaRPr lang="en-US" altLang="ko-KR"/>
+          </a:p>
+          <a:p>
+            <a:r>
+              <a:rPr lang="en-US" altLang="ko-KR"/>
+              <a:t>Webview </a:t>
+            </a:r>
+            <a:r>
+              <a:rPr lang="ko-KR" altLang="en-US"/>
+              <a:t>기능을 사용했다</a:t>
+            </a:r>
+            <a:r>
+              <a:rPr lang="en-US" altLang="ko-KR"/>
+              <a:t>.</a:t>
+            </a:r>
+          </a:p>
+          <a:p>
+            <a:r>
+              <a:rPr lang="en-US" altLang="ko-KR"/>
+              <a:t>(Webview : </a:t>
+            </a:r>
+            <a:r>
+              <a:rPr lang="ko-KR" altLang="en-US"/>
+              <a:t>모바일 앱 내부에서 웹 페이지를 보기위해 사용하는 기능</a:t>
+            </a:r>
+            <a:r>
+              <a:rPr lang="en-US" altLang="ko-KR"/>
+              <a:t>)</a:t>
+            </a:r>
+            <a:endParaRPr lang="ko-KR" altLang="en-US"/>
+          </a:p>
+        </p:txBody>
+      </p:sp>
+      <p:pic>
+        <p:nvPicPr>
+          <p:cNvPr id="4" name="Picture 2" descr="Node.js - Wikipedia">
+            <a:extLst>
+              <a:ext uri="{FF2B5EF4-FFF2-40B4-BE49-F238E27FC236}">
+                <a16:creationId xmlns:a16="http://schemas.microsoft.com/office/drawing/2014/main" id="{B5B9FBFB-45D7-4AC8-8B28-21FE75EBA081}"/>
+              </a:ext>
+            </a:extLst>
+          </p:cNvPr>
+          <p:cNvPicPr>
+            <a:picLocks noChangeAspect="1" noChangeArrowheads="1"/>
+          </p:cNvPicPr>
+          <p:nvPr/>
+        </p:nvPicPr>
+        <p:blipFill>
+          <a:blip r:embed="rId3">
+            <a:extLst>
+              <a:ext uri="{28A0092B-C50C-407E-A947-70E740481C1C}">
+                <a14:useLocalDpi xmlns:a14="http://schemas.microsoft.com/office/drawing/2010/main" val="0"/>
+              </a:ext>
+            </a:extLst>
+          </a:blip>
+          <a:srcRect/>
+          <a:stretch>
+            <a:fillRect/>
+          </a:stretch>
+        </p:blipFill>
+        <p:spPr bwMode="auto">
+          <a:xfrm>
+            <a:off x="550039" y="2124559"/>
+            <a:ext cx="2375392" cy="1452880"/>
+          </a:xfrm>
+          <a:prstGeom prst="rect">
+            <a:avLst/>
+          </a:prstGeom>
+          <a:noFill/>
+          <a:extLst>
+            <a:ext uri="{909E8E84-426E-40DD-AFC4-6F175D3DCCD1}">
+              <a14:hiddenFill xmlns:a14="http://schemas.microsoft.com/office/drawing/2010/main">
+                <a:solidFill>
+                  <a:srgbClr val="FFFFFF"/>
+                </a:solidFill>
+              </a14:hiddenFill>
+            </a:ext>
+          </a:extLst>
+        </p:spPr>
+      </p:pic>
+      <p:pic>
+        <p:nvPicPr>
+          <p:cNvPr id="5" name="Picture 4" descr="Html , CSS, Javascript - Home | Facebook">
+            <a:extLst>
+              <a:ext uri="{FF2B5EF4-FFF2-40B4-BE49-F238E27FC236}">
+                <a16:creationId xmlns:a16="http://schemas.microsoft.com/office/drawing/2014/main" id="{149098B0-2A7F-4C7A-ADAD-3A5594A43F2A}"/>
+              </a:ext>
+            </a:extLst>
+          </p:cNvPr>
+          <p:cNvPicPr>
+            <a:picLocks noChangeAspect="1" noChangeArrowheads="1"/>
+          </p:cNvPicPr>
+          <p:nvPr/>
+        </p:nvPicPr>
+        <p:blipFill>
+          <a:blip r:embed="rId4">
+            <a:extLst>
+              <a:ext uri="{28A0092B-C50C-407E-A947-70E740481C1C}">
+                <a14:useLocalDpi xmlns:a14="http://schemas.microsoft.com/office/drawing/2010/main" val="0"/>
+              </a:ext>
+            </a:extLst>
+          </a:blip>
+          <a:srcRect/>
+          <a:stretch>
+            <a:fillRect/>
+          </a:stretch>
+        </p:blipFill>
+        <p:spPr bwMode="auto">
+          <a:xfrm>
+            <a:off x="1525256" y="359185"/>
+            <a:ext cx="2800350" cy="1638300"/>
+          </a:xfrm>
+          <a:prstGeom prst="rect">
+            <a:avLst/>
+          </a:prstGeom>
+          <a:noFill/>
+          <a:extLst>
+            <a:ext uri="{909E8E84-426E-40DD-AFC4-6F175D3DCCD1}">
+              <a14:hiddenFill xmlns:a14="http://schemas.microsoft.com/office/drawing/2010/main">
+                <a:solidFill>
+                  <a:srgbClr val="FFFFFF"/>
+                </a:solidFill>
+              </a14:hiddenFill>
+            </a:ext>
+          </a:extLst>
+        </p:spPr>
+      </p:pic>
+      <p:sp>
+        <p:nvSpPr>
+          <p:cNvPr id="6" name="TextBox 5">
+            <a:extLst>
+              <a:ext uri="{FF2B5EF4-FFF2-40B4-BE49-F238E27FC236}">
+                <a16:creationId xmlns:a16="http://schemas.microsoft.com/office/drawing/2014/main" id="{1C3BE028-A99B-4940-B6C7-C18E60998DE3}"/>
+              </a:ext>
+            </a:extLst>
+          </p:cNvPr>
+          <p:cNvSpPr txBox="1"/>
+          <p:nvPr/>
+        </p:nvSpPr>
+        <p:spPr>
+          <a:xfrm>
+            <a:off x="330564" y="3704513"/>
+            <a:ext cx="7045759" cy="3139321"/>
+          </a:xfrm>
+          <a:prstGeom prst="rect">
+            <a:avLst/>
+          </a:prstGeom>
+          <a:noFill/>
+        </p:spPr>
+        <p:txBody>
+          <a:bodyPr wrap="square" rtlCol="0">
+            <a:spAutoFit/>
+          </a:bodyPr>
+          <a:lstStyle/>
+          <a:p>
+            <a:r>
+              <a:rPr lang="en-US" altLang="ko-KR"/>
+              <a:t>Bluecheck</a:t>
+            </a:r>
+            <a:r>
+              <a:rPr lang="ko-KR" altLang="en-US"/>
+              <a:t>는 </a:t>
+            </a:r>
+            <a:r>
+              <a:rPr lang="en-US" altLang="ko-KR"/>
+              <a:t>Node.js </a:t>
+            </a:r>
+            <a:r>
+              <a:rPr lang="ko-KR" altLang="en-US"/>
+              <a:t>기반의 </a:t>
+            </a:r>
+            <a:r>
+              <a:rPr lang="en-US" altLang="ko-KR"/>
+              <a:t>Web App</a:t>
+            </a:r>
+            <a:r>
+              <a:rPr lang="ko-KR" altLang="en-US"/>
+              <a:t>이다</a:t>
+            </a:r>
+            <a:r>
+              <a:rPr lang="en-US" altLang="ko-KR"/>
+              <a:t>.</a:t>
+            </a:r>
+          </a:p>
+          <a:p>
+            <a:r>
+              <a:rPr lang="en-US" altLang="ko-KR"/>
+              <a:t>Node.js</a:t>
+            </a:r>
+            <a:r>
+              <a:rPr lang="ko-KR" altLang="en-US"/>
+              <a:t>는 프론트엔드 </a:t>
+            </a:r>
+            <a:r>
+              <a:rPr lang="en-US" altLang="ko-KR"/>
+              <a:t>(</a:t>
+            </a:r>
+            <a:r>
+              <a:rPr lang="ko-KR" altLang="en-US"/>
+              <a:t>사용자의 눈에 보이는 영역</a:t>
+            </a:r>
+            <a:r>
+              <a:rPr lang="en-US" altLang="ko-KR"/>
+              <a:t>)</a:t>
+            </a:r>
+            <a:r>
+              <a:rPr lang="ko-KR" altLang="en-US"/>
+              <a:t>와 백엔드</a:t>
+            </a:r>
+            <a:r>
+              <a:rPr lang="en-US" altLang="ko-KR"/>
+              <a:t>(</a:t>
+            </a:r>
+            <a:r>
+              <a:rPr lang="ko-KR" altLang="en-US"/>
+              <a:t>눈에 보이지 않는 영역 </a:t>
+            </a:r>
+            <a:r>
+              <a:rPr lang="en-US" altLang="ko-KR"/>
+              <a:t>ex.</a:t>
+            </a:r>
+            <a:r>
+              <a:rPr lang="ko-KR" altLang="en-US"/>
+              <a:t>서버 데이터베이스에 데이터를 저장하는 등</a:t>
+            </a:r>
+            <a:r>
+              <a:rPr lang="en-US" altLang="ko-KR"/>
+              <a:t>) </a:t>
+            </a:r>
+            <a:r>
+              <a:rPr lang="ko-KR" altLang="en-US"/>
+              <a:t>모두를 아우를수 있는 소프트웨어 플랫폼</a:t>
+            </a:r>
+            <a:r>
+              <a:rPr lang="en-US" altLang="ko-KR"/>
+              <a:t>.</a:t>
+            </a:r>
+          </a:p>
+          <a:p>
+            <a:endParaRPr lang="en-US" altLang="ko-KR"/>
+          </a:p>
+          <a:p>
+            <a:r>
+              <a:rPr lang="en-US" altLang="ko-KR"/>
+              <a:t>Web app</a:t>
+            </a:r>
+            <a:r>
+              <a:rPr lang="ko-KR" altLang="en-US"/>
+              <a:t>의 외부 틀은 </a:t>
+            </a:r>
+            <a:r>
+              <a:rPr lang="en-US" altLang="ko-KR"/>
+              <a:t>html-javascript-css</a:t>
+            </a:r>
+            <a:r>
+              <a:rPr lang="ko-KR" altLang="en-US"/>
+              <a:t>로 구현했고 </a:t>
+            </a:r>
+            <a:r>
+              <a:rPr lang="en-US" altLang="ko-KR"/>
+              <a:t>node.js</a:t>
+            </a:r>
+            <a:r>
+              <a:rPr lang="ko-KR" altLang="en-US"/>
+              <a:t>에서 </a:t>
+            </a:r>
+            <a:r>
+              <a:rPr lang="en-US" altLang="ko-KR"/>
+              <a:t>express </a:t>
+            </a:r>
+            <a:r>
+              <a:rPr lang="ko-KR" altLang="en-US"/>
+              <a:t>모듈을 사용해 구축한 서버 위에서 프로그램이 작동한다</a:t>
+            </a:r>
+            <a:r>
+              <a:rPr lang="en-US" altLang="ko-KR"/>
+              <a:t>.</a:t>
+            </a:r>
+          </a:p>
+          <a:p>
+            <a:endParaRPr lang="en-US" altLang="ko-KR"/>
+          </a:p>
+          <a:p>
+            <a:r>
+              <a:rPr lang="ko-KR" altLang="en-US"/>
+              <a:t>또한 </a:t>
+            </a:r>
+            <a:r>
+              <a:rPr lang="en-US" altLang="ko-KR"/>
+              <a:t>node.js</a:t>
+            </a:r>
+            <a:r>
+              <a:rPr lang="ko-KR" altLang="en-US"/>
+              <a:t>의 </a:t>
+            </a:r>
+            <a:r>
+              <a:rPr lang="en-US" altLang="ko-KR"/>
+              <a:t>‘forever’</a:t>
+            </a:r>
+            <a:r>
+              <a:rPr lang="ko-KR" altLang="en-US"/>
+              <a:t>모듈을 사용해</a:t>
+            </a:r>
+            <a:r>
+              <a:rPr lang="en-US" altLang="ko-KR"/>
+              <a:t>, </a:t>
+            </a:r>
+            <a:r>
+              <a:rPr lang="ko-KR" altLang="en-US"/>
+              <a:t>서버에 문제가 생겨 작동이 중지될 경우에 자동으로 서버를 재빌드 하도록 구현했다</a:t>
+            </a:r>
+            <a:r>
+              <a:rPr lang="en-US" altLang="ko-KR"/>
+              <a:t>.</a:t>
+            </a:r>
+            <a:endParaRPr lang="ko-KR" altLang="en-US"/>
+          </a:p>
+          <a:p>
+            <a:endParaRPr lang="en-US" altLang="ko-KR"/>
+          </a:p>
+        </p:txBody>
+      </p:sp>
+      <p:pic>
+        <p:nvPicPr>
+          <p:cNvPr id="8" name="Picture 16" descr="Express.js CMS - #1 Headless CMS for Express | ButterCMS">
+            <a:extLst>
+              <a:ext uri="{FF2B5EF4-FFF2-40B4-BE49-F238E27FC236}">
+                <a16:creationId xmlns:a16="http://schemas.microsoft.com/office/drawing/2014/main" id="{9A82B090-B3FF-4C09-937F-04D022185115}"/>
+              </a:ext>
+            </a:extLst>
+          </p:cNvPr>
+          <p:cNvPicPr>
+            <a:picLocks noChangeAspect="1" noChangeArrowheads="1"/>
+          </p:cNvPicPr>
+          <p:nvPr/>
+        </p:nvPicPr>
+        <p:blipFill>
+          <a:blip r:embed="rId5">
+            <a:extLst>
+              <a:ext uri="{28A0092B-C50C-407E-A947-70E740481C1C}">
+                <a14:useLocalDpi xmlns:a14="http://schemas.microsoft.com/office/drawing/2010/main" val="0"/>
+              </a:ext>
+            </a:extLst>
+          </a:blip>
+          <a:srcRect/>
+          <a:stretch>
+            <a:fillRect/>
+          </a:stretch>
+        </p:blipFill>
+        <p:spPr bwMode="auto">
+          <a:xfrm>
+            <a:off x="3652211" y="2124559"/>
+            <a:ext cx="3344712" cy="913699"/>
+          </a:xfrm>
+          <a:prstGeom prst="rect">
+            <a:avLst/>
+          </a:prstGeom>
+          <a:noFill/>
+          <a:extLst>
+            <a:ext uri="{909E8E84-426E-40DD-AFC4-6F175D3DCCD1}">
+              <a14:hiddenFill xmlns:a14="http://schemas.microsoft.com/office/drawing/2010/main">
+                <a:solidFill>
+                  <a:srgbClr val="FFFFFF"/>
+                </a:solidFill>
+              </a14:hiddenFill>
+            </a:ext>
+          </a:extLst>
+        </p:spPr>
+      </p:pic>
+      <p:pic>
+        <p:nvPicPr>
+          <p:cNvPr id="9" name="Picture 12" descr="Android (@Android) | Twitter">
+            <a:extLst>
+              <a:ext uri="{FF2B5EF4-FFF2-40B4-BE49-F238E27FC236}">
+                <a16:creationId xmlns:a16="http://schemas.microsoft.com/office/drawing/2014/main" id="{BF8E2D6A-AB81-4294-80A7-C3537AE7CD04}"/>
+              </a:ext>
+            </a:extLst>
+          </p:cNvPr>
+          <p:cNvPicPr>
+            <a:picLocks noChangeAspect="1" noChangeArrowheads="1"/>
+          </p:cNvPicPr>
+          <p:nvPr/>
+        </p:nvPicPr>
+        <p:blipFill>
+          <a:blip r:embed="rId6">
+            <a:extLst>
+              <a:ext uri="{28A0092B-C50C-407E-A947-70E740481C1C}">
+                <a14:useLocalDpi xmlns:a14="http://schemas.microsoft.com/office/drawing/2010/main" val="0"/>
+              </a:ext>
+            </a:extLst>
+          </a:blip>
+          <a:srcRect/>
+          <a:stretch>
+            <a:fillRect/>
+          </a:stretch>
+        </p:blipFill>
+        <p:spPr bwMode="auto">
+          <a:xfrm>
+            <a:off x="9802174" y="268345"/>
+            <a:ext cx="1729140" cy="1729140"/>
+          </a:xfrm>
+          <a:prstGeom prst="rect">
+            <a:avLst/>
+          </a:prstGeom>
+          <a:noFill/>
+          <a:extLst>
+            <a:ext uri="{909E8E84-426E-40DD-AFC4-6F175D3DCCD1}">
+              <a14:hiddenFill xmlns:a14="http://schemas.microsoft.com/office/drawing/2010/main">
+                <a:solidFill>
+                  <a:srgbClr val="FFFFFF"/>
+                </a:solidFill>
+              </a14:hiddenFill>
+            </a:ext>
+          </a:extLst>
+        </p:spPr>
+      </p:pic>
+    </p:spTree>
+    <p:extLst>
+      <p:ext uri="{BB962C8B-B14F-4D97-AF65-F5344CB8AC3E}">
+        <p14:creationId xmlns:p14="http://schemas.microsoft.com/office/powerpoint/2010/main" val="2223482171"/>
+      </p:ext>
+    </p:extLst>
+  </p:cSld>
+  <p:clrMapOvr>
+    <a:masterClrMapping/>
+  </p:clrMapOvr>
+</p:sld>
+</file>
+
+<file path=ppt/slides/slide8.xml><?xml version="1.0" encoding="utf-8"?>
+<p:sld xmlns:a="http://schemas.openxmlformats.org/drawingml/2006/main" xmlns:r="http://schemas.openxmlformats.org/officeDocument/2006/relationships" xmlns:p="http://schemas.openxmlformats.org/presentationml/2006/main">
+  <p:cSld>
+    <p:spTree>
+      <p:nvGrpSpPr>
+        <p:cNvPr id="1" name=""/>
+        <p:cNvGrpSpPr/>
+        <p:nvPr/>
+      </p:nvGrpSpPr>
+      <p:grpSpPr>
+        <a:xfrm>
+          <a:off x="0" y="0"/>
+          <a:ext cx="0" cy="0"/>
+          <a:chOff x="0" y="0"/>
+          <a:chExt cx="0" cy="0"/>
+        </a:xfrm>
+      </p:grpSpPr>
+      <p:pic>
+        <p:nvPicPr>
+          <p:cNvPr id="4" name="그림 3">
+            <a:extLst>
+              <a:ext uri="{FF2B5EF4-FFF2-40B4-BE49-F238E27FC236}">
+                <a16:creationId xmlns:a16="http://schemas.microsoft.com/office/drawing/2014/main" id="{8CC33CE6-A2D1-4F03-ACD9-41E19EC051D5}"/>
+              </a:ext>
+            </a:extLst>
+          </p:cNvPr>
+          <p:cNvPicPr>
+            <a:picLocks noChangeAspect="1"/>
+          </p:cNvPicPr>
+          <p:nvPr/>
+        </p:nvPicPr>
+        <p:blipFill>
+          <a:blip r:embed="rId2"/>
+          <a:stretch>
+            <a:fillRect/>
+          </a:stretch>
+        </p:blipFill>
+        <p:spPr>
+          <a:xfrm>
+            <a:off x="987867" y="1949411"/>
+            <a:ext cx="2366524" cy="4363465"/>
+          </a:xfrm>
+          <a:prstGeom prst="rect">
+            <a:avLst/>
+          </a:prstGeom>
+        </p:spPr>
+      </p:pic>
+      <p:pic>
+        <p:nvPicPr>
+          <p:cNvPr id="5" name="그림 4">
+            <a:extLst>
+              <a:ext uri="{FF2B5EF4-FFF2-40B4-BE49-F238E27FC236}">
+                <a16:creationId xmlns:a16="http://schemas.microsoft.com/office/drawing/2014/main" id="{AD8BE744-DCF2-42D9-BF62-24DAA65B03D8}"/>
+              </a:ext>
+            </a:extLst>
+          </p:cNvPr>
+          <p:cNvPicPr>
+            <a:picLocks noChangeAspect="1"/>
+          </p:cNvPicPr>
+          <p:nvPr/>
+        </p:nvPicPr>
+        <p:blipFill>
+          <a:blip r:embed="rId3"/>
+          <a:stretch>
+            <a:fillRect/>
+          </a:stretch>
+        </p:blipFill>
+        <p:spPr>
+          <a:xfrm>
+            <a:off x="1088308" y="304212"/>
+            <a:ext cx="3636887" cy="1371351"/>
+          </a:xfrm>
+          <a:prstGeom prst="rect">
+            <a:avLst/>
+          </a:prstGeom>
+        </p:spPr>
+      </p:pic>
+      <p:sp>
+        <p:nvSpPr>
+          <p:cNvPr id="6" name="TextBox 5">
+            <a:extLst>
+              <a:ext uri="{FF2B5EF4-FFF2-40B4-BE49-F238E27FC236}">
+                <a16:creationId xmlns:a16="http://schemas.microsoft.com/office/drawing/2014/main" id="{E3BA5DAA-8A6A-431C-942D-DC6CB017DB94}"/>
+              </a:ext>
+            </a:extLst>
+          </p:cNvPr>
+          <p:cNvSpPr txBox="1"/>
+          <p:nvPr/>
+        </p:nvSpPr>
+        <p:spPr>
+          <a:xfrm>
+            <a:off x="6429481" y="2424673"/>
+            <a:ext cx="4441457" cy="2031325"/>
+          </a:xfrm>
+          <a:prstGeom prst="rect">
+            <a:avLst/>
+          </a:prstGeom>
+          <a:noFill/>
+        </p:spPr>
+        <p:txBody>
+          <a:bodyPr wrap="square" rtlCol="0">
+            <a:spAutoFit/>
+          </a:bodyPr>
+          <a:lstStyle/>
+          <a:p>
+            <a:r>
+              <a:rPr lang="ko-KR" altLang="en-US"/>
+              <a:t>안드로이드 기반 휴대 기기에 어플을 설치해 회원가입을 진행하면 </a:t>
+            </a:r>
+            <a:r>
+              <a:rPr lang="en-US" altLang="ko-KR"/>
+              <a:t>React native</a:t>
+            </a:r>
+            <a:r>
+              <a:rPr lang="ko-KR" altLang="en-US"/>
+              <a:t>에서 각 기기의 </a:t>
+            </a:r>
+            <a:r>
+              <a:rPr lang="en-US" altLang="ko-KR"/>
+              <a:t>device token </a:t>
+            </a:r>
+            <a:r>
+              <a:rPr lang="ko-KR" altLang="en-US"/>
+              <a:t>값을 읽어 </a:t>
+            </a:r>
+            <a:r>
+              <a:rPr lang="en-US" altLang="ko-KR"/>
+              <a:t>node.js</a:t>
+            </a:r>
+            <a:r>
+              <a:rPr lang="ko-KR" altLang="en-US"/>
+              <a:t>로 전송한다</a:t>
+            </a:r>
+            <a:r>
+              <a:rPr lang="en-US" altLang="ko-KR"/>
+              <a:t>. </a:t>
+            </a:r>
+            <a:r>
+              <a:rPr lang="ko-KR" altLang="en-US"/>
+              <a:t>서버는 </a:t>
+            </a:r>
+            <a:r>
+              <a:rPr lang="en-US" altLang="ko-KR"/>
+              <a:t>user </a:t>
+            </a:r>
+            <a:r>
+              <a:rPr lang="ko-KR" altLang="en-US"/>
+              <a:t>데이터베이스에 사용자</a:t>
+            </a:r>
+            <a:r>
+              <a:rPr lang="en-US" altLang="ko-KR"/>
+              <a:t> </a:t>
+            </a:r>
+            <a:r>
+              <a:rPr lang="ko-KR" altLang="en-US"/>
+              <a:t>데이터와 디바이스 토큰 값을 쌍으로 저장한다</a:t>
+            </a:r>
+            <a:r>
+              <a:rPr lang="en-US" altLang="ko-KR"/>
+              <a:t>. </a:t>
+            </a:r>
+            <a:r>
+              <a:rPr lang="ko-KR" altLang="en-US"/>
+              <a:t>이 토큰 값은 이후 푸시 알림 전송에 사용된다</a:t>
+            </a:r>
+            <a:r>
+              <a:rPr lang="en-US" altLang="ko-KR"/>
+              <a:t>.</a:t>
+            </a:r>
+            <a:endParaRPr lang="ko-KR" altLang="en-US"/>
+          </a:p>
+        </p:txBody>
+      </p:sp>
+      <p:pic>
+        <p:nvPicPr>
+          <p:cNvPr id="7" name="Picture 10" descr="React Native - Origin Apps">
+            <a:extLst>
+              <a:ext uri="{FF2B5EF4-FFF2-40B4-BE49-F238E27FC236}">
+                <a16:creationId xmlns:a16="http://schemas.microsoft.com/office/drawing/2014/main" id="{FF5644FA-1CAD-47CD-A351-28A31E330910}"/>
+              </a:ext>
+            </a:extLst>
+          </p:cNvPr>
+          <p:cNvPicPr>
+            <a:picLocks noChangeAspect="1" noChangeArrowheads="1"/>
+          </p:cNvPicPr>
+          <p:nvPr/>
+        </p:nvPicPr>
+        <p:blipFill>
+          <a:blip r:embed="rId4">
+            <a:extLst>
+              <a:ext uri="{28A0092B-C50C-407E-A947-70E740481C1C}">
+                <a14:useLocalDpi xmlns:a14="http://schemas.microsoft.com/office/drawing/2010/main" val="0"/>
+              </a:ext>
+            </a:extLst>
+          </a:blip>
+          <a:srcRect/>
+          <a:stretch>
+            <a:fillRect/>
+          </a:stretch>
+        </p:blipFill>
+        <p:spPr bwMode="auto">
+          <a:xfrm>
+            <a:off x="3486986" y="2402003"/>
+            <a:ext cx="2275535" cy="1729140"/>
+          </a:xfrm>
+          <a:prstGeom prst="rect">
+            <a:avLst/>
+          </a:prstGeom>
+          <a:noFill/>
+          <a:extLst>
+            <a:ext uri="{909E8E84-426E-40DD-AFC4-6F175D3DCCD1}">
+              <a14:hiddenFill xmlns:a14="http://schemas.microsoft.com/office/drawing/2010/main">
+                <a:solidFill>
+                  <a:srgbClr val="FFFFFF"/>
+                </a:solidFill>
+              </a14:hiddenFill>
+            </a:ext>
+          </a:extLst>
+        </p:spPr>
+      </p:pic>
+      <p:pic>
+        <p:nvPicPr>
+          <p:cNvPr id="8" name="Picture 2" descr="Node.js - Wikipedia">
+            <a:extLst>
+              <a:ext uri="{FF2B5EF4-FFF2-40B4-BE49-F238E27FC236}">
+                <a16:creationId xmlns:a16="http://schemas.microsoft.com/office/drawing/2014/main" id="{EFB6A5AD-EA41-431E-A5E9-973C43E7E9DC}"/>
+              </a:ext>
+            </a:extLst>
+          </p:cNvPr>
+          <p:cNvPicPr>
+            <a:picLocks noChangeAspect="1" noChangeArrowheads="1"/>
+          </p:cNvPicPr>
+          <p:nvPr/>
+        </p:nvPicPr>
+        <p:blipFill>
+          <a:blip r:embed="rId5">
+            <a:extLst>
+              <a:ext uri="{28A0092B-C50C-407E-A947-70E740481C1C}">
+                <a14:useLocalDpi xmlns:a14="http://schemas.microsoft.com/office/drawing/2010/main" val="0"/>
+              </a:ext>
+            </a:extLst>
+          </a:blip>
+          <a:srcRect/>
+          <a:stretch>
+            <a:fillRect/>
+          </a:stretch>
+        </p:blipFill>
+        <p:spPr bwMode="auto">
+          <a:xfrm>
+            <a:off x="6096000" y="949123"/>
+            <a:ext cx="2375392" cy="1452880"/>
+          </a:xfrm>
+          <a:prstGeom prst="rect">
+            <a:avLst/>
+          </a:prstGeom>
+          <a:noFill/>
+          <a:extLst>
+            <a:ext uri="{909E8E84-426E-40DD-AFC4-6F175D3DCCD1}">
+              <a14:hiddenFill xmlns:a14="http://schemas.microsoft.com/office/drawing/2010/main">
+                <a:solidFill>
+                  <a:srgbClr val="FFFFFF"/>
+                </a:solidFill>
+              </a14:hiddenFill>
+            </a:ext>
+          </a:extLst>
+        </p:spPr>
+      </p:pic>
+      <p:sp>
+        <p:nvSpPr>
+          <p:cNvPr id="9" name="TextBox 8">
+            <a:extLst>
+              <a:ext uri="{FF2B5EF4-FFF2-40B4-BE49-F238E27FC236}">
+                <a16:creationId xmlns:a16="http://schemas.microsoft.com/office/drawing/2014/main" id="{41CBD00A-F6A2-46D8-8D51-2F2D6DC23A16}"/>
+              </a:ext>
+            </a:extLst>
+          </p:cNvPr>
+          <p:cNvSpPr txBox="1"/>
+          <p:nvPr/>
+        </p:nvSpPr>
+        <p:spPr>
+          <a:xfrm>
+            <a:off x="5134708" y="4941277"/>
+            <a:ext cx="6069425" cy="1200329"/>
+          </a:xfrm>
+          <a:prstGeom prst="rect">
+            <a:avLst/>
+          </a:prstGeom>
+          <a:noFill/>
+        </p:spPr>
+        <p:txBody>
+          <a:bodyPr wrap="square" rtlCol="0">
+            <a:spAutoFit/>
+          </a:bodyPr>
+          <a:lstStyle/>
+          <a:p>
+            <a:r>
+              <a:rPr lang="ko-KR" altLang="en-US"/>
+              <a:t>회원가입시 사용자가 입력한 비밀번호는 문자열 그대로 </a:t>
+            </a:r>
+            <a:r>
+              <a:rPr lang="en-US" altLang="ko-KR"/>
+              <a:t>DB </a:t>
+            </a:r>
+            <a:r>
+              <a:rPr lang="ko-KR" altLang="en-US"/>
+              <a:t>저장시 보안상 취약점이 생기기 때문에 </a:t>
+            </a:r>
+            <a:r>
+              <a:rPr lang="en-US" altLang="ko-KR"/>
+              <a:t>node.js</a:t>
+            </a:r>
+            <a:r>
+              <a:rPr lang="ko-KR" altLang="en-US"/>
+              <a:t>의 </a:t>
+            </a:r>
+            <a:r>
+              <a:rPr lang="en-US" altLang="ko-KR"/>
+              <a:t>‘crypto’ </a:t>
+            </a:r>
+            <a:r>
+              <a:rPr lang="ko-KR" altLang="en-US"/>
+              <a:t>모듈을 사용해 입력받은 비밀번호 문자열을 암호화 한 값으로 </a:t>
+            </a:r>
+            <a:r>
+              <a:rPr lang="en-US" altLang="ko-KR"/>
+              <a:t>db</a:t>
+            </a:r>
+            <a:r>
+              <a:rPr lang="ko-KR" altLang="en-US"/>
+              <a:t>에 저장한다 </a:t>
+            </a:r>
+          </a:p>
+        </p:txBody>
+      </p:sp>
+    </p:spTree>
+    <p:extLst>
+      <p:ext uri="{BB962C8B-B14F-4D97-AF65-F5344CB8AC3E}">
+        <p14:creationId xmlns:p14="http://schemas.microsoft.com/office/powerpoint/2010/main" val="3015188358"/>
+      </p:ext>
+    </p:extLst>
+  </p:cSld>
+  <p:clrMapOvr>
+    <a:masterClrMapping/>
+  </p:clrMapOvr>
+</p:sld>
+</file>
+
+<file path=ppt/slides/slide9.xml><?xml version="1.0" encoding="utf-8"?>
+<p:sld xmlns:a="http://schemas.openxmlformats.org/drawingml/2006/main" xmlns:r="http://schemas.openxmlformats.org/officeDocument/2006/relationships" xmlns:p="http://schemas.openxmlformats.org/presentationml/2006/main">
+  <p:cSld>
+    <p:spTree>
+      <p:nvGrpSpPr>
+        <p:cNvPr id="1" name=""/>
+        <p:cNvGrpSpPr/>
+        <p:nvPr/>
+      </p:nvGrpSpPr>
+      <p:grpSpPr>
+        <a:xfrm>
+          <a:off x="0" y="0"/>
+          <a:ext cx="0" cy="0"/>
+          <a:chOff x="0" y="0"/>
+          <a:chExt cx="0" cy="0"/>
+        </a:xfrm>
+      </p:grpSpPr>
+      <p:pic>
+        <p:nvPicPr>
+          <p:cNvPr id="2052" name="Picture 4" descr="Download Free png person Outline Icon - DLPNG.com">
+            <a:extLst>
+              <a:ext uri="{FF2B5EF4-FFF2-40B4-BE49-F238E27FC236}">
+                <a16:creationId xmlns:a16="http://schemas.microsoft.com/office/drawing/2014/main" id="{937DFB99-F685-49E8-BEBD-3B583EE3E475}"/>
+              </a:ext>
+            </a:extLst>
+          </p:cNvPr>
+          <p:cNvPicPr>
+            <a:picLocks noChangeAspect="1" noChangeArrowheads="1"/>
+          </p:cNvPicPr>
+          <p:nvPr/>
+        </p:nvPicPr>
+        <p:blipFill>
+          <a:blip r:embed="rId3">
+            <a:extLst>
+              <a:ext uri="{28A0092B-C50C-407E-A947-70E740481C1C}">
+                <a14:useLocalDpi xmlns:a14="http://schemas.microsoft.com/office/drawing/2010/main" val="0"/>
+              </a:ext>
+            </a:extLst>
+          </a:blip>
+          <a:srcRect/>
+          <a:stretch>
+            <a:fillRect/>
+          </a:stretch>
+        </p:blipFill>
+        <p:spPr bwMode="auto">
+          <a:xfrm>
+            <a:off x="196945" y="3136807"/>
+            <a:ext cx="2164080" cy="2164080"/>
+          </a:xfrm>
+          <a:prstGeom prst="rect">
+            <a:avLst/>
+          </a:prstGeom>
+          <a:noFill/>
+          <a:extLst>
+            <a:ext uri="{909E8E84-426E-40DD-AFC4-6F175D3DCCD1}">
+              <a14:hiddenFill xmlns:a14="http://schemas.microsoft.com/office/drawing/2010/main">
+                <a:solidFill>
+                  <a:srgbClr val="FFFFFF"/>
+                </a:solidFill>
+              </a14:hiddenFill>
+            </a:ext>
+          </a:extLst>
+        </p:spPr>
+      </p:pic>
+      <p:pic>
+        <p:nvPicPr>
+          <p:cNvPr id="6" name="Picture 4" descr="Download Free png person Outline Icon - DLPNG.com">
+            <a:extLst>
+              <a:ext uri="{FF2B5EF4-FFF2-40B4-BE49-F238E27FC236}">
+                <a16:creationId xmlns:a16="http://schemas.microsoft.com/office/drawing/2014/main" id="{3A24524B-4643-4FDA-A38B-4644E1A4624A}"/>
+              </a:ext>
+            </a:extLst>
+          </p:cNvPr>
+          <p:cNvPicPr>
+            <a:picLocks noChangeAspect="1" noChangeArrowheads="1"/>
+          </p:cNvPicPr>
+          <p:nvPr/>
+        </p:nvPicPr>
+        <p:blipFill>
+          <a:blip r:embed="rId3">
+            <a:extLst>
+              <a:ext uri="{28A0092B-C50C-407E-A947-70E740481C1C}">
+                <a14:useLocalDpi xmlns:a14="http://schemas.microsoft.com/office/drawing/2010/main" val="0"/>
+              </a:ext>
+            </a:extLst>
+          </a:blip>
+          <a:srcRect/>
+          <a:stretch>
+            <a:fillRect/>
+          </a:stretch>
+        </p:blipFill>
+        <p:spPr bwMode="auto">
+          <a:xfrm>
+            <a:off x="10192942" y="3107086"/>
+            <a:ext cx="2164080" cy="2164080"/>
+          </a:xfrm>
+          <a:prstGeom prst="rect">
+            <a:avLst/>
+          </a:prstGeom>
+          <a:noFill/>
+          <a:extLst>
+            <a:ext uri="{909E8E84-426E-40DD-AFC4-6F175D3DCCD1}">
+              <a14:hiddenFill xmlns:a14="http://schemas.microsoft.com/office/drawing/2010/main">
+                <a:solidFill>
+                  <a:srgbClr val="FFFFFF"/>
+                </a:solidFill>
+              </a14:hiddenFill>
+            </a:ext>
+          </a:extLst>
+        </p:spPr>
+      </p:pic>
+      <p:sp>
+        <p:nvSpPr>
+          <p:cNvPr id="4" name="TextBox 3">
+            <a:extLst>
+              <a:ext uri="{FF2B5EF4-FFF2-40B4-BE49-F238E27FC236}">
+                <a16:creationId xmlns:a16="http://schemas.microsoft.com/office/drawing/2014/main" id="{F4A5837E-F16A-436B-910B-08F65CB6F477}"/>
+              </a:ext>
+            </a:extLst>
+          </p:cNvPr>
+          <p:cNvSpPr txBox="1"/>
+          <p:nvPr/>
+        </p:nvSpPr>
+        <p:spPr>
+          <a:xfrm>
+            <a:off x="910114" y="5166061"/>
+            <a:ext cx="646331" cy="369332"/>
+          </a:xfrm>
+          <a:prstGeom prst="rect">
+            <a:avLst/>
+          </a:prstGeom>
+          <a:noFill/>
+        </p:spPr>
+        <p:txBody>
+          <a:bodyPr wrap="none" rtlCol="0">
+            <a:spAutoFit/>
+          </a:bodyPr>
+          <a:lstStyle/>
+          <a:p>
+            <a:r>
+              <a:rPr lang="ko-KR" altLang="en-US"/>
+              <a:t>기사</a:t>
+            </a:r>
+          </a:p>
+        </p:txBody>
+      </p:sp>
+      <p:sp>
+        <p:nvSpPr>
+          <p:cNvPr id="8" name="TextBox 7">
+            <a:extLst>
+              <a:ext uri="{FF2B5EF4-FFF2-40B4-BE49-F238E27FC236}">
+                <a16:creationId xmlns:a16="http://schemas.microsoft.com/office/drawing/2014/main" id="{0D723972-5ABF-49B6-8868-9854ADCD269C}"/>
+              </a:ext>
+            </a:extLst>
+          </p:cNvPr>
+          <p:cNvSpPr txBox="1"/>
+          <p:nvPr/>
+        </p:nvSpPr>
+        <p:spPr>
+          <a:xfrm>
+            <a:off x="10951819" y="5223863"/>
+            <a:ext cx="646331" cy="369332"/>
+          </a:xfrm>
+          <a:prstGeom prst="rect">
+            <a:avLst/>
+          </a:prstGeom>
+          <a:noFill/>
+        </p:spPr>
+        <p:txBody>
+          <a:bodyPr wrap="none" rtlCol="0">
+            <a:spAutoFit/>
+          </a:bodyPr>
+          <a:lstStyle/>
+          <a:p>
+            <a:r>
+              <a:rPr lang="ko-KR" altLang="en-US"/>
+              <a:t>반장</a:t>
+            </a:r>
+          </a:p>
+        </p:txBody>
+      </p:sp>
+      <p:sp>
+        <p:nvSpPr>
+          <p:cNvPr id="11" name="TextBox 10">
+            <a:extLst>
+              <a:ext uri="{FF2B5EF4-FFF2-40B4-BE49-F238E27FC236}">
+                <a16:creationId xmlns:a16="http://schemas.microsoft.com/office/drawing/2014/main" id="{F29961DE-FF9E-402B-93E1-52D92A67B11E}"/>
+              </a:ext>
+            </a:extLst>
+          </p:cNvPr>
+          <p:cNvSpPr txBox="1"/>
+          <p:nvPr/>
+        </p:nvSpPr>
+        <p:spPr>
+          <a:xfrm>
+            <a:off x="646232" y="2850031"/>
+            <a:ext cx="1530334" cy="369332"/>
+          </a:xfrm>
+          <a:prstGeom prst="rect">
+            <a:avLst/>
+          </a:prstGeom>
+          <a:noFill/>
+        </p:spPr>
+        <p:txBody>
+          <a:bodyPr wrap="square" rtlCol="0">
+            <a:spAutoFit/>
+          </a:bodyPr>
+          <a:lstStyle/>
+          <a:p>
+            <a:r>
+              <a:rPr lang="en-US" altLang="ko-KR"/>
+              <a:t>Front-End</a:t>
+            </a:r>
+            <a:endParaRPr lang="ko-KR" altLang="en-US"/>
+          </a:p>
+        </p:txBody>
+      </p:sp>
+      <p:pic>
+        <p:nvPicPr>
+          <p:cNvPr id="16" name="그림 15">
+            <a:extLst>
+              <a:ext uri="{FF2B5EF4-FFF2-40B4-BE49-F238E27FC236}">
+                <a16:creationId xmlns:a16="http://schemas.microsoft.com/office/drawing/2014/main" id="{E43E479F-E138-4956-A5A2-AEA382E0D678}"/>
+              </a:ext>
+            </a:extLst>
+          </p:cNvPr>
+          <p:cNvPicPr>
+            <a:picLocks noChangeAspect="1"/>
+          </p:cNvPicPr>
+          <p:nvPr/>
+        </p:nvPicPr>
+        <p:blipFill>
+          <a:blip r:embed="rId4"/>
+          <a:stretch>
+            <a:fillRect/>
+          </a:stretch>
+        </p:blipFill>
+        <p:spPr>
+          <a:xfrm>
+            <a:off x="2230878" y="3086967"/>
+            <a:ext cx="1723311" cy="3289550"/>
+          </a:xfrm>
+          <a:prstGeom prst="rect">
+            <a:avLst/>
+          </a:prstGeom>
+        </p:spPr>
+      </p:pic>
+      <p:pic>
+        <p:nvPicPr>
+          <p:cNvPr id="18" name="Picture 18" descr="The Firebase Blog: Firebase expands to become a unified app platform">
+            <a:extLst>
+              <a:ext uri="{FF2B5EF4-FFF2-40B4-BE49-F238E27FC236}">
+                <a16:creationId xmlns:a16="http://schemas.microsoft.com/office/drawing/2014/main" id="{5D7F6F04-4CD6-43D1-86CD-6E98E4337F10}"/>
+              </a:ext>
+            </a:extLst>
+          </p:cNvPr>
+          <p:cNvPicPr>
+            <a:picLocks noChangeAspect="1" noChangeArrowheads="1"/>
+          </p:cNvPicPr>
+          <p:nvPr/>
+        </p:nvPicPr>
+        <p:blipFill>
+          <a:blip r:embed="rId5">
+            <a:extLst>
+              <a:ext uri="{28A0092B-C50C-407E-A947-70E740481C1C}">
+                <a14:useLocalDpi xmlns:a14="http://schemas.microsoft.com/office/drawing/2010/main" val="0"/>
+              </a:ext>
+            </a:extLst>
+          </a:blip>
+          <a:srcRect/>
+          <a:stretch>
+            <a:fillRect/>
+          </a:stretch>
+        </p:blipFill>
+        <p:spPr bwMode="auto">
+          <a:xfrm>
+            <a:off x="7807700" y="1264175"/>
+            <a:ext cx="2252726" cy="1154522"/>
+          </a:xfrm>
+          <a:prstGeom prst="rect">
+            <a:avLst/>
+          </a:prstGeom>
+          <a:noFill/>
+          <a:extLst>
+            <a:ext uri="{909E8E84-426E-40DD-AFC4-6F175D3DCCD1}">
+              <a14:hiddenFill xmlns:a14="http://schemas.microsoft.com/office/drawing/2010/main">
+                <a:solidFill>
+                  <a:srgbClr val="FFFFFF"/>
+                </a:solidFill>
+              </a14:hiddenFill>
+            </a:ext>
+          </a:extLst>
+        </p:spPr>
+      </p:pic>
+      <p:pic>
+        <p:nvPicPr>
+          <p:cNvPr id="19" name="Picture 2" descr="Node.js - Wikipedia">
+            <a:extLst>
+              <a:ext uri="{FF2B5EF4-FFF2-40B4-BE49-F238E27FC236}">
+                <a16:creationId xmlns:a16="http://schemas.microsoft.com/office/drawing/2014/main" id="{4505D3C5-F773-4644-B2B8-C42CB53EC22C}"/>
+              </a:ext>
+            </a:extLst>
+          </p:cNvPr>
+          <p:cNvPicPr>
+            <a:picLocks noChangeAspect="1" noChangeArrowheads="1"/>
+          </p:cNvPicPr>
+          <p:nvPr/>
+        </p:nvPicPr>
+        <p:blipFill>
+          <a:blip r:embed="rId6">
+            <a:extLst>
+              <a:ext uri="{28A0092B-C50C-407E-A947-70E740481C1C}">
+                <a14:useLocalDpi xmlns:a14="http://schemas.microsoft.com/office/drawing/2010/main" val="0"/>
+              </a:ext>
+            </a:extLst>
+          </a:blip>
+          <a:srcRect/>
+          <a:stretch>
+            <a:fillRect/>
+          </a:stretch>
+        </p:blipFill>
+        <p:spPr bwMode="auto">
+          <a:xfrm>
+            <a:off x="3627782" y="1380188"/>
+            <a:ext cx="1430943" cy="875219"/>
+          </a:xfrm>
+          <a:prstGeom prst="rect">
+            <a:avLst/>
+          </a:prstGeom>
+          <a:noFill/>
+          <a:extLst>
+            <a:ext uri="{909E8E84-426E-40DD-AFC4-6F175D3DCCD1}">
+              <a14:hiddenFill xmlns:a14="http://schemas.microsoft.com/office/drawing/2010/main">
+                <a:solidFill>
+                  <a:srgbClr val="FFFFFF"/>
+                </a:solidFill>
+              </a14:hiddenFill>
+            </a:ext>
+          </a:extLst>
+        </p:spPr>
+      </p:pic>
+      <p:pic>
+        <p:nvPicPr>
+          <p:cNvPr id="13" name="그림 12">
+            <a:extLst>
+              <a:ext uri="{FF2B5EF4-FFF2-40B4-BE49-F238E27FC236}">
+                <a16:creationId xmlns:a16="http://schemas.microsoft.com/office/drawing/2014/main" id="{CD37B80A-B0E2-40BF-BC68-AB9308F467DB}"/>
+              </a:ext>
+            </a:extLst>
+          </p:cNvPr>
+          <p:cNvPicPr>
+            <a:picLocks noChangeAspect="1"/>
+          </p:cNvPicPr>
+          <p:nvPr/>
+        </p:nvPicPr>
+        <p:blipFill>
+          <a:blip r:embed="rId7">
+            <a:extLst>
+              <a:ext uri="{BEBA8EAE-BF5A-486C-A8C5-ECC9F3942E4B}">
+                <a14:imgProps xmlns:a14="http://schemas.microsoft.com/office/drawing/2010/main">
+                  <a14:imgLayer r:embed="rId8">
+                    <a14:imgEffect>
+                      <a14:sharpenSoften amount="50000"/>
+                    </a14:imgEffect>
+                    <a14:imgEffect>
+                      <a14:brightnessContrast bright="20000" contrast="-20000"/>
+                    </a14:imgEffect>
+                  </a14:imgLayer>
+                </a14:imgProps>
+              </a:ext>
+            </a:extLst>
+          </a:blip>
+          <a:stretch>
+            <a:fillRect/>
+          </a:stretch>
+        </p:blipFill>
+        <p:spPr>
+          <a:xfrm>
+            <a:off x="7373835" y="3136810"/>
+            <a:ext cx="2827391" cy="2715539"/>
+          </a:xfrm>
+          <a:prstGeom prst="roundRect">
+            <a:avLst>
+              <a:gd name="adj" fmla="val 16667"/>
+            </a:avLst>
+          </a:prstGeom>
+          <a:ln>
+            <a:noFill/>
+          </a:ln>
+          <a:effectLst>
+            <a:outerShdw blurRad="152400" dist="12000" dir="900000" sy="98000" kx="110000" ky="200000" algn="tl" rotWithShape="0">
+              <a:srgbClr val="000000">
+                <a:alpha val="30000"/>
+              </a:srgbClr>
+            </a:outerShdw>
+          </a:effectLst>
+          <a:scene3d>
+            <a:camera prst="perspectiveRelaxed">
+              <a:rot lat="19800000" lon="1200000" rev="20820000"/>
+            </a:camera>
+            <a:lightRig rig="threePt" dir="t"/>
+          </a:scene3d>
+          <a:sp3d contourW="6350" prstMaterial="matte">
+            <a:bevelT w="101600" h="101600"/>
+            <a:contourClr>
+              <a:srgbClr val="969696"/>
+            </a:contourClr>
+          </a:sp3d>
+        </p:spPr>
+      </p:pic>
+      <p:sp>
+        <p:nvSpPr>
+          <p:cNvPr id="14" name="TextBox 13">
+            <a:extLst>
+              <a:ext uri="{FF2B5EF4-FFF2-40B4-BE49-F238E27FC236}">
+                <a16:creationId xmlns:a16="http://schemas.microsoft.com/office/drawing/2014/main" id="{42DF2AD2-066D-4F57-ACCE-78E37E52186B}"/>
+              </a:ext>
+            </a:extLst>
+          </p:cNvPr>
+          <p:cNvSpPr txBox="1"/>
+          <p:nvPr/>
+        </p:nvSpPr>
+        <p:spPr>
+          <a:xfrm>
+            <a:off x="307219" y="260802"/>
+            <a:ext cx="3955065" cy="523220"/>
+          </a:xfrm>
+          <a:prstGeom prst="rect">
+            <a:avLst/>
+          </a:prstGeom>
+          <a:noFill/>
+        </p:spPr>
+        <p:txBody>
+          <a:bodyPr wrap="square" rtlCol="0">
+            <a:spAutoFit/>
+          </a:bodyPr>
+          <a:lstStyle/>
+          <a:p>
+            <a:r>
+              <a:rPr lang="en-US" altLang="ko-KR" sz="2800"/>
+              <a:t>Push notification </a:t>
+            </a:r>
+            <a:r>
+              <a:rPr lang="ko-KR" altLang="en-US" sz="2800"/>
+              <a:t>기능</a:t>
+            </a:r>
+          </a:p>
+        </p:txBody>
+      </p:sp>
+      <p:pic>
+        <p:nvPicPr>
+          <p:cNvPr id="2060" name="Picture 12" descr="오른쪽 화살표 무료 아이콘 의 Miu Icons">
+            <a:extLst>
+              <a:ext uri="{FF2B5EF4-FFF2-40B4-BE49-F238E27FC236}">
+                <a16:creationId xmlns:a16="http://schemas.microsoft.com/office/drawing/2014/main" id="{0723552E-824C-4373-816E-86176799BCA1}"/>
+              </a:ext>
+            </a:extLst>
+          </p:cNvPr>
+          <p:cNvPicPr>
+            <a:picLocks noChangeAspect="1" noChangeArrowheads="1"/>
+          </p:cNvPicPr>
+          <p:nvPr/>
+        </p:nvPicPr>
+        <p:blipFill>
+          <a:blip r:embed="rId9">
+            <a:extLst>
+              <a:ext uri="{28A0092B-C50C-407E-A947-70E740481C1C}">
+                <a14:useLocalDpi xmlns:a14="http://schemas.microsoft.com/office/drawing/2010/main" val="0"/>
+              </a:ext>
+            </a:extLst>
+          </a:blip>
+          <a:srcRect/>
+          <a:stretch>
+            <a:fillRect/>
+          </a:stretch>
+        </p:blipFill>
+        <p:spPr bwMode="auto">
+          <a:xfrm rot="9911878" flipH="1">
+            <a:off x="1843547" y="1685549"/>
+            <a:ext cx="1216033" cy="1022528"/>
+          </a:xfrm>
+          <a:prstGeom prst="rect">
+            <a:avLst/>
+          </a:prstGeom>
+          <a:extLst>
+            <a:ext uri="{909E8E84-426E-40DD-AFC4-6F175D3DCCD1}">
+              <a14:hiddenFill xmlns:a14="http://schemas.microsoft.com/office/drawing/2010/main">
+                <a:solidFill>
+                  <a:srgbClr val="FFFFFF"/>
+                </a:solidFill>
+              </a14:hiddenFill>
+            </a:ext>
+          </a:extLst>
+        </p:spPr>
+      </p:pic>
+      <p:pic>
+        <p:nvPicPr>
+          <p:cNvPr id="37" name="Picture 12" descr="오른쪽 화살표 무료 아이콘 의 Miu Icons">
+            <a:extLst>
+              <a:ext uri="{FF2B5EF4-FFF2-40B4-BE49-F238E27FC236}">
+                <a16:creationId xmlns:a16="http://schemas.microsoft.com/office/drawing/2014/main" id="{1EB1741E-4485-4DB5-80FA-5AA33DE3B382}"/>
+              </a:ext>
+            </a:extLst>
+          </p:cNvPr>
+          <p:cNvPicPr>
+            <a:picLocks noChangeAspect="1" noChangeArrowheads="1"/>
+          </p:cNvPicPr>
+          <p:nvPr/>
+        </p:nvPicPr>
+        <p:blipFill>
+          <a:blip r:embed="rId9">
+            <a:extLst>
+              <a:ext uri="{28A0092B-C50C-407E-A947-70E740481C1C}">
+                <a14:useLocalDpi xmlns:a14="http://schemas.microsoft.com/office/drawing/2010/main" val="0"/>
+              </a:ext>
+            </a:extLst>
+          </a:blip>
+          <a:srcRect/>
+          <a:stretch>
+            <a:fillRect/>
+          </a:stretch>
+        </p:blipFill>
+        <p:spPr bwMode="auto">
+          <a:xfrm rot="14639840" flipH="1">
+            <a:off x="10157221" y="1832354"/>
+            <a:ext cx="1216033" cy="1090793"/>
+          </a:xfrm>
+          <a:prstGeom prst="rect">
+            <a:avLst/>
+          </a:prstGeom>
+          <a:extLst>
+            <a:ext uri="{909E8E84-426E-40DD-AFC4-6F175D3DCCD1}">
+              <a14:hiddenFill xmlns:a14="http://schemas.microsoft.com/office/drawing/2010/main">
+                <a:solidFill>
+                  <a:srgbClr val="FFFFFF"/>
+                </a:solidFill>
+              </a14:hiddenFill>
+            </a:ext>
+          </a:extLst>
+        </p:spPr>
+      </p:pic>
+      <p:sp>
+        <p:nvSpPr>
+          <p:cNvPr id="31" name="TextBox 30">
+            <a:extLst>
+              <a:ext uri="{FF2B5EF4-FFF2-40B4-BE49-F238E27FC236}">
+                <a16:creationId xmlns:a16="http://schemas.microsoft.com/office/drawing/2014/main" id="{39C97491-CDA4-4A55-AA1A-40409C605909}"/>
+              </a:ext>
+            </a:extLst>
+          </p:cNvPr>
+          <p:cNvSpPr txBox="1"/>
+          <p:nvPr/>
+        </p:nvSpPr>
+        <p:spPr>
+          <a:xfrm>
+            <a:off x="5274321" y="1624153"/>
+            <a:ext cx="2697842" cy="2031325"/>
+          </a:xfrm>
+          <a:prstGeom prst="rect">
+            <a:avLst/>
+          </a:prstGeom>
+          <a:noFill/>
+        </p:spPr>
+        <p:txBody>
+          <a:bodyPr wrap="square" rtlCol="0">
+            <a:spAutoFit/>
+          </a:bodyPr>
+          <a:lstStyle/>
+          <a:p>
+            <a:r>
+              <a:rPr lang="ko-KR" altLang="en-US"/>
+              <a:t>회원 유형이 </a:t>
+            </a:r>
+            <a:r>
+              <a:rPr lang="en-US" altLang="ko-KR"/>
+              <a:t>‘</a:t>
+            </a:r>
+            <a:r>
+              <a:rPr lang="ko-KR" altLang="en-US"/>
+              <a:t>반장</a:t>
+            </a:r>
+            <a:r>
+              <a:rPr lang="en-US" altLang="ko-KR"/>
+              <a:t>’</a:t>
+            </a:r>
+            <a:r>
+              <a:rPr lang="ko-KR" altLang="en-US"/>
+              <a:t>인 사용자들의 기기로 알림 메시지 전송 </a:t>
+            </a:r>
+            <a:r>
+              <a:rPr lang="en-US" altLang="ko-KR"/>
+              <a:t>( </a:t>
+            </a:r>
+            <a:r>
+              <a:rPr lang="ko-KR" altLang="en-US"/>
+              <a:t>구글 파이어베이스 서버로 알림을 보낼 기기들의 디바이스 토큰 값과 메시지 내용을 함께 전송한다</a:t>
+            </a:r>
+            <a:r>
+              <a:rPr lang="en-US" altLang="ko-KR"/>
+              <a:t>)</a:t>
+            </a:r>
+            <a:endParaRPr lang="ko-KR" altLang="en-US"/>
+          </a:p>
+        </p:txBody>
+      </p:sp>
+      <p:sp>
+        <p:nvSpPr>
+          <p:cNvPr id="2048" name="TextBox 2047">
+            <a:extLst>
+              <a:ext uri="{FF2B5EF4-FFF2-40B4-BE49-F238E27FC236}">
+                <a16:creationId xmlns:a16="http://schemas.microsoft.com/office/drawing/2014/main" id="{F94AC710-414E-41F2-AA98-6C7B1AD6447C}"/>
+              </a:ext>
+            </a:extLst>
+          </p:cNvPr>
+          <p:cNvSpPr txBox="1"/>
+          <p:nvPr/>
+        </p:nvSpPr>
+        <p:spPr>
+          <a:xfrm>
+            <a:off x="799935" y="1397415"/>
+            <a:ext cx="1430943" cy="646331"/>
+          </a:xfrm>
+          <a:prstGeom prst="rect">
+            <a:avLst/>
+          </a:prstGeom>
+          <a:noFill/>
+        </p:spPr>
+        <p:txBody>
+          <a:bodyPr wrap="square" rtlCol="0">
+            <a:spAutoFit/>
+          </a:bodyPr>
+          <a:lstStyle/>
+          <a:p>
+            <a:r>
+              <a:rPr lang="ko-KR" altLang="en-US"/>
+              <a:t>새로운</a:t>
+            </a:r>
+            <a:endParaRPr lang="en-US" altLang="ko-KR"/>
+          </a:p>
+          <a:p>
+            <a:r>
+              <a:rPr lang="ko-KR" altLang="en-US"/>
+              <a:t>하자 등록</a:t>
+            </a:r>
+          </a:p>
+        </p:txBody>
+      </p:sp>
+      <p:sp>
+        <p:nvSpPr>
+          <p:cNvPr id="2049" name="TextBox 2048">
+            <a:extLst>
+              <a:ext uri="{FF2B5EF4-FFF2-40B4-BE49-F238E27FC236}">
+                <a16:creationId xmlns:a16="http://schemas.microsoft.com/office/drawing/2014/main" id="{E31DD107-257A-4599-9C79-082C849B8F48}"/>
+              </a:ext>
+            </a:extLst>
+          </p:cNvPr>
+          <p:cNvSpPr txBox="1"/>
+          <p:nvPr/>
+        </p:nvSpPr>
+        <p:spPr>
+          <a:xfrm>
+            <a:off x="4810120" y="156179"/>
+            <a:ext cx="7217757" cy="1477328"/>
+          </a:xfrm>
+          <a:prstGeom prst="rect">
+            <a:avLst/>
+          </a:prstGeom>
+          <a:noFill/>
+        </p:spPr>
+        <p:txBody>
+          <a:bodyPr wrap="square" rtlCol="0">
+            <a:spAutoFit/>
+          </a:bodyPr>
+          <a:lstStyle/>
+          <a:p>
+            <a:r>
+              <a:rPr lang="en-US" altLang="ko-KR"/>
+              <a:t>Firebase: </a:t>
+            </a:r>
+            <a:r>
+              <a:rPr lang="ko-KR" altLang="en-US"/>
+              <a:t>구글에서 개발한 웹과 모바일 개발에 필요한 기능을 제공하는 통합 앱 플랫폼</a:t>
+            </a:r>
+            <a:r>
+              <a:rPr lang="en-US" altLang="ko-KR"/>
+              <a:t>. </a:t>
+            </a:r>
+            <a:r>
+              <a:rPr lang="ko-KR" altLang="en-US"/>
+              <a:t>푸시 알림에는 파이어 베이스의 </a:t>
+            </a:r>
+            <a:r>
+              <a:rPr lang="en-US" altLang="ko-KR"/>
+              <a:t>‘</a:t>
+            </a:r>
+            <a:r>
+              <a:rPr lang="ko-KR" altLang="en-US"/>
+              <a:t>클라우드 메시징＇기능이 사용되었다</a:t>
+            </a:r>
+            <a:r>
+              <a:rPr lang="en-US" altLang="ko-KR"/>
+              <a:t>. (FCM : Firebase Cloud Messaging)</a:t>
+            </a:r>
+          </a:p>
+          <a:p>
+            <a:r>
+              <a:rPr lang="en-US" altLang="ko-KR"/>
+              <a:t>FCM: </a:t>
+            </a:r>
+            <a:r>
+              <a:rPr lang="ko-KR" altLang="en-US"/>
+              <a:t>사용자에게 메시지와 알림을 무료로 보내주는 서비스</a:t>
+            </a:r>
+            <a:endParaRPr lang="en-US" altLang="ko-KR"/>
+          </a:p>
+          <a:p>
+            <a:endParaRPr lang="ko-KR" altLang="en-US"/>
+          </a:p>
+        </p:txBody>
+      </p:sp>
+      <p:sp>
+        <p:nvSpPr>
+          <p:cNvPr id="2053" name="TextBox 2052">
+            <a:extLst>
+              <a:ext uri="{FF2B5EF4-FFF2-40B4-BE49-F238E27FC236}">
+                <a16:creationId xmlns:a16="http://schemas.microsoft.com/office/drawing/2014/main" id="{2BB2F4A3-77F0-45FB-9FF6-AE0F07608967}"/>
+              </a:ext>
+            </a:extLst>
+          </p:cNvPr>
+          <p:cNvSpPr txBox="1"/>
+          <p:nvPr/>
+        </p:nvSpPr>
+        <p:spPr>
+          <a:xfrm>
+            <a:off x="4079779" y="5778491"/>
+            <a:ext cx="4158034" cy="923330"/>
+          </a:xfrm>
+          <a:prstGeom prst="rect">
+            <a:avLst/>
+          </a:prstGeom>
+          <a:noFill/>
+        </p:spPr>
+        <p:txBody>
+          <a:bodyPr wrap="square" rtlCol="0">
+            <a:spAutoFit/>
+          </a:bodyPr>
+          <a:lstStyle/>
+          <a:p>
+            <a:r>
+              <a:rPr lang="en-US" altLang="ko-KR"/>
+              <a:t>+ ) </a:t>
+            </a:r>
+            <a:r>
+              <a:rPr lang="ko-KR" altLang="en-US"/>
+              <a:t>반장이 하자 보수 완료를 보고시에는 사용자 유형이 ＇기사</a:t>
+            </a:r>
+            <a:r>
+              <a:rPr lang="en-US" altLang="ko-KR"/>
+              <a:t>’</a:t>
+            </a:r>
+            <a:r>
+              <a:rPr lang="ko-KR" altLang="en-US"/>
+              <a:t>인 유저들에게 푸시 알림이 가도록 구현</a:t>
+            </a:r>
+          </a:p>
+        </p:txBody>
+      </p:sp>
+    </p:spTree>
+    <p:extLst>
+      <p:ext uri="{BB962C8B-B14F-4D97-AF65-F5344CB8AC3E}">
+        <p14:creationId xmlns:p14="http://schemas.microsoft.com/office/powerpoint/2010/main" val="4104875083"/>
+      </p:ext>
+    </p:extLst>
+  </p:cSld>
+  <p:clrMapOvr>
+    <a:masterClrMapping/>
+  </p:clrMapOvr>
+</p:sld>
+</file>
+
 <file path=ppt/theme/theme1.xml><?xml version="1.0" encoding="utf-8"?>
 <a:theme xmlns:a="http://schemas.openxmlformats.org/drawingml/2006/main" name="Office 테마">
   <a:themeElements>
